--- a/4-2.pptx
+++ b/4-2.pptx
@@ -7,11 +7,15 @@
   <p:sldIdLst>
     <p:sldId id="256" r:id="rId2"/>
     <p:sldId id="257" r:id="rId3"/>
-    <p:sldId id="258" r:id="rId4"/>
-    <p:sldId id="259" r:id="rId5"/>
-    <p:sldId id="260" r:id="rId6"/>
-    <p:sldId id="261" r:id="rId7"/>
-    <p:sldId id="262" r:id="rId8"/>
+    <p:sldId id="263" r:id="rId4"/>
+    <p:sldId id="258" r:id="rId5"/>
+    <p:sldId id="259" r:id="rId6"/>
+    <p:sldId id="260" r:id="rId7"/>
+    <p:sldId id="261" r:id="rId8"/>
+    <p:sldId id="262" r:id="rId9"/>
+    <p:sldId id="264" r:id="rId10"/>
+    <p:sldId id="265" r:id="rId11"/>
+    <p:sldId id="266" r:id="rId12"/>
   </p:sldIdLst>
   <p:sldSz cx="12192000" cy="6858000"/>
   <p:notesSz cx="6858000" cy="9144000"/>
@@ -1608,6 +1612,753 @@
 </file>
 
 <file path=ppt/diagrams/colors3.xml><?xml version="1.0" encoding="utf-8"?>
+<dgm:colorsDef xmlns:dgm="http://schemas.openxmlformats.org/drawingml/2006/diagram" xmlns:a="http://schemas.openxmlformats.org/drawingml/2006/main" uniqueId="urn:microsoft.com/office/officeart/2005/8/colors/accent1_2">
+  <dgm:title val=""/>
+  <dgm:desc val=""/>
+  <dgm:catLst>
+    <dgm:cat type="accent1" pri="11200"/>
+  </dgm:catLst>
+  <dgm:styleLbl name="node0">
+    <dgm:fillClrLst meth="repeat">
+      <a:schemeClr val="accent1"/>
+    </dgm:fillClrLst>
+    <dgm:linClrLst meth="repeat">
+      <a:schemeClr val="lt1"/>
+    </dgm:linClrLst>
+    <dgm:effectClrLst/>
+    <dgm:txLinClrLst/>
+    <dgm:txFillClrLst/>
+    <dgm:txEffectClrLst/>
+  </dgm:styleLbl>
+  <dgm:styleLbl name="alignNode1">
+    <dgm:fillClrLst meth="repeat">
+      <a:schemeClr val="accent1"/>
+    </dgm:fillClrLst>
+    <dgm:linClrLst meth="repeat">
+      <a:schemeClr val="accent1"/>
+    </dgm:linClrLst>
+    <dgm:effectClrLst/>
+    <dgm:txLinClrLst/>
+    <dgm:txFillClrLst/>
+    <dgm:txEffectClrLst/>
+  </dgm:styleLbl>
+  <dgm:styleLbl name="node1">
+    <dgm:fillClrLst meth="repeat">
+      <a:schemeClr val="accent1"/>
+    </dgm:fillClrLst>
+    <dgm:linClrLst meth="repeat">
+      <a:schemeClr val="lt1"/>
+    </dgm:linClrLst>
+    <dgm:effectClrLst/>
+    <dgm:txLinClrLst/>
+    <dgm:txFillClrLst/>
+    <dgm:txEffectClrLst/>
+  </dgm:styleLbl>
+  <dgm:styleLbl name="lnNode1">
+    <dgm:fillClrLst meth="repeat">
+      <a:schemeClr val="accent1"/>
+    </dgm:fillClrLst>
+    <dgm:linClrLst meth="repeat">
+      <a:schemeClr val="lt1"/>
+    </dgm:linClrLst>
+    <dgm:effectClrLst/>
+    <dgm:txLinClrLst/>
+    <dgm:txFillClrLst/>
+    <dgm:txEffectClrLst/>
+  </dgm:styleLbl>
+  <dgm:styleLbl name="vennNode1">
+    <dgm:fillClrLst meth="repeat">
+      <a:schemeClr val="accent1">
+        <a:alpha val="50000"/>
+      </a:schemeClr>
+    </dgm:fillClrLst>
+    <dgm:linClrLst meth="repeat">
+      <a:schemeClr val="lt1"/>
+    </dgm:linClrLst>
+    <dgm:effectClrLst/>
+    <dgm:txLinClrLst/>
+    <dgm:txFillClrLst/>
+    <dgm:txEffectClrLst/>
+  </dgm:styleLbl>
+  <dgm:styleLbl name="node2">
+    <dgm:fillClrLst meth="repeat">
+      <a:schemeClr val="accent1"/>
+    </dgm:fillClrLst>
+    <dgm:linClrLst meth="repeat">
+      <a:schemeClr val="lt1"/>
+    </dgm:linClrLst>
+    <dgm:effectClrLst/>
+    <dgm:txLinClrLst/>
+    <dgm:txFillClrLst/>
+    <dgm:txEffectClrLst/>
+  </dgm:styleLbl>
+  <dgm:styleLbl name="node3">
+    <dgm:fillClrLst meth="repeat">
+      <a:schemeClr val="accent1"/>
+    </dgm:fillClrLst>
+    <dgm:linClrLst meth="repeat">
+      <a:schemeClr val="lt1"/>
+    </dgm:linClrLst>
+    <dgm:effectClrLst/>
+    <dgm:txLinClrLst/>
+    <dgm:txFillClrLst/>
+    <dgm:txEffectClrLst/>
+  </dgm:styleLbl>
+  <dgm:styleLbl name="node4">
+    <dgm:fillClrLst meth="repeat">
+      <a:schemeClr val="accent1"/>
+    </dgm:fillClrLst>
+    <dgm:linClrLst meth="repeat">
+      <a:schemeClr val="lt1"/>
+    </dgm:linClrLst>
+    <dgm:effectClrLst/>
+    <dgm:txLinClrLst/>
+    <dgm:txFillClrLst/>
+    <dgm:txEffectClrLst/>
+  </dgm:styleLbl>
+  <dgm:styleLbl name="fgImgPlace1">
+    <dgm:fillClrLst meth="repeat">
+      <a:schemeClr val="accent1">
+        <a:tint val="50000"/>
+      </a:schemeClr>
+    </dgm:fillClrLst>
+    <dgm:linClrLst meth="repeat">
+      <a:schemeClr val="lt1"/>
+    </dgm:linClrLst>
+    <dgm:effectClrLst/>
+    <dgm:txLinClrLst/>
+    <dgm:txFillClrLst meth="repeat">
+      <a:schemeClr val="lt1"/>
+    </dgm:txFillClrLst>
+    <dgm:txEffectClrLst/>
+  </dgm:styleLbl>
+  <dgm:styleLbl name="alignImgPlace1">
+    <dgm:fillClrLst meth="repeat">
+      <a:schemeClr val="accent1">
+        <a:tint val="50000"/>
+      </a:schemeClr>
+    </dgm:fillClrLst>
+    <dgm:linClrLst meth="repeat">
+      <a:schemeClr val="lt1"/>
+    </dgm:linClrLst>
+    <dgm:effectClrLst/>
+    <dgm:txLinClrLst/>
+    <dgm:txFillClrLst meth="repeat">
+      <a:schemeClr val="lt1"/>
+    </dgm:txFillClrLst>
+    <dgm:txEffectClrLst/>
+  </dgm:styleLbl>
+  <dgm:styleLbl name="bgImgPlace1">
+    <dgm:fillClrLst meth="repeat">
+      <a:schemeClr val="accent1">
+        <a:tint val="50000"/>
+      </a:schemeClr>
+    </dgm:fillClrLst>
+    <dgm:linClrLst meth="repeat">
+      <a:schemeClr val="lt1"/>
+    </dgm:linClrLst>
+    <dgm:effectClrLst/>
+    <dgm:txLinClrLst/>
+    <dgm:txFillClrLst meth="repeat">
+      <a:schemeClr val="lt1"/>
+    </dgm:txFillClrLst>
+    <dgm:txEffectClrLst/>
+  </dgm:styleLbl>
+  <dgm:styleLbl name="sibTrans2D1">
+    <dgm:fillClrLst meth="repeat">
+      <a:schemeClr val="accent1">
+        <a:tint val="60000"/>
+      </a:schemeClr>
+    </dgm:fillClrLst>
+    <dgm:linClrLst meth="repeat">
+      <a:schemeClr val="accent1">
+        <a:tint val="60000"/>
+      </a:schemeClr>
+    </dgm:linClrLst>
+    <dgm:effectClrLst/>
+    <dgm:txLinClrLst/>
+    <dgm:txFillClrLst/>
+    <dgm:txEffectClrLst/>
+  </dgm:styleLbl>
+  <dgm:styleLbl name="fgSibTrans2D1">
+    <dgm:fillClrLst meth="repeat">
+      <a:schemeClr val="accent1">
+        <a:tint val="60000"/>
+      </a:schemeClr>
+    </dgm:fillClrLst>
+    <dgm:linClrLst meth="repeat">
+      <a:schemeClr val="accent1">
+        <a:tint val="60000"/>
+      </a:schemeClr>
+    </dgm:linClrLst>
+    <dgm:effectClrLst/>
+    <dgm:txLinClrLst/>
+    <dgm:txFillClrLst/>
+    <dgm:txEffectClrLst/>
+  </dgm:styleLbl>
+  <dgm:styleLbl name="bgSibTrans2D1">
+    <dgm:fillClrLst meth="repeat">
+      <a:schemeClr val="accent1">
+        <a:tint val="60000"/>
+      </a:schemeClr>
+    </dgm:fillClrLst>
+    <dgm:linClrLst meth="repeat">
+      <a:schemeClr val="accent1">
+        <a:tint val="60000"/>
+      </a:schemeClr>
+    </dgm:linClrLst>
+    <dgm:effectClrLst/>
+    <dgm:txLinClrLst/>
+    <dgm:txFillClrLst/>
+    <dgm:txEffectClrLst/>
+  </dgm:styleLbl>
+  <dgm:styleLbl name="sibTrans1D1">
+    <dgm:fillClrLst meth="repeat">
+      <a:schemeClr val="accent1"/>
+    </dgm:fillClrLst>
+    <dgm:linClrLst meth="repeat">
+      <a:schemeClr val="accent1"/>
+    </dgm:linClrLst>
+    <dgm:effectClrLst/>
+    <dgm:txLinClrLst/>
+    <dgm:txFillClrLst meth="repeat">
+      <a:schemeClr val="tx1"/>
+    </dgm:txFillClrLst>
+    <dgm:txEffectClrLst/>
+  </dgm:styleLbl>
+  <dgm:styleLbl name="callout">
+    <dgm:fillClrLst meth="repeat">
+      <a:schemeClr val="accent1"/>
+    </dgm:fillClrLst>
+    <dgm:linClrLst meth="repeat">
+      <a:schemeClr val="accent1">
+        <a:tint val="50000"/>
+      </a:schemeClr>
+    </dgm:linClrLst>
+    <dgm:effectClrLst/>
+    <dgm:txLinClrLst/>
+    <dgm:txFillClrLst meth="repeat">
+      <a:schemeClr val="tx1"/>
+    </dgm:txFillClrLst>
+    <dgm:txEffectClrLst/>
+  </dgm:styleLbl>
+  <dgm:styleLbl name="asst0">
+    <dgm:fillClrLst meth="repeat">
+      <a:schemeClr val="accent1"/>
+    </dgm:fillClrLst>
+    <dgm:linClrLst meth="repeat">
+      <a:schemeClr val="lt1"/>
+    </dgm:linClrLst>
+    <dgm:effectClrLst/>
+    <dgm:txLinClrLst/>
+    <dgm:txFillClrLst/>
+    <dgm:txEffectClrLst/>
+  </dgm:styleLbl>
+  <dgm:styleLbl name="asst1">
+    <dgm:fillClrLst meth="repeat">
+      <a:schemeClr val="accent1"/>
+    </dgm:fillClrLst>
+    <dgm:linClrLst meth="repeat">
+      <a:schemeClr val="lt1"/>
+    </dgm:linClrLst>
+    <dgm:effectClrLst/>
+    <dgm:txLinClrLst/>
+    <dgm:txFillClrLst/>
+    <dgm:txEffectClrLst/>
+  </dgm:styleLbl>
+  <dgm:styleLbl name="asst2">
+    <dgm:fillClrLst meth="repeat">
+      <a:schemeClr val="accent1"/>
+    </dgm:fillClrLst>
+    <dgm:linClrLst meth="repeat">
+      <a:schemeClr val="lt1"/>
+    </dgm:linClrLst>
+    <dgm:effectClrLst/>
+    <dgm:txLinClrLst/>
+    <dgm:txFillClrLst/>
+    <dgm:txEffectClrLst/>
+  </dgm:styleLbl>
+  <dgm:styleLbl name="asst3">
+    <dgm:fillClrLst meth="repeat">
+      <a:schemeClr val="accent1"/>
+    </dgm:fillClrLst>
+    <dgm:linClrLst meth="repeat">
+      <a:schemeClr val="lt1"/>
+    </dgm:linClrLst>
+    <dgm:effectClrLst/>
+    <dgm:txLinClrLst/>
+    <dgm:txFillClrLst/>
+    <dgm:txEffectClrLst/>
+  </dgm:styleLbl>
+  <dgm:styleLbl name="asst4">
+    <dgm:fillClrLst meth="repeat">
+      <a:schemeClr val="accent1"/>
+    </dgm:fillClrLst>
+    <dgm:linClrLst meth="repeat">
+      <a:schemeClr val="lt1"/>
+    </dgm:linClrLst>
+    <dgm:effectClrLst/>
+    <dgm:txLinClrLst/>
+    <dgm:txFillClrLst/>
+    <dgm:txEffectClrLst/>
+  </dgm:styleLbl>
+  <dgm:styleLbl name="parChTrans2D1">
+    <dgm:fillClrLst meth="repeat">
+      <a:schemeClr val="accent1">
+        <a:tint val="60000"/>
+      </a:schemeClr>
+    </dgm:fillClrLst>
+    <dgm:linClrLst meth="repeat">
+      <a:schemeClr val="accent1">
+        <a:tint val="60000"/>
+      </a:schemeClr>
+    </dgm:linClrLst>
+    <dgm:effectClrLst/>
+    <dgm:txLinClrLst/>
+    <dgm:txFillClrLst meth="repeat">
+      <a:schemeClr val="lt1"/>
+    </dgm:txFillClrLst>
+    <dgm:txEffectClrLst/>
+  </dgm:styleLbl>
+  <dgm:styleLbl name="parChTrans2D2">
+    <dgm:fillClrLst meth="repeat">
+      <a:schemeClr val="accent1"/>
+    </dgm:fillClrLst>
+    <dgm:linClrLst meth="repeat">
+      <a:schemeClr val="accent1"/>
+    </dgm:linClrLst>
+    <dgm:effectClrLst/>
+    <dgm:txLinClrLst/>
+    <dgm:txFillClrLst meth="repeat">
+      <a:schemeClr val="lt1"/>
+    </dgm:txFillClrLst>
+    <dgm:txEffectClrLst/>
+  </dgm:styleLbl>
+  <dgm:styleLbl name="parChTrans2D3">
+    <dgm:fillClrLst meth="repeat">
+      <a:schemeClr val="accent1"/>
+    </dgm:fillClrLst>
+    <dgm:linClrLst meth="repeat">
+      <a:schemeClr val="accent1"/>
+    </dgm:linClrLst>
+    <dgm:effectClrLst/>
+    <dgm:txLinClrLst/>
+    <dgm:txFillClrLst meth="repeat">
+      <a:schemeClr val="lt1"/>
+    </dgm:txFillClrLst>
+    <dgm:txEffectClrLst/>
+  </dgm:styleLbl>
+  <dgm:styleLbl name="parChTrans2D4">
+    <dgm:fillClrLst meth="repeat">
+      <a:schemeClr val="accent1"/>
+    </dgm:fillClrLst>
+    <dgm:linClrLst meth="repeat">
+      <a:schemeClr val="accent1"/>
+    </dgm:linClrLst>
+    <dgm:effectClrLst/>
+    <dgm:txLinClrLst/>
+    <dgm:txFillClrLst meth="repeat">
+      <a:schemeClr val="lt1"/>
+    </dgm:txFillClrLst>
+    <dgm:txEffectClrLst/>
+  </dgm:styleLbl>
+  <dgm:styleLbl name="parChTrans1D1">
+    <dgm:fillClrLst meth="repeat">
+      <a:schemeClr val="accent1"/>
+    </dgm:fillClrLst>
+    <dgm:linClrLst meth="repeat">
+      <a:schemeClr val="accent1">
+        <a:shade val="60000"/>
+      </a:schemeClr>
+    </dgm:linClrLst>
+    <dgm:effectClrLst/>
+    <dgm:txLinClrLst/>
+    <dgm:txFillClrLst meth="repeat">
+      <a:schemeClr val="tx1"/>
+    </dgm:txFillClrLst>
+    <dgm:txEffectClrLst/>
+  </dgm:styleLbl>
+  <dgm:styleLbl name="parChTrans1D2">
+    <dgm:fillClrLst meth="repeat">
+      <a:schemeClr val="accent1"/>
+    </dgm:fillClrLst>
+    <dgm:linClrLst meth="repeat">
+      <a:schemeClr val="accent1">
+        <a:shade val="60000"/>
+      </a:schemeClr>
+    </dgm:linClrLst>
+    <dgm:effectClrLst/>
+    <dgm:txLinClrLst/>
+    <dgm:txFillClrLst meth="repeat">
+      <a:schemeClr val="tx1"/>
+    </dgm:txFillClrLst>
+    <dgm:txEffectClrLst/>
+  </dgm:styleLbl>
+  <dgm:styleLbl name="parChTrans1D3">
+    <dgm:fillClrLst meth="repeat">
+      <a:schemeClr val="accent1"/>
+    </dgm:fillClrLst>
+    <dgm:linClrLst meth="repeat">
+      <a:schemeClr val="accent1">
+        <a:shade val="80000"/>
+      </a:schemeClr>
+    </dgm:linClrLst>
+    <dgm:effectClrLst/>
+    <dgm:txLinClrLst/>
+    <dgm:txFillClrLst meth="repeat">
+      <a:schemeClr val="tx1"/>
+    </dgm:txFillClrLst>
+    <dgm:txEffectClrLst/>
+  </dgm:styleLbl>
+  <dgm:styleLbl name="parChTrans1D4">
+    <dgm:fillClrLst meth="repeat">
+      <a:schemeClr val="accent1"/>
+    </dgm:fillClrLst>
+    <dgm:linClrLst meth="repeat">
+      <a:schemeClr val="accent1">
+        <a:shade val="80000"/>
+      </a:schemeClr>
+    </dgm:linClrLst>
+    <dgm:effectClrLst/>
+    <dgm:txLinClrLst/>
+    <dgm:txFillClrLst meth="repeat">
+      <a:schemeClr val="tx1"/>
+    </dgm:txFillClrLst>
+    <dgm:txEffectClrLst/>
+  </dgm:styleLbl>
+  <dgm:styleLbl name="fgAcc1">
+    <dgm:fillClrLst meth="repeat">
+      <a:schemeClr val="lt1">
+        <a:alpha val="90000"/>
+      </a:schemeClr>
+    </dgm:fillClrLst>
+    <dgm:linClrLst meth="repeat">
+      <a:schemeClr val="accent1"/>
+    </dgm:linClrLst>
+    <dgm:effectClrLst/>
+    <dgm:txLinClrLst/>
+    <dgm:txFillClrLst meth="repeat">
+      <a:schemeClr val="dk1"/>
+    </dgm:txFillClrLst>
+    <dgm:txEffectClrLst/>
+  </dgm:styleLbl>
+  <dgm:styleLbl name="conFgAcc1">
+    <dgm:fillClrLst meth="repeat">
+      <a:schemeClr val="lt1">
+        <a:alpha val="90000"/>
+      </a:schemeClr>
+    </dgm:fillClrLst>
+    <dgm:linClrLst meth="repeat">
+      <a:schemeClr val="accent1"/>
+    </dgm:linClrLst>
+    <dgm:effectClrLst/>
+    <dgm:txLinClrLst/>
+    <dgm:txFillClrLst meth="repeat">
+      <a:schemeClr val="dk1"/>
+    </dgm:txFillClrLst>
+    <dgm:txEffectClrLst/>
+  </dgm:styleLbl>
+  <dgm:styleLbl name="alignAcc1">
+    <dgm:fillClrLst meth="repeat">
+      <a:schemeClr val="lt1">
+        <a:alpha val="90000"/>
+      </a:schemeClr>
+    </dgm:fillClrLst>
+    <dgm:linClrLst meth="repeat">
+      <a:schemeClr val="accent1"/>
+    </dgm:linClrLst>
+    <dgm:effectClrLst/>
+    <dgm:txLinClrLst/>
+    <dgm:txFillClrLst meth="repeat">
+      <a:schemeClr val="dk1"/>
+    </dgm:txFillClrLst>
+    <dgm:txEffectClrLst/>
+  </dgm:styleLbl>
+  <dgm:styleLbl name="trAlignAcc1">
+    <dgm:fillClrLst meth="repeat">
+      <a:schemeClr val="lt1">
+        <a:alpha val="40000"/>
+      </a:schemeClr>
+    </dgm:fillClrLst>
+    <dgm:linClrLst meth="repeat">
+      <a:schemeClr val="accent1"/>
+    </dgm:linClrLst>
+    <dgm:effectClrLst/>
+    <dgm:txLinClrLst/>
+    <dgm:txFillClrLst meth="repeat">
+      <a:schemeClr val="dk1"/>
+    </dgm:txFillClrLst>
+    <dgm:txEffectClrLst/>
+  </dgm:styleLbl>
+  <dgm:styleLbl name="bgAcc1">
+    <dgm:fillClrLst meth="repeat">
+      <a:schemeClr val="lt1">
+        <a:alpha val="90000"/>
+      </a:schemeClr>
+    </dgm:fillClrLst>
+    <dgm:linClrLst meth="repeat">
+      <a:schemeClr val="accent1"/>
+    </dgm:linClrLst>
+    <dgm:effectClrLst/>
+    <dgm:txLinClrLst/>
+    <dgm:txFillClrLst meth="repeat">
+      <a:schemeClr val="dk1"/>
+    </dgm:txFillClrLst>
+    <dgm:txEffectClrLst/>
+  </dgm:styleLbl>
+  <dgm:styleLbl name="solidFgAcc1">
+    <dgm:fillClrLst meth="repeat">
+      <a:schemeClr val="lt1"/>
+    </dgm:fillClrLst>
+    <dgm:linClrLst meth="repeat">
+      <a:schemeClr val="accent1"/>
+    </dgm:linClrLst>
+    <dgm:effectClrLst/>
+    <dgm:txLinClrLst/>
+    <dgm:txFillClrLst meth="repeat">
+      <a:schemeClr val="dk1"/>
+    </dgm:txFillClrLst>
+    <dgm:txEffectClrLst/>
+  </dgm:styleLbl>
+  <dgm:styleLbl name="solidAlignAcc1">
+    <dgm:fillClrLst meth="repeat">
+      <a:schemeClr val="lt1"/>
+    </dgm:fillClrLst>
+    <dgm:linClrLst meth="repeat">
+      <a:schemeClr val="accent1"/>
+    </dgm:linClrLst>
+    <dgm:effectClrLst/>
+    <dgm:txLinClrLst/>
+    <dgm:txFillClrLst meth="repeat">
+      <a:schemeClr val="dk1"/>
+    </dgm:txFillClrLst>
+    <dgm:txEffectClrLst/>
+  </dgm:styleLbl>
+  <dgm:styleLbl name="solidBgAcc1">
+    <dgm:fillClrLst meth="repeat">
+      <a:schemeClr val="lt1"/>
+    </dgm:fillClrLst>
+    <dgm:linClrLst meth="repeat">
+      <a:schemeClr val="accent1"/>
+    </dgm:linClrLst>
+    <dgm:effectClrLst/>
+    <dgm:txLinClrLst/>
+    <dgm:txFillClrLst meth="repeat">
+      <a:schemeClr val="dk1"/>
+    </dgm:txFillClrLst>
+    <dgm:txEffectClrLst/>
+  </dgm:styleLbl>
+  <dgm:styleLbl name="fgAccFollowNode1">
+    <dgm:fillClrLst meth="repeat">
+      <a:schemeClr val="accent1">
+        <a:alpha val="90000"/>
+        <a:tint val="40000"/>
+      </a:schemeClr>
+    </dgm:fillClrLst>
+    <dgm:linClrLst meth="repeat">
+      <a:schemeClr val="accent1">
+        <a:alpha val="90000"/>
+        <a:tint val="40000"/>
+      </a:schemeClr>
+    </dgm:linClrLst>
+    <dgm:effectClrLst/>
+    <dgm:txLinClrLst/>
+    <dgm:txFillClrLst meth="repeat">
+      <a:schemeClr val="dk1"/>
+    </dgm:txFillClrLst>
+    <dgm:txEffectClrLst/>
+  </dgm:styleLbl>
+  <dgm:styleLbl name="alignAccFollowNode1">
+    <dgm:fillClrLst meth="repeat">
+      <a:schemeClr val="accent1">
+        <a:alpha val="90000"/>
+        <a:tint val="40000"/>
+      </a:schemeClr>
+    </dgm:fillClrLst>
+    <dgm:linClrLst meth="repeat">
+      <a:schemeClr val="accent1">
+        <a:alpha val="90000"/>
+        <a:tint val="40000"/>
+      </a:schemeClr>
+    </dgm:linClrLst>
+    <dgm:effectClrLst/>
+    <dgm:txLinClrLst/>
+    <dgm:txFillClrLst meth="repeat">
+      <a:schemeClr val="dk1"/>
+    </dgm:txFillClrLst>
+    <dgm:txEffectClrLst/>
+  </dgm:styleLbl>
+  <dgm:styleLbl name="bgAccFollowNode1">
+    <dgm:fillClrLst meth="repeat">
+      <a:schemeClr val="accent1">
+        <a:alpha val="90000"/>
+        <a:tint val="40000"/>
+      </a:schemeClr>
+    </dgm:fillClrLst>
+    <dgm:linClrLst meth="repeat">
+      <a:schemeClr val="accent1">
+        <a:alpha val="90000"/>
+        <a:tint val="40000"/>
+      </a:schemeClr>
+    </dgm:linClrLst>
+    <dgm:effectClrLst/>
+    <dgm:txLinClrLst/>
+    <dgm:txFillClrLst meth="repeat">
+      <a:schemeClr val="dk1"/>
+    </dgm:txFillClrLst>
+    <dgm:txEffectClrLst/>
+  </dgm:styleLbl>
+  <dgm:styleLbl name="fgAcc0">
+    <dgm:fillClrLst meth="repeat">
+      <a:schemeClr val="lt1">
+        <a:alpha val="90000"/>
+      </a:schemeClr>
+    </dgm:fillClrLst>
+    <dgm:linClrLst meth="repeat">
+      <a:schemeClr val="accent1"/>
+    </dgm:linClrLst>
+    <dgm:effectClrLst/>
+    <dgm:txLinClrLst/>
+    <dgm:txFillClrLst meth="repeat">
+      <a:schemeClr val="dk1"/>
+    </dgm:txFillClrLst>
+    <dgm:txEffectClrLst/>
+  </dgm:styleLbl>
+  <dgm:styleLbl name="fgAcc2">
+    <dgm:fillClrLst meth="repeat">
+      <a:schemeClr val="lt1">
+        <a:alpha val="90000"/>
+      </a:schemeClr>
+    </dgm:fillClrLst>
+    <dgm:linClrLst meth="repeat">
+      <a:schemeClr val="accent1"/>
+    </dgm:linClrLst>
+    <dgm:effectClrLst/>
+    <dgm:txLinClrLst/>
+    <dgm:txFillClrLst meth="repeat">
+      <a:schemeClr val="dk1"/>
+    </dgm:txFillClrLst>
+    <dgm:txEffectClrLst/>
+  </dgm:styleLbl>
+  <dgm:styleLbl name="fgAcc3">
+    <dgm:fillClrLst meth="repeat">
+      <a:schemeClr val="lt1">
+        <a:alpha val="90000"/>
+      </a:schemeClr>
+    </dgm:fillClrLst>
+    <dgm:linClrLst meth="repeat">
+      <a:schemeClr val="accent1"/>
+    </dgm:linClrLst>
+    <dgm:effectClrLst/>
+    <dgm:txLinClrLst/>
+    <dgm:txFillClrLst meth="repeat">
+      <a:schemeClr val="dk1"/>
+    </dgm:txFillClrLst>
+    <dgm:txEffectClrLst/>
+  </dgm:styleLbl>
+  <dgm:styleLbl name="fgAcc4">
+    <dgm:fillClrLst meth="repeat">
+      <a:schemeClr val="lt1">
+        <a:alpha val="90000"/>
+      </a:schemeClr>
+    </dgm:fillClrLst>
+    <dgm:linClrLst meth="repeat">
+      <a:schemeClr val="accent1"/>
+    </dgm:linClrLst>
+    <dgm:effectClrLst/>
+    <dgm:txLinClrLst/>
+    <dgm:txFillClrLst meth="repeat">
+      <a:schemeClr val="dk1"/>
+    </dgm:txFillClrLst>
+    <dgm:txEffectClrLst/>
+  </dgm:styleLbl>
+  <dgm:styleLbl name="bgShp">
+    <dgm:fillClrLst meth="repeat">
+      <a:schemeClr val="accent1">
+        <a:tint val="40000"/>
+      </a:schemeClr>
+    </dgm:fillClrLst>
+    <dgm:linClrLst meth="repeat">
+      <a:schemeClr val="accent1"/>
+    </dgm:linClrLst>
+    <dgm:effectClrLst/>
+    <dgm:txLinClrLst/>
+    <dgm:txFillClrLst meth="repeat">
+      <a:schemeClr val="dk1"/>
+    </dgm:txFillClrLst>
+    <dgm:txEffectClrLst/>
+  </dgm:styleLbl>
+  <dgm:styleLbl name="dkBgShp">
+    <dgm:fillClrLst meth="repeat">
+      <a:schemeClr val="accent1">
+        <a:shade val="80000"/>
+      </a:schemeClr>
+    </dgm:fillClrLst>
+    <dgm:linClrLst meth="repeat">
+      <a:schemeClr val="accent1"/>
+    </dgm:linClrLst>
+    <dgm:effectClrLst/>
+    <dgm:txLinClrLst/>
+    <dgm:txFillClrLst meth="repeat">
+      <a:schemeClr val="lt1"/>
+    </dgm:txFillClrLst>
+    <dgm:txEffectClrLst/>
+  </dgm:styleLbl>
+  <dgm:styleLbl name="trBgShp">
+    <dgm:fillClrLst meth="repeat">
+      <a:schemeClr val="accent1">
+        <a:tint val="50000"/>
+        <a:alpha val="40000"/>
+      </a:schemeClr>
+    </dgm:fillClrLst>
+    <dgm:linClrLst meth="repeat">
+      <a:schemeClr val="accent1"/>
+    </dgm:linClrLst>
+    <dgm:effectClrLst/>
+    <dgm:txLinClrLst/>
+    <dgm:txFillClrLst meth="repeat">
+      <a:schemeClr val="lt1"/>
+    </dgm:txFillClrLst>
+    <dgm:txEffectClrLst/>
+  </dgm:styleLbl>
+  <dgm:styleLbl name="fgShp">
+    <dgm:fillClrLst meth="repeat">
+      <a:schemeClr val="accent1">
+        <a:tint val="60000"/>
+      </a:schemeClr>
+    </dgm:fillClrLst>
+    <dgm:linClrLst meth="repeat">
+      <a:schemeClr val="lt1"/>
+    </dgm:linClrLst>
+    <dgm:effectClrLst/>
+    <dgm:txLinClrLst/>
+    <dgm:txFillClrLst meth="repeat">
+      <a:schemeClr val="dk1"/>
+    </dgm:txFillClrLst>
+    <dgm:txEffectClrLst/>
+  </dgm:styleLbl>
+  <dgm:styleLbl name="revTx">
+    <dgm:fillClrLst meth="repeat">
+      <a:schemeClr val="lt1">
+        <a:alpha val="0"/>
+      </a:schemeClr>
+    </dgm:fillClrLst>
+    <dgm:linClrLst meth="repeat">
+      <a:schemeClr val="dk1">
+        <a:alpha val="0"/>
+      </a:schemeClr>
+    </dgm:linClrLst>
+    <dgm:effectClrLst/>
+    <dgm:txLinClrLst/>
+    <dgm:txFillClrLst meth="repeat">
+      <a:schemeClr val="tx1"/>
+    </dgm:txFillClrLst>
+    <dgm:txEffectClrLst/>
+  </dgm:styleLbl>
+</dgm:colorsDef>
+</file>
+
+<file path=ppt/diagrams/colors4.xml><?xml version="1.0" encoding="utf-8"?>
 <dgm:colorsDef xmlns:dgm="http://schemas.openxmlformats.org/drawingml/2006/diagram" xmlns:a="http://schemas.openxmlformats.org/drawingml/2006/main" uniqueId="urn:microsoft.com/office/officeart/2005/8/colors/accent1_2">
   <dgm:title val=""/>
   <dgm:desc val=""/>
@@ -3956,6 +4707,793 @@
     <dgm:cxn modelId="{8DDE3640-BF52-40B1-AA31-1A166644BE8A}" type="presParOf" srcId="{C022FC40-C0DD-49AA-90CA-90CA6A910A1F}" destId="{11CC2669-631D-4E97-BD45-1FD438FEADFF}" srcOrd="9" destOrd="0" presId="urn:microsoft.com/office/officeart/2005/8/layout/process5"/>
     <dgm:cxn modelId="{E7D3ECE3-B73C-42FB-9F92-C78D52CCC36F}" type="presParOf" srcId="{11CC2669-631D-4E97-BD45-1FD438FEADFF}" destId="{6B10051E-1CF5-4169-A069-D80FEE6E42D3}" srcOrd="0" destOrd="0" presId="urn:microsoft.com/office/officeart/2005/8/layout/process5"/>
     <dgm:cxn modelId="{62134460-0037-4C5D-9308-BD09C458FCD8}" type="presParOf" srcId="{C022FC40-C0DD-49AA-90CA-90CA6A910A1F}" destId="{C2725569-9B98-4B38-8190-AD66FB5D9184}" srcOrd="10" destOrd="0" presId="urn:microsoft.com/office/officeart/2005/8/layout/process5"/>
+  </dgm:cxnLst>
+  <dgm:bg/>
+  <dgm:whole/>
+  <dgm:extLst>
+    <a:ext uri="http://schemas.microsoft.com/office/drawing/2008/diagram">
+      <dsp:dataModelExt xmlns:dsp="http://schemas.microsoft.com/office/drawing/2008/diagram" relId="rId6" minVer="http://schemas.openxmlformats.org/drawingml/2006/diagram"/>
+    </a:ext>
+  </dgm:extLst>
+</dgm:dataModel>
+</file>
+
+<file path=ppt/diagrams/data4.xml><?xml version="1.0" encoding="utf-8"?>
+<dgm:dataModel xmlns:dgm="http://schemas.openxmlformats.org/drawingml/2006/diagram" xmlns:a="http://schemas.openxmlformats.org/drawingml/2006/main">
+  <dgm:ptLst>
+    <dgm:pt modelId="{9B65A267-6724-46BA-9F75-0EF69D492A8A}" type="doc">
+      <dgm:prSet loTypeId="urn:microsoft.com/office/officeart/2005/8/layout/hierarchy2" loCatId="hierarchy" qsTypeId="urn:microsoft.com/office/officeart/2005/8/quickstyle/simple1" qsCatId="simple" csTypeId="urn:microsoft.com/office/officeart/2005/8/colors/accent1_2" csCatId="accent1" phldr="1"/>
+      <dgm:spPr/>
+      <dgm:t>
+        <a:bodyPr/>
+        <a:lstStyle/>
+        <a:p>
+          <a:endParaRPr lang="zh-CN" altLang="en-US"/>
+        </a:p>
+      </dgm:t>
+    </dgm:pt>
+    <dgm:pt modelId="{1F6C9B4C-319C-42FA-B90A-E0F1B2BB79D2}">
+      <dgm:prSet phldrT="[文本]"/>
+      <dgm:spPr/>
+      <dgm:t>
+        <a:bodyPr/>
+        <a:lstStyle/>
+        <a:p>
+          <a:r>
+            <a:rPr lang="zh-CN" altLang="en-US" dirty="0"/>
+            <a:t>数据</a:t>
+          </a:r>
+        </a:p>
+      </dgm:t>
+    </dgm:pt>
+    <dgm:pt modelId="{DB3D571B-849D-45EA-97FA-E8B741FC4AC7}" type="parTrans" cxnId="{F85A8D5C-AADD-478E-9FEB-A50FC05D8650}">
+      <dgm:prSet/>
+      <dgm:spPr/>
+      <dgm:t>
+        <a:bodyPr/>
+        <a:lstStyle/>
+        <a:p>
+          <a:endParaRPr lang="zh-CN" altLang="en-US"/>
+        </a:p>
+      </dgm:t>
+    </dgm:pt>
+    <dgm:pt modelId="{6105DE28-5137-432B-B5F0-A9FEF8E4CAEF}" type="sibTrans" cxnId="{F85A8D5C-AADD-478E-9FEB-A50FC05D8650}">
+      <dgm:prSet/>
+      <dgm:spPr/>
+      <dgm:t>
+        <a:bodyPr/>
+        <a:lstStyle/>
+        <a:p>
+          <a:endParaRPr lang="zh-CN" altLang="en-US"/>
+        </a:p>
+      </dgm:t>
+    </dgm:pt>
+    <dgm:pt modelId="{76A7F09A-9010-4E08-BB3F-8FC70FB79DF1}">
+      <dgm:prSet phldrT="[文本]"/>
+      <dgm:spPr/>
+      <dgm:t>
+        <a:bodyPr/>
+        <a:lstStyle/>
+        <a:p>
+          <a:r>
+            <a:rPr lang="zh-CN" altLang="en-US" dirty="0"/>
+            <a:t>院线电影数据</a:t>
+          </a:r>
+        </a:p>
+      </dgm:t>
+    </dgm:pt>
+    <dgm:pt modelId="{C9128400-B97A-447F-9EAA-EBCBCF69ACB0}" type="parTrans" cxnId="{C844E366-AAF3-4302-8DC9-4CD6839D077B}">
+      <dgm:prSet/>
+      <dgm:spPr/>
+      <dgm:t>
+        <a:bodyPr/>
+        <a:lstStyle/>
+        <a:p>
+          <a:endParaRPr lang="zh-CN" altLang="en-US"/>
+        </a:p>
+      </dgm:t>
+    </dgm:pt>
+    <dgm:pt modelId="{E4E9889A-2D6F-441D-9754-DD25E0D33314}" type="sibTrans" cxnId="{C844E366-AAF3-4302-8DC9-4CD6839D077B}">
+      <dgm:prSet/>
+      <dgm:spPr/>
+      <dgm:t>
+        <a:bodyPr/>
+        <a:lstStyle/>
+        <a:p>
+          <a:endParaRPr lang="zh-CN" altLang="en-US"/>
+        </a:p>
+      </dgm:t>
+    </dgm:pt>
+    <dgm:pt modelId="{CFBDF997-A58A-40EF-907A-C0E05AFC4B3A}">
+      <dgm:prSet phldrT="[文本]"/>
+      <dgm:spPr/>
+      <dgm:t>
+        <a:bodyPr/>
+        <a:lstStyle/>
+        <a:p>
+          <a:r>
+            <a:rPr lang="zh-CN" altLang="en-US" dirty="0"/>
+            <a:t>影院数据</a:t>
+          </a:r>
+        </a:p>
+      </dgm:t>
+    </dgm:pt>
+    <dgm:pt modelId="{F83BA941-237C-4DAA-A084-DF5EC3096F90}" type="parTrans" cxnId="{4A219193-8DD3-4275-9686-E4CE85F2B92E}">
+      <dgm:prSet/>
+      <dgm:spPr/>
+      <dgm:t>
+        <a:bodyPr/>
+        <a:lstStyle/>
+        <a:p>
+          <a:endParaRPr lang="zh-CN" altLang="en-US"/>
+        </a:p>
+      </dgm:t>
+    </dgm:pt>
+    <dgm:pt modelId="{463EC4DB-D738-4326-BE27-8CD9E826E645}" type="sibTrans" cxnId="{4A219193-8DD3-4275-9686-E4CE85F2B92E}">
+      <dgm:prSet/>
+      <dgm:spPr/>
+      <dgm:t>
+        <a:bodyPr/>
+        <a:lstStyle/>
+        <a:p>
+          <a:endParaRPr lang="zh-CN" altLang="en-US"/>
+        </a:p>
+      </dgm:t>
+    </dgm:pt>
+    <dgm:pt modelId="{A4526322-D3E3-4BB1-A872-CEE205B03E7B}">
+      <dgm:prSet phldrT="[文本]"/>
+      <dgm:spPr/>
+      <dgm:t>
+        <a:bodyPr/>
+        <a:lstStyle/>
+        <a:p>
+          <a:r>
+            <a:rPr lang="zh-CN" altLang="en-US" dirty="0"/>
+            <a:t>电影数据</a:t>
+          </a:r>
+        </a:p>
+      </dgm:t>
+    </dgm:pt>
+    <dgm:pt modelId="{7F534ACA-837E-4953-8F5B-E6252451BAB5}" type="parTrans" cxnId="{8DA93DAE-2B32-4C12-B309-8ADC38F19478}">
+      <dgm:prSet/>
+      <dgm:spPr/>
+      <dgm:t>
+        <a:bodyPr/>
+        <a:lstStyle/>
+        <a:p>
+          <a:endParaRPr lang="zh-CN" altLang="en-US"/>
+        </a:p>
+      </dgm:t>
+    </dgm:pt>
+    <dgm:pt modelId="{D5B89F1A-5F10-489A-B702-6A55EC14A5A9}" type="sibTrans" cxnId="{8DA93DAE-2B32-4C12-B309-8ADC38F19478}">
+      <dgm:prSet/>
+      <dgm:spPr/>
+      <dgm:t>
+        <a:bodyPr/>
+        <a:lstStyle/>
+        <a:p>
+          <a:endParaRPr lang="zh-CN" altLang="en-US"/>
+        </a:p>
+      </dgm:t>
+    </dgm:pt>
+    <dgm:pt modelId="{BAD86F52-97F2-4E13-9E5B-3E9269AA500C}">
+      <dgm:prSet phldrT="[文本]"/>
+      <dgm:spPr/>
+      <dgm:t>
+        <a:bodyPr/>
+        <a:lstStyle/>
+        <a:p>
+          <a:r>
+            <a:rPr lang="zh-CN" altLang="en-US" dirty="0"/>
+            <a:t>豆瓣</a:t>
+          </a:r>
+        </a:p>
+      </dgm:t>
+    </dgm:pt>
+    <dgm:pt modelId="{96A314BB-1E0C-4E7F-AAF2-026209319305}" type="parTrans" cxnId="{3DC9EB14-3167-43D3-B771-C7031813E883}">
+      <dgm:prSet/>
+      <dgm:spPr/>
+      <dgm:t>
+        <a:bodyPr/>
+        <a:lstStyle/>
+        <a:p>
+          <a:endParaRPr lang="zh-CN" altLang="en-US"/>
+        </a:p>
+      </dgm:t>
+    </dgm:pt>
+    <dgm:pt modelId="{000AAF50-757C-42AE-986C-A26294EB2E5F}" type="sibTrans" cxnId="{3DC9EB14-3167-43D3-B771-C7031813E883}">
+      <dgm:prSet/>
+      <dgm:spPr/>
+      <dgm:t>
+        <a:bodyPr/>
+        <a:lstStyle/>
+        <a:p>
+          <a:endParaRPr lang="zh-CN" altLang="en-US"/>
+        </a:p>
+      </dgm:t>
+    </dgm:pt>
+    <dgm:pt modelId="{00B7D7DB-FDD6-4425-9BE5-CED5B64CBA18}">
+      <dgm:prSet phldrT="[文本]"/>
+      <dgm:spPr/>
+      <dgm:t>
+        <a:bodyPr/>
+        <a:lstStyle/>
+        <a:p>
+          <a:r>
+            <a:rPr lang="zh-CN" altLang="en-US" dirty="0"/>
+            <a:t>淘票票影院</a:t>
+          </a:r>
+        </a:p>
+      </dgm:t>
+    </dgm:pt>
+    <dgm:pt modelId="{CB202DEC-9BF7-4C1B-9A5E-D0179CA8C24B}" type="parTrans" cxnId="{D16C55B2-6791-4259-B80D-89968805C173}">
+      <dgm:prSet/>
+      <dgm:spPr/>
+      <dgm:t>
+        <a:bodyPr/>
+        <a:lstStyle/>
+        <a:p>
+          <a:endParaRPr lang="zh-CN" altLang="en-US"/>
+        </a:p>
+      </dgm:t>
+    </dgm:pt>
+    <dgm:pt modelId="{70024852-7416-4FC4-8C59-29B79262002A}" type="sibTrans" cxnId="{D16C55B2-6791-4259-B80D-89968805C173}">
+      <dgm:prSet/>
+      <dgm:spPr/>
+      <dgm:t>
+        <a:bodyPr/>
+        <a:lstStyle/>
+        <a:p>
+          <a:endParaRPr lang="zh-CN" altLang="en-US"/>
+        </a:p>
+      </dgm:t>
+    </dgm:pt>
+    <dgm:pt modelId="{BDA04AE0-56FE-4D76-A118-F8E20E2B027F}">
+      <dgm:prSet phldrT="[文本]"/>
+      <dgm:spPr/>
+      <dgm:t>
+        <a:bodyPr/>
+        <a:lstStyle/>
+        <a:p>
+          <a:r>
+            <a:rPr lang="zh-CN" altLang="en-US" dirty="0"/>
+            <a:t>糯米影院</a:t>
+          </a:r>
+        </a:p>
+      </dgm:t>
+    </dgm:pt>
+    <dgm:pt modelId="{6466273B-C045-44BF-85A9-8E62B2DBFBA1}" type="parTrans" cxnId="{49FE448C-A528-415A-B121-4DE8FF0214AA}">
+      <dgm:prSet/>
+      <dgm:spPr/>
+      <dgm:t>
+        <a:bodyPr/>
+        <a:lstStyle/>
+        <a:p>
+          <a:endParaRPr lang="zh-CN" altLang="en-US"/>
+        </a:p>
+      </dgm:t>
+    </dgm:pt>
+    <dgm:pt modelId="{9F65ADF5-ECFE-4121-B8F0-1E842AF3BEC3}" type="sibTrans" cxnId="{49FE448C-A528-415A-B121-4DE8FF0214AA}">
+      <dgm:prSet/>
+      <dgm:spPr/>
+      <dgm:t>
+        <a:bodyPr/>
+        <a:lstStyle/>
+        <a:p>
+          <a:endParaRPr lang="zh-CN" altLang="en-US"/>
+        </a:p>
+      </dgm:t>
+    </dgm:pt>
+    <dgm:pt modelId="{17701E64-219E-416D-B754-3FD0D9DEDD85}">
+      <dgm:prSet phldrT="[文本]"/>
+      <dgm:spPr/>
+      <dgm:t>
+        <a:bodyPr/>
+        <a:lstStyle/>
+        <a:p>
+          <a:r>
+            <a:rPr lang="zh-CN" altLang="en-US" dirty="0"/>
+            <a:t>猫眼影院</a:t>
+          </a:r>
+        </a:p>
+      </dgm:t>
+    </dgm:pt>
+    <dgm:pt modelId="{3DE6D15E-AD98-4BDF-861A-5702F64B0291}" type="parTrans" cxnId="{3FFF6C2D-D75A-4387-8EEF-F4CE1E1F83A2}">
+      <dgm:prSet/>
+      <dgm:spPr/>
+      <dgm:t>
+        <a:bodyPr/>
+        <a:lstStyle/>
+        <a:p>
+          <a:endParaRPr lang="zh-CN" altLang="en-US"/>
+        </a:p>
+      </dgm:t>
+    </dgm:pt>
+    <dgm:pt modelId="{D43D8F42-4238-4A31-A143-70AA853E99CF}" type="sibTrans" cxnId="{3FFF6C2D-D75A-4387-8EEF-F4CE1E1F83A2}">
+      <dgm:prSet/>
+      <dgm:spPr/>
+      <dgm:t>
+        <a:bodyPr/>
+        <a:lstStyle/>
+        <a:p>
+          <a:endParaRPr lang="zh-CN" altLang="en-US"/>
+        </a:p>
+      </dgm:t>
+    </dgm:pt>
+    <dgm:pt modelId="{788422BD-D3D2-4B3E-B3AC-502A73CDFD7A}">
+      <dgm:prSet phldrT="[文本]"/>
+      <dgm:spPr/>
+      <dgm:t>
+        <a:bodyPr/>
+        <a:lstStyle/>
+        <a:p>
+          <a:r>
+            <a:rPr lang="zh-CN" altLang="en-US" dirty="0"/>
+            <a:t>时段</a:t>
+          </a:r>
+        </a:p>
+      </dgm:t>
+    </dgm:pt>
+    <dgm:pt modelId="{834F0AD9-6193-4D2E-B264-AB0059B94A9A}" type="parTrans" cxnId="{D321FEB5-9557-4433-87C3-CCCAB20FC67D}">
+      <dgm:prSet/>
+      <dgm:spPr/>
+      <dgm:t>
+        <a:bodyPr/>
+        <a:lstStyle/>
+        <a:p>
+          <a:endParaRPr lang="zh-CN" altLang="en-US"/>
+        </a:p>
+      </dgm:t>
+    </dgm:pt>
+    <dgm:pt modelId="{1D490D5B-3162-444B-873A-B39E2B603909}" type="sibTrans" cxnId="{D321FEB5-9557-4433-87C3-CCCAB20FC67D}">
+      <dgm:prSet/>
+      <dgm:spPr/>
+      <dgm:t>
+        <a:bodyPr/>
+        <a:lstStyle/>
+        <a:p>
+          <a:endParaRPr lang="zh-CN" altLang="en-US"/>
+        </a:p>
+      </dgm:t>
+    </dgm:pt>
+    <dgm:pt modelId="{6DF43DBD-5B29-4BBC-82E1-1D56FC27836F}">
+      <dgm:prSet phldrT="[文本]"/>
+      <dgm:spPr/>
+      <dgm:t>
+        <a:bodyPr/>
+        <a:lstStyle/>
+        <a:p>
+          <a:r>
+            <a:rPr lang="zh-CN" altLang="en-US" dirty="0"/>
+            <a:t>票价</a:t>
+          </a:r>
+        </a:p>
+      </dgm:t>
+    </dgm:pt>
+    <dgm:pt modelId="{E42CA2A6-99DA-4246-9255-6B7137E485FA}" type="parTrans" cxnId="{9E3C53F5-F0F1-4BC9-932A-218A6173960F}">
+      <dgm:prSet/>
+      <dgm:spPr/>
+      <dgm:t>
+        <a:bodyPr/>
+        <a:lstStyle/>
+        <a:p>
+          <a:endParaRPr lang="zh-CN" altLang="en-US"/>
+        </a:p>
+      </dgm:t>
+    </dgm:pt>
+    <dgm:pt modelId="{921D4055-E821-4D33-AAE9-3B783BE4392B}" type="sibTrans" cxnId="{9E3C53F5-F0F1-4BC9-932A-218A6173960F}">
+      <dgm:prSet/>
+      <dgm:spPr/>
+      <dgm:t>
+        <a:bodyPr/>
+        <a:lstStyle/>
+        <a:p>
+          <a:endParaRPr lang="zh-CN" altLang="en-US"/>
+        </a:p>
+      </dgm:t>
+    </dgm:pt>
+    <dgm:pt modelId="{47646426-5CE4-4CF6-B0AF-9CA8352628FC}">
+      <dgm:prSet phldrT="[文本]"/>
+      <dgm:spPr/>
+      <dgm:t>
+        <a:bodyPr/>
+        <a:lstStyle/>
+        <a:p>
+          <a:r>
+            <a:rPr lang="zh-CN" altLang="en-US" dirty="0"/>
+            <a:t>优惠</a:t>
+          </a:r>
+        </a:p>
+      </dgm:t>
+    </dgm:pt>
+    <dgm:pt modelId="{98C41B8C-65B6-48CC-9654-178A4678CB2E}" type="parTrans" cxnId="{EE488199-EEA8-4726-A10B-721665015AB8}">
+      <dgm:prSet/>
+      <dgm:spPr/>
+      <dgm:t>
+        <a:bodyPr/>
+        <a:lstStyle/>
+        <a:p>
+          <a:endParaRPr lang="zh-CN" altLang="en-US"/>
+        </a:p>
+      </dgm:t>
+    </dgm:pt>
+    <dgm:pt modelId="{C3778D68-E59F-4C56-8C59-C8F51B135803}" type="sibTrans" cxnId="{EE488199-EEA8-4726-A10B-721665015AB8}">
+      <dgm:prSet/>
+      <dgm:spPr/>
+      <dgm:t>
+        <a:bodyPr/>
+        <a:lstStyle/>
+        <a:p>
+          <a:endParaRPr lang="zh-CN" altLang="en-US"/>
+        </a:p>
+      </dgm:t>
+    </dgm:pt>
+    <dgm:pt modelId="{AD4037D4-4628-487C-BF0E-45B54CEB3207}" type="pres">
+      <dgm:prSet presAssocID="{9B65A267-6724-46BA-9F75-0EF69D492A8A}" presName="diagram" presStyleCnt="0">
+        <dgm:presLayoutVars>
+          <dgm:chPref val="1"/>
+          <dgm:dir/>
+          <dgm:animOne val="branch"/>
+          <dgm:animLvl val="lvl"/>
+          <dgm:resizeHandles val="exact"/>
+        </dgm:presLayoutVars>
+      </dgm:prSet>
+      <dgm:spPr/>
+    </dgm:pt>
+    <dgm:pt modelId="{E0E69BAB-963D-4C3D-B521-CF2987F49222}" type="pres">
+      <dgm:prSet presAssocID="{1F6C9B4C-319C-42FA-B90A-E0F1B2BB79D2}" presName="root1" presStyleCnt="0"/>
+      <dgm:spPr/>
+    </dgm:pt>
+    <dgm:pt modelId="{64517DD6-C2BD-4A48-BA65-EE0598FB69BE}" type="pres">
+      <dgm:prSet presAssocID="{1F6C9B4C-319C-42FA-B90A-E0F1B2BB79D2}" presName="LevelOneTextNode" presStyleLbl="node0" presStyleIdx="0" presStyleCnt="1" custLinFactX="-100000" custLinFactNeighborX="-137207" custLinFactNeighborY="16183">
+        <dgm:presLayoutVars>
+          <dgm:chPref val="3"/>
+        </dgm:presLayoutVars>
+      </dgm:prSet>
+      <dgm:spPr/>
+    </dgm:pt>
+    <dgm:pt modelId="{B1A1CC05-A0E1-4356-A8DE-8403E6EBF2E2}" type="pres">
+      <dgm:prSet presAssocID="{1F6C9B4C-319C-42FA-B90A-E0F1B2BB79D2}" presName="level2hierChild" presStyleCnt="0"/>
+      <dgm:spPr/>
+    </dgm:pt>
+    <dgm:pt modelId="{34DE52C2-0EC5-45D0-8BB8-01FFE9C53468}" type="pres">
+      <dgm:prSet presAssocID="{C9128400-B97A-447F-9EAA-EBCBCF69ACB0}" presName="conn2-1" presStyleLbl="parChTrans1D2" presStyleIdx="0" presStyleCnt="3"/>
+      <dgm:spPr/>
+    </dgm:pt>
+    <dgm:pt modelId="{4B82B99B-DC76-4773-8BCC-1DD81CB34AB3}" type="pres">
+      <dgm:prSet presAssocID="{C9128400-B97A-447F-9EAA-EBCBCF69ACB0}" presName="connTx" presStyleLbl="parChTrans1D2" presStyleIdx="0" presStyleCnt="3"/>
+      <dgm:spPr/>
+    </dgm:pt>
+    <dgm:pt modelId="{C203354F-855D-42A8-8802-6AAAEA489EA7}" type="pres">
+      <dgm:prSet presAssocID="{76A7F09A-9010-4E08-BB3F-8FC70FB79DF1}" presName="root2" presStyleCnt="0"/>
+      <dgm:spPr/>
+    </dgm:pt>
+    <dgm:pt modelId="{03C43163-A577-4F6C-A489-C4264CE35C97}" type="pres">
+      <dgm:prSet presAssocID="{76A7F09A-9010-4E08-BB3F-8FC70FB79DF1}" presName="LevelTwoTextNode" presStyleLbl="node2" presStyleIdx="0" presStyleCnt="3" custLinFactNeighborX="-66800" custLinFactNeighborY="89975">
+        <dgm:presLayoutVars>
+          <dgm:chPref val="3"/>
+        </dgm:presLayoutVars>
+      </dgm:prSet>
+      <dgm:spPr/>
+    </dgm:pt>
+    <dgm:pt modelId="{76F3E015-92AC-4D85-AF05-7F960D78CDEB}" type="pres">
+      <dgm:prSet presAssocID="{76A7F09A-9010-4E08-BB3F-8FC70FB79DF1}" presName="level3hierChild" presStyleCnt="0"/>
+      <dgm:spPr/>
+    </dgm:pt>
+    <dgm:pt modelId="{EDD14F93-F868-4E20-8FC0-99EC523EB727}" type="pres">
+      <dgm:prSet presAssocID="{96A314BB-1E0C-4E7F-AAF2-026209319305}" presName="conn2-1" presStyleLbl="parChTrans1D3" presStyleIdx="0" presStyleCnt="7"/>
+      <dgm:spPr/>
+    </dgm:pt>
+    <dgm:pt modelId="{597958B7-CBA8-4DD6-BF66-428EC24E05A2}" type="pres">
+      <dgm:prSet presAssocID="{96A314BB-1E0C-4E7F-AAF2-026209319305}" presName="connTx" presStyleLbl="parChTrans1D3" presStyleIdx="0" presStyleCnt="7"/>
+      <dgm:spPr/>
+    </dgm:pt>
+    <dgm:pt modelId="{B77EAA71-AF3E-4977-B00C-5FB9DAA9C119}" type="pres">
+      <dgm:prSet presAssocID="{BAD86F52-97F2-4E13-9E5B-3E9269AA500C}" presName="root2" presStyleCnt="0"/>
+      <dgm:spPr/>
+    </dgm:pt>
+    <dgm:pt modelId="{1F9159C7-78DA-411D-B419-158148F1FC39}" type="pres">
+      <dgm:prSet presAssocID="{BAD86F52-97F2-4E13-9E5B-3E9269AA500C}" presName="LevelTwoTextNode" presStyleLbl="node3" presStyleIdx="0" presStyleCnt="7">
+        <dgm:presLayoutVars>
+          <dgm:chPref val="3"/>
+        </dgm:presLayoutVars>
+      </dgm:prSet>
+      <dgm:spPr/>
+    </dgm:pt>
+    <dgm:pt modelId="{EB8D573B-DB6F-4E63-8D3B-EAD5BC23D81C}" type="pres">
+      <dgm:prSet presAssocID="{BAD86F52-97F2-4E13-9E5B-3E9269AA500C}" presName="level3hierChild" presStyleCnt="0"/>
+      <dgm:spPr/>
+    </dgm:pt>
+    <dgm:pt modelId="{A58521AB-EFCE-4F7B-8B87-B267EA597E56}" type="pres">
+      <dgm:prSet presAssocID="{F83BA941-237C-4DAA-A084-DF5EC3096F90}" presName="conn2-1" presStyleLbl="parChTrans1D2" presStyleIdx="1" presStyleCnt="3"/>
+      <dgm:spPr/>
+    </dgm:pt>
+    <dgm:pt modelId="{E10E9E3D-5E92-4458-A55F-8CA186B0C9AC}" type="pres">
+      <dgm:prSet presAssocID="{F83BA941-237C-4DAA-A084-DF5EC3096F90}" presName="connTx" presStyleLbl="parChTrans1D2" presStyleIdx="1" presStyleCnt="3"/>
+      <dgm:spPr/>
+    </dgm:pt>
+    <dgm:pt modelId="{0029591A-21CE-4276-862B-BB4EB8DE73A0}" type="pres">
+      <dgm:prSet presAssocID="{CFBDF997-A58A-40EF-907A-C0E05AFC4B3A}" presName="root2" presStyleCnt="0"/>
+      <dgm:spPr/>
+    </dgm:pt>
+    <dgm:pt modelId="{30A23F2C-786D-4C42-A48D-246DC6C4383E}" type="pres">
+      <dgm:prSet presAssocID="{CFBDF997-A58A-40EF-907A-C0E05AFC4B3A}" presName="LevelTwoTextNode" presStyleLbl="node2" presStyleIdx="1" presStyleCnt="3" custLinFactNeighborX="-70890" custLinFactNeighborY="82544">
+        <dgm:presLayoutVars>
+          <dgm:chPref val="3"/>
+        </dgm:presLayoutVars>
+      </dgm:prSet>
+      <dgm:spPr/>
+    </dgm:pt>
+    <dgm:pt modelId="{ED54A30A-7A3D-4CA7-9029-BCBB9520A608}" type="pres">
+      <dgm:prSet presAssocID="{CFBDF997-A58A-40EF-907A-C0E05AFC4B3A}" presName="level3hierChild" presStyleCnt="0"/>
+      <dgm:spPr/>
+    </dgm:pt>
+    <dgm:pt modelId="{054CFD1C-6297-48D5-8902-647BF49D4A42}" type="pres">
+      <dgm:prSet presAssocID="{CB202DEC-9BF7-4C1B-9A5E-D0179CA8C24B}" presName="conn2-1" presStyleLbl="parChTrans1D3" presStyleIdx="1" presStyleCnt="7"/>
+      <dgm:spPr/>
+    </dgm:pt>
+    <dgm:pt modelId="{D791A915-01D6-46F2-8A86-CE4E8212B325}" type="pres">
+      <dgm:prSet presAssocID="{CB202DEC-9BF7-4C1B-9A5E-D0179CA8C24B}" presName="connTx" presStyleLbl="parChTrans1D3" presStyleIdx="1" presStyleCnt="7"/>
+      <dgm:spPr/>
+    </dgm:pt>
+    <dgm:pt modelId="{DCECFCFB-2DAC-4BE6-9DFF-23D47C6F665C}" type="pres">
+      <dgm:prSet presAssocID="{00B7D7DB-FDD6-4425-9BE5-CED5B64CBA18}" presName="root2" presStyleCnt="0"/>
+      <dgm:spPr/>
+    </dgm:pt>
+    <dgm:pt modelId="{19BC7AE9-5DDE-4E77-AC19-87A47C724A53}" type="pres">
+      <dgm:prSet presAssocID="{00B7D7DB-FDD6-4425-9BE5-CED5B64CBA18}" presName="LevelTwoTextNode" presStyleLbl="node3" presStyleIdx="1" presStyleCnt="7">
+        <dgm:presLayoutVars>
+          <dgm:chPref val="3"/>
+        </dgm:presLayoutVars>
+      </dgm:prSet>
+      <dgm:spPr/>
+    </dgm:pt>
+    <dgm:pt modelId="{563533A3-2476-4DBC-9DDA-A292D5EC345F}" type="pres">
+      <dgm:prSet presAssocID="{00B7D7DB-FDD6-4425-9BE5-CED5B64CBA18}" presName="level3hierChild" presStyleCnt="0"/>
+      <dgm:spPr/>
+    </dgm:pt>
+    <dgm:pt modelId="{BEC6BDCC-F305-4244-AD12-9A0CC7543081}" type="pres">
+      <dgm:prSet presAssocID="{6466273B-C045-44BF-85A9-8E62B2DBFBA1}" presName="conn2-1" presStyleLbl="parChTrans1D3" presStyleIdx="2" presStyleCnt="7"/>
+      <dgm:spPr/>
+    </dgm:pt>
+    <dgm:pt modelId="{A1747219-E10E-45D1-9CA3-F59B844882D6}" type="pres">
+      <dgm:prSet presAssocID="{6466273B-C045-44BF-85A9-8E62B2DBFBA1}" presName="connTx" presStyleLbl="parChTrans1D3" presStyleIdx="2" presStyleCnt="7"/>
+      <dgm:spPr/>
+    </dgm:pt>
+    <dgm:pt modelId="{EF28F6BF-F582-4966-811E-D8BB41B8C005}" type="pres">
+      <dgm:prSet presAssocID="{BDA04AE0-56FE-4D76-A118-F8E20E2B027F}" presName="root2" presStyleCnt="0"/>
+      <dgm:spPr/>
+    </dgm:pt>
+    <dgm:pt modelId="{644DD5F2-24DF-4ABA-98EE-0BBFA5FD33F1}" type="pres">
+      <dgm:prSet presAssocID="{BDA04AE0-56FE-4D76-A118-F8E20E2B027F}" presName="LevelTwoTextNode" presStyleLbl="node3" presStyleIdx="2" presStyleCnt="7">
+        <dgm:presLayoutVars>
+          <dgm:chPref val="3"/>
+        </dgm:presLayoutVars>
+      </dgm:prSet>
+      <dgm:spPr/>
+    </dgm:pt>
+    <dgm:pt modelId="{7CB5CAD3-3FAA-4E5E-AA79-ACCBCF63FB2F}" type="pres">
+      <dgm:prSet presAssocID="{BDA04AE0-56FE-4D76-A118-F8E20E2B027F}" presName="level3hierChild" presStyleCnt="0"/>
+      <dgm:spPr/>
+    </dgm:pt>
+    <dgm:pt modelId="{F690041D-8CE7-4DD8-8BFA-A911E3841A95}" type="pres">
+      <dgm:prSet presAssocID="{3DE6D15E-AD98-4BDF-861A-5702F64B0291}" presName="conn2-1" presStyleLbl="parChTrans1D3" presStyleIdx="3" presStyleCnt="7"/>
+      <dgm:spPr/>
+    </dgm:pt>
+    <dgm:pt modelId="{EA556948-C5A5-42D5-B301-BE27BD860573}" type="pres">
+      <dgm:prSet presAssocID="{3DE6D15E-AD98-4BDF-861A-5702F64B0291}" presName="connTx" presStyleLbl="parChTrans1D3" presStyleIdx="3" presStyleCnt="7"/>
+      <dgm:spPr/>
+    </dgm:pt>
+    <dgm:pt modelId="{68178A35-CC4C-4AB0-B810-ABDC0B615691}" type="pres">
+      <dgm:prSet presAssocID="{17701E64-219E-416D-B754-3FD0D9DEDD85}" presName="root2" presStyleCnt="0"/>
+      <dgm:spPr/>
+    </dgm:pt>
+    <dgm:pt modelId="{8551EB75-C30E-4DBC-8285-2BD84E1D126A}" type="pres">
+      <dgm:prSet presAssocID="{17701E64-219E-416D-B754-3FD0D9DEDD85}" presName="LevelTwoTextNode" presStyleLbl="node3" presStyleIdx="3" presStyleCnt="7">
+        <dgm:presLayoutVars>
+          <dgm:chPref val="3"/>
+        </dgm:presLayoutVars>
+      </dgm:prSet>
+      <dgm:spPr/>
+    </dgm:pt>
+    <dgm:pt modelId="{71D05757-0B66-4249-BDB7-4F64614C74BE}" type="pres">
+      <dgm:prSet presAssocID="{17701E64-219E-416D-B754-3FD0D9DEDD85}" presName="level3hierChild" presStyleCnt="0"/>
+      <dgm:spPr/>
+    </dgm:pt>
+    <dgm:pt modelId="{C558A3E1-A112-4C56-B0E7-538DDA8F3659}" type="pres">
+      <dgm:prSet presAssocID="{7F534ACA-837E-4953-8F5B-E6252451BAB5}" presName="conn2-1" presStyleLbl="parChTrans1D2" presStyleIdx="2" presStyleCnt="3"/>
+      <dgm:spPr/>
+    </dgm:pt>
+    <dgm:pt modelId="{7558B381-31DC-4EA5-AD51-872945351B98}" type="pres">
+      <dgm:prSet presAssocID="{7F534ACA-837E-4953-8F5B-E6252451BAB5}" presName="connTx" presStyleLbl="parChTrans1D2" presStyleIdx="2" presStyleCnt="3"/>
+      <dgm:spPr/>
+    </dgm:pt>
+    <dgm:pt modelId="{CB845ABE-7536-4913-BBD9-6E4B5FECB22B}" type="pres">
+      <dgm:prSet presAssocID="{A4526322-D3E3-4BB1-A872-CEE205B03E7B}" presName="root2" presStyleCnt="0"/>
+      <dgm:spPr/>
+    </dgm:pt>
+    <dgm:pt modelId="{A67E2AC4-8059-492C-9F95-AFBFB0D9272C}" type="pres">
+      <dgm:prSet presAssocID="{A4526322-D3E3-4BB1-A872-CEE205B03E7B}" presName="LevelTwoTextNode" presStyleLbl="node2" presStyleIdx="2" presStyleCnt="3" custLinFactNeighborX="-73616" custLinFactNeighborY="-5453">
+        <dgm:presLayoutVars>
+          <dgm:chPref val="3"/>
+        </dgm:presLayoutVars>
+      </dgm:prSet>
+      <dgm:spPr/>
+    </dgm:pt>
+    <dgm:pt modelId="{33738C8A-9A5C-420D-97F9-4028FC0FDDAC}" type="pres">
+      <dgm:prSet presAssocID="{A4526322-D3E3-4BB1-A872-CEE205B03E7B}" presName="level3hierChild" presStyleCnt="0"/>
+      <dgm:spPr/>
+    </dgm:pt>
+    <dgm:pt modelId="{869C95AB-B4CC-421F-B611-63507D08381C}" type="pres">
+      <dgm:prSet presAssocID="{834F0AD9-6193-4D2E-B264-AB0059B94A9A}" presName="conn2-1" presStyleLbl="parChTrans1D3" presStyleIdx="4" presStyleCnt="7"/>
+      <dgm:spPr/>
+    </dgm:pt>
+    <dgm:pt modelId="{9888DE39-2283-47AF-908E-B8826269717C}" type="pres">
+      <dgm:prSet presAssocID="{834F0AD9-6193-4D2E-B264-AB0059B94A9A}" presName="connTx" presStyleLbl="parChTrans1D3" presStyleIdx="4" presStyleCnt="7"/>
+      <dgm:spPr/>
+    </dgm:pt>
+    <dgm:pt modelId="{C812B45B-E1B4-47E2-9088-5E4D42BCAF79}" type="pres">
+      <dgm:prSet presAssocID="{788422BD-D3D2-4B3E-B3AC-502A73CDFD7A}" presName="root2" presStyleCnt="0"/>
+      <dgm:spPr/>
+    </dgm:pt>
+    <dgm:pt modelId="{EEC84820-7C67-42BA-94A0-D70DF0BF8D3B}" type="pres">
+      <dgm:prSet presAssocID="{788422BD-D3D2-4B3E-B3AC-502A73CDFD7A}" presName="LevelTwoTextNode" presStyleLbl="node3" presStyleIdx="4" presStyleCnt="7">
+        <dgm:presLayoutVars>
+          <dgm:chPref val="3"/>
+        </dgm:presLayoutVars>
+      </dgm:prSet>
+      <dgm:spPr/>
+    </dgm:pt>
+    <dgm:pt modelId="{67CCF2C8-8138-4D1F-A535-82681A7228DE}" type="pres">
+      <dgm:prSet presAssocID="{788422BD-D3D2-4B3E-B3AC-502A73CDFD7A}" presName="level3hierChild" presStyleCnt="0"/>
+      <dgm:spPr/>
+    </dgm:pt>
+    <dgm:pt modelId="{0D3ECCD4-D952-4AEA-9ADD-216C746FD3B5}" type="pres">
+      <dgm:prSet presAssocID="{E42CA2A6-99DA-4246-9255-6B7137E485FA}" presName="conn2-1" presStyleLbl="parChTrans1D3" presStyleIdx="5" presStyleCnt="7"/>
+      <dgm:spPr/>
+    </dgm:pt>
+    <dgm:pt modelId="{1D95F9F4-DA95-4FB8-B83A-BB4A73A6A0FA}" type="pres">
+      <dgm:prSet presAssocID="{E42CA2A6-99DA-4246-9255-6B7137E485FA}" presName="connTx" presStyleLbl="parChTrans1D3" presStyleIdx="5" presStyleCnt="7"/>
+      <dgm:spPr/>
+    </dgm:pt>
+    <dgm:pt modelId="{4AFDB424-8749-46B5-879F-4AD226F25CD6}" type="pres">
+      <dgm:prSet presAssocID="{6DF43DBD-5B29-4BBC-82E1-1D56FC27836F}" presName="root2" presStyleCnt="0"/>
+      <dgm:spPr/>
+    </dgm:pt>
+    <dgm:pt modelId="{688EAD0F-0A75-45D0-93D0-7DC1B1C5BD8C}" type="pres">
+      <dgm:prSet presAssocID="{6DF43DBD-5B29-4BBC-82E1-1D56FC27836F}" presName="LevelTwoTextNode" presStyleLbl="node3" presStyleIdx="5" presStyleCnt="7">
+        <dgm:presLayoutVars>
+          <dgm:chPref val="3"/>
+        </dgm:presLayoutVars>
+      </dgm:prSet>
+      <dgm:spPr/>
+    </dgm:pt>
+    <dgm:pt modelId="{CCF01B2A-430A-4D68-8529-590CB61B962B}" type="pres">
+      <dgm:prSet presAssocID="{6DF43DBD-5B29-4BBC-82E1-1D56FC27836F}" presName="level3hierChild" presStyleCnt="0"/>
+      <dgm:spPr/>
+    </dgm:pt>
+    <dgm:pt modelId="{4DD7C0EF-EEE2-43CB-A41A-131B0C3EF2AE}" type="pres">
+      <dgm:prSet presAssocID="{98C41B8C-65B6-48CC-9654-178A4678CB2E}" presName="conn2-1" presStyleLbl="parChTrans1D3" presStyleIdx="6" presStyleCnt="7"/>
+      <dgm:spPr/>
+    </dgm:pt>
+    <dgm:pt modelId="{1543B95D-DDB9-49DF-8118-CBE72EE8D629}" type="pres">
+      <dgm:prSet presAssocID="{98C41B8C-65B6-48CC-9654-178A4678CB2E}" presName="connTx" presStyleLbl="parChTrans1D3" presStyleIdx="6" presStyleCnt="7"/>
+      <dgm:spPr/>
+    </dgm:pt>
+    <dgm:pt modelId="{65CA8019-5A87-40F6-9448-4EE62A8EB99E}" type="pres">
+      <dgm:prSet presAssocID="{47646426-5CE4-4CF6-B0AF-9CA8352628FC}" presName="root2" presStyleCnt="0"/>
+      <dgm:spPr/>
+    </dgm:pt>
+    <dgm:pt modelId="{DD49C6D0-78FF-4D0A-975E-28506099885C}" type="pres">
+      <dgm:prSet presAssocID="{47646426-5CE4-4CF6-B0AF-9CA8352628FC}" presName="LevelTwoTextNode" presStyleLbl="node3" presStyleIdx="6" presStyleCnt="7">
+        <dgm:presLayoutVars>
+          <dgm:chPref val="3"/>
+        </dgm:presLayoutVars>
+      </dgm:prSet>
+      <dgm:spPr/>
+    </dgm:pt>
+    <dgm:pt modelId="{47F8159F-47DE-4301-B1B6-E38434776E2D}" type="pres">
+      <dgm:prSet presAssocID="{47646426-5CE4-4CF6-B0AF-9CA8352628FC}" presName="level3hierChild" presStyleCnt="0"/>
+      <dgm:spPr/>
+    </dgm:pt>
+  </dgm:ptLst>
+  <dgm:cxnLst>
+    <dgm:cxn modelId="{51D96308-D91F-4633-9953-9AF163105C45}" type="presOf" srcId="{834F0AD9-6193-4D2E-B264-AB0059B94A9A}" destId="{869C95AB-B4CC-421F-B611-63507D08381C}" srcOrd="0" destOrd="0" presId="urn:microsoft.com/office/officeart/2005/8/layout/hierarchy2"/>
+    <dgm:cxn modelId="{ADEB1809-F459-4EB4-AE7F-54A33746ABFB}" type="presOf" srcId="{17701E64-219E-416D-B754-3FD0D9DEDD85}" destId="{8551EB75-C30E-4DBC-8285-2BD84E1D126A}" srcOrd="0" destOrd="0" presId="urn:microsoft.com/office/officeart/2005/8/layout/hierarchy2"/>
+    <dgm:cxn modelId="{C4AD2414-E2E4-4721-B970-38066BB1DE8C}" type="presOf" srcId="{E42CA2A6-99DA-4246-9255-6B7137E485FA}" destId="{0D3ECCD4-D952-4AEA-9ADD-216C746FD3B5}" srcOrd="0" destOrd="0" presId="urn:microsoft.com/office/officeart/2005/8/layout/hierarchy2"/>
+    <dgm:cxn modelId="{3DC9EB14-3167-43D3-B771-C7031813E883}" srcId="{76A7F09A-9010-4E08-BB3F-8FC70FB79DF1}" destId="{BAD86F52-97F2-4E13-9E5B-3E9269AA500C}" srcOrd="0" destOrd="0" parTransId="{96A314BB-1E0C-4E7F-AAF2-026209319305}" sibTransId="{000AAF50-757C-42AE-986C-A26294EB2E5F}"/>
+    <dgm:cxn modelId="{B4B30521-4862-4B3D-A7ED-13DBA01C2FBF}" type="presOf" srcId="{A4526322-D3E3-4BB1-A872-CEE205B03E7B}" destId="{A67E2AC4-8059-492C-9F95-AFBFB0D9272C}" srcOrd="0" destOrd="0" presId="urn:microsoft.com/office/officeart/2005/8/layout/hierarchy2"/>
+    <dgm:cxn modelId="{6B18BA2A-8E75-428B-B9B1-7A49A04C4673}" type="presOf" srcId="{6DF43DBD-5B29-4BBC-82E1-1D56FC27836F}" destId="{688EAD0F-0A75-45D0-93D0-7DC1B1C5BD8C}" srcOrd="0" destOrd="0" presId="urn:microsoft.com/office/officeart/2005/8/layout/hierarchy2"/>
+    <dgm:cxn modelId="{3FFF6C2D-D75A-4387-8EEF-F4CE1E1F83A2}" srcId="{CFBDF997-A58A-40EF-907A-C0E05AFC4B3A}" destId="{17701E64-219E-416D-B754-3FD0D9DEDD85}" srcOrd="2" destOrd="0" parTransId="{3DE6D15E-AD98-4BDF-861A-5702F64B0291}" sibTransId="{D43D8F42-4238-4A31-A143-70AA853E99CF}"/>
+    <dgm:cxn modelId="{BEDC5432-C2A7-4474-BFEE-DC5640C3B3EA}" type="presOf" srcId="{BAD86F52-97F2-4E13-9E5B-3E9269AA500C}" destId="{1F9159C7-78DA-411D-B419-158148F1FC39}" srcOrd="0" destOrd="0" presId="urn:microsoft.com/office/officeart/2005/8/layout/hierarchy2"/>
+    <dgm:cxn modelId="{F85A8D5C-AADD-478E-9FEB-A50FC05D8650}" srcId="{9B65A267-6724-46BA-9F75-0EF69D492A8A}" destId="{1F6C9B4C-319C-42FA-B90A-E0F1B2BB79D2}" srcOrd="0" destOrd="0" parTransId="{DB3D571B-849D-45EA-97FA-E8B741FC4AC7}" sibTransId="{6105DE28-5137-432B-B5F0-A9FEF8E4CAEF}"/>
+    <dgm:cxn modelId="{1264B35F-15E3-440F-9AD6-8D65D5CE8DCB}" type="presOf" srcId="{F83BA941-237C-4DAA-A084-DF5EC3096F90}" destId="{E10E9E3D-5E92-4458-A55F-8CA186B0C9AC}" srcOrd="1" destOrd="0" presId="urn:microsoft.com/office/officeart/2005/8/layout/hierarchy2"/>
+    <dgm:cxn modelId="{1D100E62-3A3E-4088-9A5E-9D845ED73559}" type="presOf" srcId="{98C41B8C-65B6-48CC-9654-178A4678CB2E}" destId="{4DD7C0EF-EEE2-43CB-A41A-131B0C3EF2AE}" srcOrd="0" destOrd="0" presId="urn:microsoft.com/office/officeart/2005/8/layout/hierarchy2"/>
+    <dgm:cxn modelId="{FE004864-04C8-4FD5-9147-F809EF772E84}" type="presOf" srcId="{6466273B-C045-44BF-85A9-8E62B2DBFBA1}" destId="{A1747219-E10E-45D1-9CA3-F59B844882D6}" srcOrd="1" destOrd="0" presId="urn:microsoft.com/office/officeart/2005/8/layout/hierarchy2"/>
+    <dgm:cxn modelId="{C844E366-AAF3-4302-8DC9-4CD6839D077B}" srcId="{1F6C9B4C-319C-42FA-B90A-E0F1B2BB79D2}" destId="{76A7F09A-9010-4E08-BB3F-8FC70FB79DF1}" srcOrd="0" destOrd="0" parTransId="{C9128400-B97A-447F-9EAA-EBCBCF69ACB0}" sibTransId="{E4E9889A-2D6F-441D-9754-DD25E0D33314}"/>
+    <dgm:cxn modelId="{3717954B-2518-4D59-A6AE-C08233E8E5F2}" type="presOf" srcId="{CB202DEC-9BF7-4C1B-9A5E-D0179CA8C24B}" destId="{054CFD1C-6297-48D5-8902-647BF49D4A42}" srcOrd="0" destOrd="0" presId="urn:microsoft.com/office/officeart/2005/8/layout/hierarchy2"/>
+    <dgm:cxn modelId="{4EEB964E-AB82-4920-8383-981BA55BEB95}" type="presOf" srcId="{3DE6D15E-AD98-4BDF-861A-5702F64B0291}" destId="{EA556948-C5A5-42D5-B301-BE27BD860573}" srcOrd="1" destOrd="0" presId="urn:microsoft.com/office/officeart/2005/8/layout/hierarchy2"/>
+    <dgm:cxn modelId="{8CD82055-518C-4701-B6CD-0DBAF88B3D52}" type="presOf" srcId="{C9128400-B97A-447F-9EAA-EBCBCF69ACB0}" destId="{4B82B99B-DC76-4773-8BCC-1DD81CB34AB3}" srcOrd="1" destOrd="0" presId="urn:microsoft.com/office/officeart/2005/8/layout/hierarchy2"/>
+    <dgm:cxn modelId="{27C77B56-BFE0-478C-A786-757ED885DD2F}" type="presOf" srcId="{788422BD-D3D2-4B3E-B3AC-502A73CDFD7A}" destId="{EEC84820-7C67-42BA-94A0-D70DF0BF8D3B}" srcOrd="0" destOrd="0" presId="urn:microsoft.com/office/officeart/2005/8/layout/hierarchy2"/>
+    <dgm:cxn modelId="{04E12B77-4560-4A1B-8D1A-808254F880A7}" type="presOf" srcId="{47646426-5CE4-4CF6-B0AF-9CA8352628FC}" destId="{DD49C6D0-78FF-4D0A-975E-28506099885C}" srcOrd="0" destOrd="0" presId="urn:microsoft.com/office/officeart/2005/8/layout/hierarchy2"/>
+    <dgm:cxn modelId="{6214C157-9793-4E42-B097-1FAB8BB25F76}" type="presOf" srcId="{1F6C9B4C-319C-42FA-B90A-E0F1B2BB79D2}" destId="{64517DD6-C2BD-4A48-BA65-EE0598FB69BE}" srcOrd="0" destOrd="0" presId="urn:microsoft.com/office/officeart/2005/8/layout/hierarchy2"/>
+    <dgm:cxn modelId="{E7B8E477-CDFC-410D-8A4B-6A5569EED9D2}" type="presOf" srcId="{CB202DEC-9BF7-4C1B-9A5E-D0179CA8C24B}" destId="{D791A915-01D6-46F2-8A86-CE4E8212B325}" srcOrd="1" destOrd="0" presId="urn:microsoft.com/office/officeart/2005/8/layout/hierarchy2"/>
+    <dgm:cxn modelId="{17E4845A-B90F-47F3-A486-BA880F2B2B7A}" type="presOf" srcId="{9B65A267-6724-46BA-9F75-0EF69D492A8A}" destId="{AD4037D4-4628-487C-BF0E-45B54CEB3207}" srcOrd="0" destOrd="0" presId="urn:microsoft.com/office/officeart/2005/8/layout/hierarchy2"/>
+    <dgm:cxn modelId="{84FDD07A-1668-49B5-9A7A-E51B3BFE70D8}" type="presOf" srcId="{76A7F09A-9010-4E08-BB3F-8FC70FB79DF1}" destId="{03C43163-A577-4F6C-A489-C4264CE35C97}" srcOrd="0" destOrd="0" presId="urn:microsoft.com/office/officeart/2005/8/layout/hierarchy2"/>
+    <dgm:cxn modelId="{BE3F347F-CCAD-46FE-9C8B-FCC242EDE636}" type="presOf" srcId="{3DE6D15E-AD98-4BDF-861A-5702F64B0291}" destId="{F690041D-8CE7-4DD8-8BFA-A911E3841A95}" srcOrd="0" destOrd="0" presId="urn:microsoft.com/office/officeart/2005/8/layout/hierarchy2"/>
+    <dgm:cxn modelId="{A64EA98B-2DFC-48F6-BF83-803CFE32FE7E}" type="presOf" srcId="{96A314BB-1E0C-4E7F-AAF2-026209319305}" destId="{EDD14F93-F868-4E20-8FC0-99EC523EB727}" srcOrd="0" destOrd="0" presId="urn:microsoft.com/office/officeart/2005/8/layout/hierarchy2"/>
+    <dgm:cxn modelId="{49FE448C-A528-415A-B121-4DE8FF0214AA}" srcId="{CFBDF997-A58A-40EF-907A-C0E05AFC4B3A}" destId="{BDA04AE0-56FE-4D76-A118-F8E20E2B027F}" srcOrd="1" destOrd="0" parTransId="{6466273B-C045-44BF-85A9-8E62B2DBFBA1}" sibTransId="{9F65ADF5-ECFE-4121-B8F0-1E842AF3BEC3}"/>
+    <dgm:cxn modelId="{24205A8E-25E0-4DE1-9B79-CF4C750FB71C}" type="presOf" srcId="{96A314BB-1E0C-4E7F-AAF2-026209319305}" destId="{597958B7-CBA8-4DD6-BF66-428EC24E05A2}" srcOrd="1" destOrd="0" presId="urn:microsoft.com/office/officeart/2005/8/layout/hierarchy2"/>
+    <dgm:cxn modelId="{4A219193-8DD3-4275-9686-E4CE85F2B92E}" srcId="{1F6C9B4C-319C-42FA-B90A-E0F1B2BB79D2}" destId="{CFBDF997-A58A-40EF-907A-C0E05AFC4B3A}" srcOrd="1" destOrd="0" parTransId="{F83BA941-237C-4DAA-A084-DF5EC3096F90}" sibTransId="{463EC4DB-D738-4326-BE27-8CD9E826E645}"/>
+    <dgm:cxn modelId="{EE488199-EEA8-4726-A10B-721665015AB8}" srcId="{A4526322-D3E3-4BB1-A872-CEE205B03E7B}" destId="{47646426-5CE4-4CF6-B0AF-9CA8352628FC}" srcOrd="2" destOrd="0" parTransId="{98C41B8C-65B6-48CC-9654-178A4678CB2E}" sibTransId="{C3778D68-E59F-4C56-8C59-C8F51B135803}"/>
+    <dgm:cxn modelId="{80A7FD9C-5C35-4ED8-8CCA-891AA9FDE4C8}" type="presOf" srcId="{F83BA941-237C-4DAA-A084-DF5EC3096F90}" destId="{A58521AB-EFCE-4F7B-8B87-B267EA597E56}" srcOrd="0" destOrd="0" presId="urn:microsoft.com/office/officeart/2005/8/layout/hierarchy2"/>
+    <dgm:cxn modelId="{A33630AE-2A4F-4DF0-A4D0-9E164FF5A5FD}" type="presOf" srcId="{7F534ACA-837E-4953-8F5B-E6252451BAB5}" destId="{C558A3E1-A112-4C56-B0E7-538DDA8F3659}" srcOrd="0" destOrd="0" presId="urn:microsoft.com/office/officeart/2005/8/layout/hierarchy2"/>
+    <dgm:cxn modelId="{8DA93DAE-2B32-4C12-B309-8ADC38F19478}" srcId="{1F6C9B4C-319C-42FA-B90A-E0F1B2BB79D2}" destId="{A4526322-D3E3-4BB1-A872-CEE205B03E7B}" srcOrd="2" destOrd="0" parTransId="{7F534ACA-837E-4953-8F5B-E6252451BAB5}" sibTransId="{D5B89F1A-5F10-489A-B702-6A55EC14A5A9}"/>
+    <dgm:cxn modelId="{6461D9AE-317A-44AA-816E-4B9C085921B2}" type="presOf" srcId="{7F534ACA-837E-4953-8F5B-E6252451BAB5}" destId="{7558B381-31DC-4EA5-AD51-872945351B98}" srcOrd="1" destOrd="0" presId="urn:microsoft.com/office/officeart/2005/8/layout/hierarchy2"/>
+    <dgm:cxn modelId="{D16C55B2-6791-4259-B80D-89968805C173}" srcId="{CFBDF997-A58A-40EF-907A-C0E05AFC4B3A}" destId="{00B7D7DB-FDD6-4425-9BE5-CED5B64CBA18}" srcOrd="0" destOrd="0" parTransId="{CB202DEC-9BF7-4C1B-9A5E-D0179CA8C24B}" sibTransId="{70024852-7416-4FC4-8C59-29B79262002A}"/>
+    <dgm:cxn modelId="{D321FEB5-9557-4433-87C3-CCCAB20FC67D}" srcId="{A4526322-D3E3-4BB1-A872-CEE205B03E7B}" destId="{788422BD-D3D2-4B3E-B3AC-502A73CDFD7A}" srcOrd="0" destOrd="0" parTransId="{834F0AD9-6193-4D2E-B264-AB0059B94A9A}" sibTransId="{1D490D5B-3162-444B-873A-B39E2B603909}"/>
+    <dgm:cxn modelId="{D7A952BE-4F9D-47E9-BF0F-01AFEF00443F}" type="presOf" srcId="{CFBDF997-A58A-40EF-907A-C0E05AFC4B3A}" destId="{30A23F2C-786D-4C42-A48D-246DC6C4383E}" srcOrd="0" destOrd="0" presId="urn:microsoft.com/office/officeart/2005/8/layout/hierarchy2"/>
+    <dgm:cxn modelId="{92F98EBF-675C-4A56-BC72-C208B6756AF2}" type="presOf" srcId="{00B7D7DB-FDD6-4425-9BE5-CED5B64CBA18}" destId="{19BC7AE9-5DDE-4E77-AC19-87A47C724A53}" srcOrd="0" destOrd="0" presId="urn:microsoft.com/office/officeart/2005/8/layout/hierarchy2"/>
+    <dgm:cxn modelId="{11597DC4-4DA5-4F10-A9D1-61431116D6F3}" type="presOf" srcId="{98C41B8C-65B6-48CC-9654-178A4678CB2E}" destId="{1543B95D-DDB9-49DF-8118-CBE72EE8D629}" srcOrd="1" destOrd="0" presId="urn:microsoft.com/office/officeart/2005/8/layout/hierarchy2"/>
+    <dgm:cxn modelId="{D6B96EDA-EFD7-4006-B70C-1B1B078998B9}" type="presOf" srcId="{6466273B-C045-44BF-85A9-8E62B2DBFBA1}" destId="{BEC6BDCC-F305-4244-AD12-9A0CC7543081}" srcOrd="0" destOrd="0" presId="urn:microsoft.com/office/officeart/2005/8/layout/hierarchy2"/>
+    <dgm:cxn modelId="{11A220EC-8885-4BD5-859C-A9863F09517B}" type="presOf" srcId="{834F0AD9-6193-4D2E-B264-AB0059B94A9A}" destId="{9888DE39-2283-47AF-908E-B8826269717C}" srcOrd="1" destOrd="0" presId="urn:microsoft.com/office/officeart/2005/8/layout/hierarchy2"/>
+    <dgm:cxn modelId="{72B97BEE-E61E-41A9-8A68-F0B9BD3A63F8}" type="presOf" srcId="{BDA04AE0-56FE-4D76-A118-F8E20E2B027F}" destId="{644DD5F2-24DF-4ABA-98EE-0BBFA5FD33F1}" srcOrd="0" destOrd="0" presId="urn:microsoft.com/office/officeart/2005/8/layout/hierarchy2"/>
+    <dgm:cxn modelId="{567E3EF1-E0F8-42A7-BC19-814C3925001F}" type="presOf" srcId="{E42CA2A6-99DA-4246-9255-6B7137E485FA}" destId="{1D95F9F4-DA95-4FB8-B83A-BB4A73A6A0FA}" srcOrd="1" destOrd="0" presId="urn:microsoft.com/office/officeart/2005/8/layout/hierarchy2"/>
+    <dgm:cxn modelId="{9E3C53F5-F0F1-4BC9-932A-218A6173960F}" srcId="{A4526322-D3E3-4BB1-A872-CEE205B03E7B}" destId="{6DF43DBD-5B29-4BBC-82E1-1D56FC27836F}" srcOrd="1" destOrd="0" parTransId="{E42CA2A6-99DA-4246-9255-6B7137E485FA}" sibTransId="{921D4055-E821-4D33-AAE9-3B783BE4392B}"/>
+    <dgm:cxn modelId="{FB55AAFC-4EFC-434E-A583-6C0B623CA2F8}" type="presOf" srcId="{C9128400-B97A-447F-9EAA-EBCBCF69ACB0}" destId="{34DE52C2-0EC5-45D0-8BB8-01FFE9C53468}" srcOrd="0" destOrd="0" presId="urn:microsoft.com/office/officeart/2005/8/layout/hierarchy2"/>
+    <dgm:cxn modelId="{82CE87C9-1250-473B-83E6-DB3772E4A421}" type="presParOf" srcId="{AD4037D4-4628-487C-BF0E-45B54CEB3207}" destId="{E0E69BAB-963D-4C3D-B521-CF2987F49222}" srcOrd="0" destOrd="0" presId="urn:microsoft.com/office/officeart/2005/8/layout/hierarchy2"/>
+    <dgm:cxn modelId="{C5B6E837-3D7D-4004-B0D2-E6A87562F183}" type="presParOf" srcId="{E0E69BAB-963D-4C3D-B521-CF2987F49222}" destId="{64517DD6-C2BD-4A48-BA65-EE0598FB69BE}" srcOrd="0" destOrd="0" presId="urn:microsoft.com/office/officeart/2005/8/layout/hierarchy2"/>
+    <dgm:cxn modelId="{DEFA2FD1-FA18-4F50-A1FC-694DED8B998E}" type="presParOf" srcId="{E0E69BAB-963D-4C3D-B521-CF2987F49222}" destId="{B1A1CC05-A0E1-4356-A8DE-8403E6EBF2E2}" srcOrd="1" destOrd="0" presId="urn:microsoft.com/office/officeart/2005/8/layout/hierarchy2"/>
+    <dgm:cxn modelId="{6927E01C-7296-4778-B197-607375F7E964}" type="presParOf" srcId="{B1A1CC05-A0E1-4356-A8DE-8403E6EBF2E2}" destId="{34DE52C2-0EC5-45D0-8BB8-01FFE9C53468}" srcOrd="0" destOrd="0" presId="urn:microsoft.com/office/officeart/2005/8/layout/hierarchy2"/>
+    <dgm:cxn modelId="{BDD21959-0977-435E-94C6-15523DDEB0FD}" type="presParOf" srcId="{34DE52C2-0EC5-45D0-8BB8-01FFE9C53468}" destId="{4B82B99B-DC76-4773-8BCC-1DD81CB34AB3}" srcOrd="0" destOrd="0" presId="urn:microsoft.com/office/officeart/2005/8/layout/hierarchy2"/>
+    <dgm:cxn modelId="{DFC5341A-1C02-47B1-A0F6-10E1E1C83C85}" type="presParOf" srcId="{B1A1CC05-A0E1-4356-A8DE-8403E6EBF2E2}" destId="{C203354F-855D-42A8-8802-6AAAEA489EA7}" srcOrd="1" destOrd="0" presId="urn:microsoft.com/office/officeart/2005/8/layout/hierarchy2"/>
+    <dgm:cxn modelId="{20A9D8CD-2417-4C7F-9E5C-9736F6126219}" type="presParOf" srcId="{C203354F-855D-42A8-8802-6AAAEA489EA7}" destId="{03C43163-A577-4F6C-A489-C4264CE35C97}" srcOrd="0" destOrd="0" presId="urn:microsoft.com/office/officeart/2005/8/layout/hierarchy2"/>
+    <dgm:cxn modelId="{3725CDD4-5D4A-4C7E-A18F-0A2E13289FCF}" type="presParOf" srcId="{C203354F-855D-42A8-8802-6AAAEA489EA7}" destId="{76F3E015-92AC-4D85-AF05-7F960D78CDEB}" srcOrd="1" destOrd="0" presId="urn:microsoft.com/office/officeart/2005/8/layout/hierarchy2"/>
+    <dgm:cxn modelId="{87E1D799-C0AB-4C19-8954-E22B1AEA0803}" type="presParOf" srcId="{76F3E015-92AC-4D85-AF05-7F960D78CDEB}" destId="{EDD14F93-F868-4E20-8FC0-99EC523EB727}" srcOrd="0" destOrd="0" presId="urn:microsoft.com/office/officeart/2005/8/layout/hierarchy2"/>
+    <dgm:cxn modelId="{5DD173FE-76F8-4D45-A29D-3F12B2EB53D4}" type="presParOf" srcId="{EDD14F93-F868-4E20-8FC0-99EC523EB727}" destId="{597958B7-CBA8-4DD6-BF66-428EC24E05A2}" srcOrd="0" destOrd="0" presId="urn:microsoft.com/office/officeart/2005/8/layout/hierarchy2"/>
+    <dgm:cxn modelId="{62B6B53A-E418-491C-B4D0-3EC6F4C34059}" type="presParOf" srcId="{76F3E015-92AC-4D85-AF05-7F960D78CDEB}" destId="{B77EAA71-AF3E-4977-B00C-5FB9DAA9C119}" srcOrd="1" destOrd="0" presId="urn:microsoft.com/office/officeart/2005/8/layout/hierarchy2"/>
+    <dgm:cxn modelId="{E9D60E64-6DB5-49A1-82B7-507684E40A01}" type="presParOf" srcId="{B77EAA71-AF3E-4977-B00C-5FB9DAA9C119}" destId="{1F9159C7-78DA-411D-B419-158148F1FC39}" srcOrd="0" destOrd="0" presId="urn:microsoft.com/office/officeart/2005/8/layout/hierarchy2"/>
+    <dgm:cxn modelId="{FE1AF9F4-A53E-43FF-AC9A-34EB3554243E}" type="presParOf" srcId="{B77EAA71-AF3E-4977-B00C-5FB9DAA9C119}" destId="{EB8D573B-DB6F-4E63-8D3B-EAD5BC23D81C}" srcOrd="1" destOrd="0" presId="urn:microsoft.com/office/officeart/2005/8/layout/hierarchy2"/>
+    <dgm:cxn modelId="{D3D39686-3D6A-4021-9C42-902DBD35690A}" type="presParOf" srcId="{B1A1CC05-A0E1-4356-A8DE-8403E6EBF2E2}" destId="{A58521AB-EFCE-4F7B-8B87-B267EA597E56}" srcOrd="2" destOrd="0" presId="urn:microsoft.com/office/officeart/2005/8/layout/hierarchy2"/>
+    <dgm:cxn modelId="{F83CBB26-59D7-4A09-9044-80F3C4BF1562}" type="presParOf" srcId="{A58521AB-EFCE-4F7B-8B87-B267EA597E56}" destId="{E10E9E3D-5E92-4458-A55F-8CA186B0C9AC}" srcOrd="0" destOrd="0" presId="urn:microsoft.com/office/officeart/2005/8/layout/hierarchy2"/>
+    <dgm:cxn modelId="{24A810F2-3393-4AC2-BEA3-16AF028438FB}" type="presParOf" srcId="{B1A1CC05-A0E1-4356-A8DE-8403E6EBF2E2}" destId="{0029591A-21CE-4276-862B-BB4EB8DE73A0}" srcOrd="3" destOrd="0" presId="urn:microsoft.com/office/officeart/2005/8/layout/hierarchy2"/>
+    <dgm:cxn modelId="{81308C87-BDEB-43DD-8519-48A50B3F06EF}" type="presParOf" srcId="{0029591A-21CE-4276-862B-BB4EB8DE73A0}" destId="{30A23F2C-786D-4C42-A48D-246DC6C4383E}" srcOrd="0" destOrd="0" presId="urn:microsoft.com/office/officeart/2005/8/layout/hierarchy2"/>
+    <dgm:cxn modelId="{D6C94E3F-0DD9-4052-A70E-E09A337931AE}" type="presParOf" srcId="{0029591A-21CE-4276-862B-BB4EB8DE73A0}" destId="{ED54A30A-7A3D-4CA7-9029-BCBB9520A608}" srcOrd="1" destOrd="0" presId="urn:microsoft.com/office/officeart/2005/8/layout/hierarchy2"/>
+    <dgm:cxn modelId="{EF3695F1-2234-45C0-8328-F23848E76608}" type="presParOf" srcId="{ED54A30A-7A3D-4CA7-9029-BCBB9520A608}" destId="{054CFD1C-6297-48D5-8902-647BF49D4A42}" srcOrd="0" destOrd="0" presId="urn:microsoft.com/office/officeart/2005/8/layout/hierarchy2"/>
+    <dgm:cxn modelId="{02B21607-EA68-446B-9B49-CB94726DE135}" type="presParOf" srcId="{054CFD1C-6297-48D5-8902-647BF49D4A42}" destId="{D791A915-01D6-46F2-8A86-CE4E8212B325}" srcOrd="0" destOrd="0" presId="urn:microsoft.com/office/officeart/2005/8/layout/hierarchy2"/>
+    <dgm:cxn modelId="{F113206C-C56F-42D2-933F-1723637093DF}" type="presParOf" srcId="{ED54A30A-7A3D-4CA7-9029-BCBB9520A608}" destId="{DCECFCFB-2DAC-4BE6-9DFF-23D47C6F665C}" srcOrd="1" destOrd="0" presId="urn:microsoft.com/office/officeart/2005/8/layout/hierarchy2"/>
+    <dgm:cxn modelId="{E3126388-77BB-4858-8DDC-63B6DF9FE4B3}" type="presParOf" srcId="{DCECFCFB-2DAC-4BE6-9DFF-23D47C6F665C}" destId="{19BC7AE9-5DDE-4E77-AC19-87A47C724A53}" srcOrd="0" destOrd="0" presId="urn:microsoft.com/office/officeart/2005/8/layout/hierarchy2"/>
+    <dgm:cxn modelId="{44E0A02B-F4F6-4049-B3F8-154AAEF9EF64}" type="presParOf" srcId="{DCECFCFB-2DAC-4BE6-9DFF-23D47C6F665C}" destId="{563533A3-2476-4DBC-9DDA-A292D5EC345F}" srcOrd="1" destOrd="0" presId="urn:microsoft.com/office/officeart/2005/8/layout/hierarchy2"/>
+    <dgm:cxn modelId="{0459E923-5B98-4D67-A91F-561E1C652431}" type="presParOf" srcId="{ED54A30A-7A3D-4CA7-9029-BCBB9520A608}" destId="{BEC6BDCC-F305-4244-AD12-9A0CC7543081}" srcOrd="2" destOrd="0" presId="urn:microsoft.com/office/officeart/2005/8/layout/hierarchy2"/>
+    <dgm:cxn modelId="{90B7050A-21DF-462F-B26E-95813C073C0A}" type="presParOf" srcId="{BEC6BDCC-F305-4244-AD12-9A0CC7543081}" destId="{A1747219-E10E-45D1-9CA3-F59B844882D6}" srcOrd="0" destOrd="0" presId="urn:microsoft.com/office/officeart/2005/8/layout/hierarchy2"/>
+    <dgm:cxn modelId="{351CC247-5167-4F9A-B082-31E00FDAC7A5}" type="presParOf" srcId="{ED54A30A-7A3D-4CA7-9029-BCBB9520A608}" destId="{EF28F6BF-F582-4966-811E-D8BB41B8C005}" srcOrd="3" destOrd="0" presId="urn:microsoft.com/office/officeart/2005/8/layout/hierarchy2"/>
+    <dgm:cxn modelId="{593CE3C0-A54F-4A51-9B63-1792AF733FA7}" type="presParOf" srcId="{EF28F6BF-F582-4966-811E-D8BB41B8C005}" destId="{644DD5F2-24DF-4ABA-98EE-0BBFA5FD33F1}" srcOrd="0" destOrd="0" presId="urn:microsoft.com/office/officeart/2005/8/layout/hierarchy2"/>
+    <dgm:cxn modelId="{20402BE3-BC5A-45CB-8F45-C926801FB06C}" type="presParOf" srcId="{EF28F6BF-F582-4966-811E-D8BB41B8C005}" destId="{7CB5CAD3-3FAA-4E5E-AA79-ACCBCF63FB2F}" srcOrd="1" destOrd="0" presId="urn:microsoft.com/office/officeart/2005/8/layout/hierarchy2"/>
+    <dgm:cxn modelId="{5A2FA646-4693-4172-9305-6E5B2383F547}" type="presParOf" srcId="{ED54A30A-7A3D-4CA7-9029-BCBB9520A608}" destId="{F690041D-8CE7-4DD8-8BFA-A911E3841A95}" srcOrd="4" destOrd="0" presId="urn:microsoft.com/office/officeart/2005/8/layout/hierarchy2"/>
+    <dgm:cxn modelId="{61C86B1B-C323-453D-B34A-C15AFF603068}" type="presParOf" srcId="{F690041D-8CE7-4DD8-8BFA-A911E3841A95}" destId="{EA556948-C5A5-42D5-B301-BE27BD860573}" srcOrd="0" destOrd="0" presId="urn:microsoft.com/office/officeart/2005/8/layout/hierarchy2"/>
+    <dgm:cxn modelId="{2336828E-EC0B-4506-8BF2-0B3095608A6D}" type="presParOf" srcId="{ED54A30A-7A3D-4CA7-9029-BCBB9520A608}" destId="{68178A35-CC4C-4AB0-B810-ABDC0B615691}" srcOrd="5" destOrd="0" presId="urn:microsoft.com/office/officeart/2005/8/layout/hierarchy2"/>
+    <dgm:cxn modelId="{C3203C13-BD02-4AFD-84D1-DB7DBADC635E}" type="presParOf" srcId="{68178A35-CC4C-4AB0-B810-ABDC0B615691}" destId="{8551EB75-C30E-4DBC-8285-2BD84E1D126A}" srcOrd="0" destOrd="0" presId="urn:microsoft.com/office/officeart/2005/8/layout/hierarchy2"/>
+    <dgm:cxn modelId="{4856C7CD-27F6-4F32-BB3E-51CDF3E4C2CB}" type="presParOf" srcId="{68178A35-CC4C-4AB0-B810-ABDC0B615691}" destId="{71D05757-0B66-4249-BDB7-4F64614C74BE}" srcOrd="1" destOrd="0" presId="urn:microsoft.com/office/officeart/2005/8/layout/hierarchy2"/>
+    <dgm:cxn modelId="{6C679C46-EDED-458D-A688-072988E03525}" type="presParOf" srcId="{B1A1CC05-A0E1-4356-A8DE-8403E6EBF2E2}" destId="{C558A3E1-A112-4C56-B0E7-538DDA8F3659}" srcOrd="4" destOrd="0" presId="urn:microsoft.com/office/officeart/2005/8/layout/hierarchy2"/>
+    <dgm:cxn modelId="{81B8478C-87D7-42FD-89C4-376AAD548E76}" type="presParOf" srcId="{C558A3E1-A112-4C56-B0E7-538DDA8F3659}" destId="{7558B381-31DC-4EA5-AD51-872945351B98}" srcOrd="0" destOrd="0" presId="urn:microsoft.com/office/officeart/2005/8/layout/hierarchy2"/>
+    <dgm:cxn modelId="{A16FB868-A301-4B20-BB07-CDFAF7E7824B}" type="presParOf" srcId="{B1A1CC05-A0E1-4356-A8DE-8403E6EBF2E2}" destId="{CB845ABE-7536-4913-BBD9-6E4B5FECB22B}" srcOrd="5" destOrd="0" presId="urn:microsoft.com/office/officeart/2005/8/layout/hierarchy2"/>
+    <dgm:cxn modelId="{FA8D11CC-E432-41FD-B810-96AC6AFF5B25}" type="presParOf" srcId="{CB845ABE-7536-4913-BBD9-6E4B5FECB22B}" destId="{A67E2AC4-8059-492C-9F95-AFBFB0D9272C}" srcOrd="0" destOrd="0" presId="urn:microsoft.com/office/officeart/2005/8/layout/hierarchy2"/>
+    <dgm:cxn modelId="{1F03D8C5-480A-4E66-B561-26EB0BBAAA77}" type="presParOf" srcId="{CB845ABE-7536-4913-BBD9-6E4B5FECB22B}" destId="{33738C8A-9A5C-420D-97F9-4028FC0FDDAC}" srcOrd="1" destOrd="0" presId="urn:microsoft.com/office/officeart/2005/8/layout/hierarchy2"/>
+    <dgm:cxn modelId="{7B6EEA5D-79A2-4395-8679-7ABB99CA5AE6}" type="presParOf" srcId="{33738C8A-9A5C-420D-97F9-4028FC0FDDAC}" destId="{869C95AB-B4CC-421F-B611-63507D08381C}" srcOrd="0" destOrd="0" presId="urn:microsoft.com/office/officeart/2005/8/layout/hierarchy2"/>
+    <dgm:cxn modelId="{5FAF6D9D-DF09-47AA-A696-09DDAD449A9D}" type="presParOf" srcId="{869C95AB-B4CC-421F-B611-63507D08381C}" destId="{9888DE39-2283-47AF-908E-B8826269717C}" srcOrd="0" destOrd="0" presId="urn:microsoft.com/office/officeart/2005/8/layout/hierarchy2"/>
+    <dgm:cxn modelId="{9C36BF7A-3DC9-4C05-BF0C-54E2836262F1}" type="presParOf" srcId="{33738C8A-9A5C-420D-97F9-4028FC0FDDAC}" destId="{C812B45B-E1B4-47E2-9088-5E4D42BCAF79}" srcOrd="1" destOrd="0" presId="urn:microsoft.com/office/officeart/2005/8/layout/hierarchy2"/>
+    <dgm:cxn modelId="{D52B642F-579C-4F2B-A0F8-B3ACA480C914}" type="presParOf" srcId="{C812B45B-E1B4-47E2-9088-5E4D42BCAF79}" destId="{EEC84820-7C67-42BA-94A0-D70DF0BF8D3B}" srcOrd="0" destOrd="0" presId="urn:microsoft.com/office/officeart/2005/8/layout/hierarchy2"/>
+    <dgm:cxn modelId="{25CFF10C-1996-4AC3-8F2A-43259554A6C6}" type="presParOf" srcId="{C812B45B-E1B4-47E2-9088-5E4D42BCAF79}" destId="{67CCF2C8-8138-4D1F-A535-82681A7228DE}" srcOrd="1" destOrd="0" presId="urn:microsoft.com/office/officeart/2005/8/layout/hierarchy2"/>
+    <dgm:cxn modelId="{E6EEA12C-7FA3-4873-88DC-A599B1F82957}" type="presParOf" srcId="{33738C8A-9A5C-420D-97F9-4028FC0FDDAC}" destId="{0D3ECCD4-D952-4AEA-9ADD-216C746FD3B5}" srcOrd="2" destOrd="0" presId="urn:microsoft.com/office/officeart/2005/8/layout/hierarchy2"/>
+    <dgm:cxn modelId="{90EC3659-DAB8-4C27-A72B-6576103B2EB0}" type="presParOf" srcId="{0D3ECCD4-D952-4AEA-9ADD-216C746FD3B5}" destId="{1D95F9F4-DA95-4FB8-B83A-BB4A73A6A0FA}" srcOrd="0" destOrd="0" presId="urn:microsoft.com/office/officeart/2005/8/layout/hierarchy2"/>
+    <dgm:cxn modelId="{6DB22338-5559-48F6-B5F3-A35774AC9318}" type="presParOf" srcId="{33738C8A-9A5C-420D-97F9-4028FC0FDDAC}" destId="{4AFDB424-8749-46B5-879F-4AD226F25CD6}" srcOrd="3" destOrd="0" presId="urn:microsoft.com/office/officeart/2005/8/layout/hierarchy2"/>
+    <dgm:cxn modelId="{64E06CC4-856F-4A78-B820-DDF33BD5CDEE}" type="presParOf" srcId="{4AFDB424-8749-46B5-879F-4AD226F25CD6}" destId="{688EAD0F-0A75-45D0-93D0-7DC1B1C5BD8C}" srcOrd="0" destOrd="0" presId="urn:microsoft.com/office/officeart/2005/8/layout/hierarchy2"/>
+    <dgm:cxn modelId="{4469077F-FF45-4817-9E0A-4D57A17DBF5D}" type="presParOf" srcId="{4AFDB424-8749-46B5-879F-4AD226F25CD6}" destId="{CCF01B2A-430A-4D68-8529-590CB61B962B}" srcOrd="1" destOrd="0" presId="urn:microsoft.com/office/officeart/2005/8/layout/hierarchy2"/>
+    <dgm:cxn modelId="{ACA44232-833C-4446-9F67-3023D55F63FE}" type="presParOf" srcId="{33738C8A-9A5C-420D-97F9-4028FC0FDDAC}" destId="{4DD7C0EF-EEE2-43CB-A41A-131B0C3EF2AE}" srcOrd="4" destOrd="0" presId="urn:microsoft.com/office/officeart/2005/8/layout/hierarchy2"/>
+    <dgm:cxn modelId="{28B4108B-AA68-4CCD-B537-7A5C174A48F7}" type="presParOf" srcId="{4DD7C0EF-EEE2-43CB-A41A-131B0C3EF2AE}" destId="{1543B95D-DDB9-49DF-8118-CBE72EE8D629}" srcOrd="0" destOrd="0" presId="urn:microsoft.com/office/officeart/2005/8/layout/hierarchy2"/>
+    <dgm:cxn modelId="{B5BBC55F-53F1-45D5-8238-B91D3CACC074}" type="presParOf" srcId="{33738C8A-9A5C-420D-97F9-4028FC0FDDAC}" destId="{65CA8019-5A87-40F6-9448-4EE62A8EB99E}" srcOrd="5" destOrd="0" presId="urn:microsoft.com/office/officeart/2005/8/layout/hierarchy2"/>
+    <dgm:cxn modelId="{D72C66A6-791C-41F0-A9D1-211573B9C37A}" type="presParOf" srcId="{65CA8019-5A87-40F6-9448-4EE62A8EB99E}" destId="{DD49C6D0-78FF-4D0A-975E-28506099885C}" srcOrd="0" destOrd="0" presId="urn:microsoft.com/office/officeart/2005/8/layout/hierarchy2"/>
+    <dgm:cxn modelId="{DD016D7B-11D0-4334-9865-57C6D50F30F8}" type="presParOf" srcId="{65CA8019-5A87-40F6-9448-4EE62A8EB99E}" destId="{47F8159F-47DE-4301-B1B6-E38434776E2D}" srcOrd="1" destOrd="0" presId="urn:microsoft.com/office/officeart/2005/8/layout/hierarchy2"/>
   </dgm:cxnLst>
   <dgm:bg/>
   <dgm:whole/>
@@ -7604,6 +9142,1687 @@
 </dsp:drawing>
 </file>
 
+<file path=ppt/diagrams/drawing4.xml><?xml version="1.0" encoding="utf-8"?>
+<dsp:drawing xmlns:dgm="http://schemas.openxmlformats.org/drawingml/2006/diagram" xmlns:dsp="http://schemas.microsoft.com/office/drawing/2008/diagram" xmlns:a="http://schemas.openxmlformats.org/drawingml/2006/main">
+  <dsp:spTree>
+    <dsp:nvGrpSpPr>
+      <dsp:cNvPr id="0" name=""/>
+      <dsp:cNvGrpSpPr/>
+    </dsp:nvGrpSpPr>
+    <dsp:grpSpPr/>
+    <dsp:sp modelId="{64517DD6-C2BD-4A48-BA65-EE0598FB69BE}">
+      <dsp:nvSpPr>
+        <dsp:cNvPr id="0" name=""/>
+        <dsp:cNvSpPr/>
+      </dsp:nvSpPr>
+      <dsp:spPr>
+        <a:xfrm>
+          <a:off x="800146" y="1477824"/>
+          <a:ext cx="972094" cy="486047"/>
+        </a:xfrm>
+        <a:prstGeom prst="roundRect">
+          <a:avLst>
+            <a:gd name="adj" fmla="val 10000"/>
+          </a:avLst>
+        </a:prstGeom>
+        <a:solidFill>
+          <a:schemeClr val="accent1">
+            <a:hueOff val="0"/>
+            <a:satOff val="0"/>
+            <a:lumOff val="0"/>
+            <a:alphaOff val="0"/>
+          </a:schemeClr>
+        </a:solidFill>
+        <a:ln w="15875" cap="flat" cmpd="sng" algn="ctr">
+          <a:solidFill>
+            <a:schemeClr val="lt1">
+              <a:hueOff val="0"/>
+              <a:satOff val="0"/>
+              <a:lumOff val="0"/>
+              <a:alphaOff val="0"/>
+            </a:schemeClr>
+          </a:solidFill>
+          <a:prstDash val="solid"/>
+        </a:ln>
+        <a:effectLst/>
+      </dsp:spPr>
+      <dsp:style>
+        <a:lnRef idx="2">
+          <a:scrgbClr r="0" g="0" b="0"/>
+        </a:lnRef>
+        <a:fillRef idx="1">
+          <a:scrgbClr r="0" g="0" b="0"/>
+        </a:fillRef>
+        <a:effectRef idx="0">
+          <a:scrgbClr r="0" g="0" b="0"/>
+        </a:effectRef>
+        <a:fontRef idx="minor">
+          <a:schemeClr val="lt1"/>
+        </a:fontRef>
+      </dsp:style>
+      <dsp:txBody>
+        <a:bodyPr spcFirstLastPara="0" vert="horz" wrap="square" lIns="8890" tIns="8890" rIns="8890" bIns="8890" numCol="1" spcCol="1270" anchor="ctr" anchorCtr="0">
+          <a:noAutofit/>
+        </a:bodyPr>
+        <a:lstStyle/>
+        <a:p>
+          <a:pPr marL="0" lvl="0" indent="0" algn="ctr" defTabSz="622300">
+            <a:lnSpc>
+              <a:spcPct val="90000"/>
+            </a:lnSpc>
+            <a:spcBef>
+              <a:spcPct val="0"/>
+            </a:spcBef>
+            <a:spcAft>
+              <a:spcPct val="35000"/>
+            </a:spcAft>
+            <a:buNone/>
+          </a:pPr>
+          <a:r>
+            <a:rPr lang="zh-CN" altLang="en-US" sz="1400" kern="1200" dirty="0"/>
+            <a:t>数据</a:t>
+          </a:r>
+        </a:p>
+      </dsp:txBody>
+      <dsp:txXfrm>
+        <a:off x="814382" y="1492060"/>
+        <a:ext cx="943622" cy="457575"/>
+      </dsp:txXfrm>
+    </dsp:sp>
+    <dsp:sp modelId="{34DE52C2-0EC5-45D0-8BB8-01FFE9C53468}">
+      <dsp:nvSpPr>
+        <dsp:cNvPr id="0" name=""/>
+        <dsp:cNvSpPr/>
+      </dsp:nvSpPr>
+      <dsp:spPr>
+        <a:xfrm rot="19984591">
+          <a:off x="1647919" y="1190105"/>
+          <a:ext cx="2293995" cy="22763"/>
+        </a:xfrm>
+        <a:custGeom>
+          <a:avLst/>
+          <a:gdLst/>
+          <a:ahLst/>
+          <a:cxnLst/>
+          <a:rect l="0" t="0" r="0" b="0"/>
+          <a:pathLst>
+            <a:path>
+              <a:moveTo>
+                <a:pt x="0" y="11381"/>
+              </a:moveTo>
+              <a:lnTo>
+                <a:pt x="2293995" y="11381"/>
+              </a:lnTo>
+            </a:path>
+          </a:pathLst>
+        </a:custGeom>
+        <a:noFill/>
+        <a:ln w="15875" cap="flat" cmpd="sng" algn="ctr">
+          <a:solidFill>
+            <a:schemeClr val="accent1">
+              <a:shade val="60000"/>
+              <a:hueOff val="0"/>
+              <a:satOff val="0"/>
+              <a:lumOff val="0"/>
+              <a:alphaOff val="0"/>
+            </a:schemeClr>
+          </a:solidFill>
+          <a:prstDash val="solid"/>
+        </a:ln>
+        <a:effectLst/>
+      </dsp:spPr>
+      <dsp:style>
+        <a:lnRef idx="2">
+          <a:scrgbClr r="0" g="0" b="0"/>
+        </a:lnRef>
+        <a:fillRef idx="0">
+          <a:scrgbClr r="0" g="0" b="0"/>
+        </a:fillRef>
+        <a:effectRef idx="0">
+          <a:scrgbClr r="0" g="0" b="0"/>
+        </a:effectRef>
+        <a:fontRef idx="minor"/>
+      </dsp:style>
+      <dsp:txBody>
+        <a:bodyPr spcFirstLastPara="0" vert="horz" wrap="square" lIns="12700" tIns="0" rIns="12700" bIns="0" numCol="1" spcCol="1270" anchor="ctr" anchorCtr="0">
+          <a:noAutofit/>
+        </a:bodyPr>
+        <a:lstStyle/>
+        <a:p>
+          <a:pPr marL="0" lvl="0" indent="0" algn="ctr" defTabSz="400050">
+            <a:lnSpc>
+              <a:spcPct val="90000"/>
+            </a:lnSpc>
+            <a:spcBef>
+              <a:spcPct val="0"/>
+            </a:spcBef>
+            <a:spcAft>
+              <a:spcPct val="35000"/>
+            </a:spcAft>
+            <a:buNone/>
+          </a:pPr>
+          <a:endParaRPr lang="zh-CN" altLang="en-US" sz="900" kern="1200"/>
+        </a:p>
+      </dsp:txBody>
+      <dsp:txXfrm>
+        <a:off x="2737567" y="1144137"/>
+        <a:ext cx="114699" cy="114699"/>
+      </dsp:txXfrm>
+    </dsp:sp>
+    <dsp:sp modelId="{03C43163-A577-4F6C-A489-C4264CE35C97}">
+      <dsp:nvSpPr>
+        <dsp:cNvPr id="0" name=""/>
+        <dsp:cNvSpPr/>
+      </dsp:nvSpPr>
+      <dsp:spPr>
+        <a:xfrm>
+          <a:off x="3817594" y="439103"/>
+          <a:ext cx="972094" cy="486047"/>
+        </a:xfrm>
+        <a:prstGeom prst="roundRect">
+          <a:avLst>
+            <a:gd name="adj" fmla="val 10000"/>
+          </a:avLst>
+        </a:prstGeom>
+        <a:solidFill>
+          <a:schemeClr val="accent1">
+            <a:hueOff val="0"/>
+            <a:satOff val="0"/>
+            <a:lumOff val="0"/>
+            <a:alphaOff val="0"/>
+          </a:schemeClr>
+        </a:solidFill>
+        <a:ln w="15875" cap="flat" cmpd="sng" algn="ctr">
+          <a:solidFill>
+            <a:schemeClr val="lt1">
+              <a:hueOff val="0"/>
+              <a:satOff val="0"/>
+              <a:lumOff val="0"/>
+              <a:alphaOff val="0"/>
+            </a:schemeClr>
+          </a:solidFill>
+          <a:prstDash val="solid"/>
+        </a:ln>
+        <a:effectLst/>
+      </dsp:spPr>
+      <dsp:style>
+        <a:lnRef idx="2">
+          <a:scrgbClr r="0" g="0" b="0"/>
+        </a:lnRef>
+        <a:fillRef idx="1">
+          <a:scrgbClr r="0" g="0" b="0"/>
+        </a:fillRef>
+        <a:effectRef idx="0">
+          <a:scrgbClr r="0" g="0" b="0"/>
+        </a:effectRef>
+        <a:fontRef idx="minor">
+          <a:schemeClr val="lt1"/>
+        </a:fontRef>
+      </dsp:style>
+      <dsp:txBody>
+        <a:bodyPr spcFirstLastPara="0" vert="horz" wrap="square" lIns="8890" tIns="8890" rIns="8890" bIns="8890" numCol="1" spcCol="1270" anchor="ctr" anchorCtr="0">
+          <a:noAutofit/>
+        </a:bodyPr>
+        <a:lstStyle/>
+        <a:p>
+          <a:pPr marL="0" lvl="0" indent="0" algn="ctr" defTabSz="622300">
+            <a:lnSpc>
+              <a:spcPct val="90000"/>
+            </a:lnSpc>
+            <a:spcBef>
+              <a:spcPct val="0"/>
+            </a:spcBef>
+            <a:spcAft>
+              <a:spcPct val="35000"/>
+            </a:spcAft>
+            <a:buNone/>
+          </a:pPr>
+          <a:r>
+            <a:rPr lang="zh-CN" altLang="en-US" sz="1400" kern="1200" dirty="0"/>
+            <a:t>院线电影数据</a:t>
+          </a:r>
+        </a:p>
+      </dsp:txBody>
+      <dsp:txXfrm>
+        <a:off x="3831830" y="453339"/>
+        <a:ext cx="943622" cy="457575"/>
+      </dsp:txXfrm>
+    </dsp:sp>
+    <dsp:sp modelId="{EDD14F93-F868-4E20-8FC0-99EC523EB727}">
+      <dsp:nvSpPr>
+        <dsp:cNvPr id="0" name=""/>
+        <dsp:cNvSpPr/>
+      </dsp:nvSpPr>
+      <dsp:spPr>
+        <a:xfrm rot="20229459">
+          <a:off x="4745514" y="452084"/>
+          <a:ext cx="1126543" cy="22763"/>
+        </a:xfrm>
+        <a:custGeom>
+          <a:avLst/>
+          <a:gdLst/>
+          <a:ahLst/>
+          <a:cxnLst/>
+          <a:rect l="0" t="0" r="0" b="0"/>
+          <a:pathLst>
+            <a:path>
+              <a:moveTo>
+                <a:pt x="0" y="11381"/>
+              </a:moveTo>
+              <a:lnTo>
+                <a:pt x="1126543" y="11381"/>
+              </a:lnTo>
+            </a:path>
+          </a:pathLst>
+        </a:custGeom>
+        <a:noFill/>
+        <a:ln w="15875" cap="flat" cmpd="sng" algn="ctr">
+          <a:solidFill>
+            <a:schemeClr val="accent1">
+              <a:shade val="80000"/>
+              <a:hueOff val="0"/>
+              <a:satOff val="0"/>
+              <a:lumOff val="0"/>
+              <a:alphaOff val="0"/>
+            </a:schemeClr>
+          </a:solidFill>
+          <a:prstDash val="solid"/>
+        </a:ln>
+        <a:effectLst/>
+      </dsp:spPr>
+      <dsp:style>
+        <a:lnRef idx="2">
+          <a:scrgbClr r="0" g="0" b="0"/>
+        </a:lnRef>
+        <a:fillRef idx="0">
+          <a:scrgbClr r="0" g="0" b="0"/>
+        </a:fillRef>
+        <a:effectRef idx="0">
+          <a:scrgbClr r="0" g="0" b="0"/>
+        </a:effectRef>
+        <a:fontRef idx="minor"/>
+      </dsp:style>
+      <dsp:txBody>
+        <a:bodyPr spcFirstLastPara="0" vert="horz" wrap="square" lIns="12700" tIns="0" rIns="12700" bIns="0" numCol="1" spcCol="1270" anchor="ctr" anchorCtr="0">
+          <a:noAutofit/>
+        </a:bodyPr>
+        <a:lstStyle/>
+        <a:p>
+          <a:pPr marL="0" lvl="0" indent="0" algn="ctr" defTabSz="222250">
+            <a:lnSpc>
+              <a:spcPct val="90000"/>
+            </a:lnSpc>
+            <a:spcBef>
+              <a:spcPct val="0"/>
+            </a:spcBef>
+            <a:spcAft>
+              <a:spcPct val="35000"/>
+            </a:spcAft>
+            <a:buNone/>
+          </a:pPr>
+          <a:endParaRPr lang="zh-CN" altLang="en-US" sz="500" kern="1200"/>
+        </a:p>
+      </dsp:txBody>
+      <dsp:txXfrm>
+        <a:off x="5280622" y="435303"/>
+        <a:ext cx="56327" cy="56327"/>
+      </dsp:txXfrm>
+    </dsp:sp>
+    <dsp:sp modelId="{1F9159C7-78DA-411D-B419-158148F1FC39}">
+      <dsp:nvSpPr>
+        <dsp:cNvPr id="0" name=""/>
+        <dsp:cNvSpPr/>
+      </dsp:nvSpPr>
+      <dsp:spPr>
+        <a:xfrm>
+          <a:off x="5827884" y="1782"/>
+          <a:ext cx="972094" cy="486047"/>
+        </a:xfrm>
+        <a:prstGeom prst="roundRect">
+          <a:avLst>
+            <a:gd name="adj" fmla="val 10000"/>
+          </a:avLst>
+        </a:prstGeom>
+        <a:solidFill>
+          <a:schemeClr val="accent1">
+            <a:hueOff val="0"/>
+            <a:satOff val="0"/>
+            <a:lumOff val="0"/>
+            <a:alphaOff val="0"/>
+          </a:schemeClr>
+        </a:solidFill>
+        <a:ln w="15875" cap="flat" cmpd="sng" algn="ctr">
+          <a:solidFill>
+            <a:schemeClr val="lt1">
+              <a:hueOff val="0"/>
+              <a:satOff val="0"/>
+              <a:lumOff val="0"/>
+              <a:alphaOff val="0"/>
+            </a:schemeClr>
+          </a:solidFill>
+          <a:prstDash val="solid"/>
+        </a:ln>
+        <a:effectLst/>
+      </dsp:spPr>
+      <dsp:style>
+        <a:lnRef idx="2">
+          <a:scrgbClr r="0" g="0" b="0"/>
+        </a:lnRef>
+        <a:fillRef idx="1">
+          <a:scrgbClr r="0" g="0" b="0"/>
+        </a:fillRef>
+        <a:effectRef idx="0">
+          <a:scrgbClr r="0" g="0" b="0"/>
+        </a:effectRef>
+        <a:fontRef idx="minor">
+          <a:schemeClr val="lt1"/>
+        </a:fontRef>
+      </dsp:style>
+      <dsp:txBody>
+        <a:bodyPr spcFirstLastPara="0" vert="horz" wrap="square" lIns="8890" tIns="8890" rIns="8890" bIns="8890" numCol="1" spcCol="1270" anchor="ctr" anchorCtr="0">
+          <a:noAutofit/>
+        </a:bodyPr>
+        <a:lstStyle/>
+        <a:p>
+          <a:pPr marL="0" lvl="0" indent="0" algn="ctr" defTabSz="622300">
+            <a:lnSpc>
+              <a:spcPct val="90000"/>
+            </a:lnSpc>
+            <a:spcBef>
+              <a:spcPct val="0"/>
+            </a:spcBef>
+            <a:spcAft>
+              <a:spcPct val="35000"/>
+            </a:spcAft>
+            <a:buNone/>
+          </a:pPr>
+          <a:r>
+            <a:rPr lang="zh-CN" altLang="en-US" sz="1400" kern="1200" dirty="0"/>
+            <a:t>豆瓣</a:t>
+          </a:r>
+        </a:p>
+      </dsp:txBody>
+      <dsp:txXfrm>
+        <a:off x="5842120" y="16018"/>
+        <a:ext cx="943622" cy="457575"/>
+      </dsp:txXfrm>
+    </dsp:sp>
+    <dsp:sp modelId="{A58521AB-EFCE-4F7B-8B87-B267EA597E56}">
+      <dsp:nvSpPr>
+        <dsp:cNvPr id="0" name=""/>
+        <dsp:cNvSpPr/>
+      </dsp:nvSpPr>
+      <dsp:spPr>
+        <a:xfrm rot="73812">
+          <a:off x="1772009" y="1731000"/>
+          <a:ext cx="2006057" cy="22763"/>
+        </a:xfrm>
+        <a:custGeom>
+          <a:avLst/>
+          <a:gdLst/>
+          <a:ahLst/>
+          <a:cxnLst/>
+          <a:rect l="0" t="0" r="0" b="0"/>
+          <a:pathLst>
+            <a:path>
+              <a:moveTo>
+                <a:pt x="0" y="11381"/>
+              </a:moveTo>
+              <a:lnTo>
+                <a:pt x="2006057" y="11381"/>
+              </a:lnTo>
+            </a:path>
+          </a:pathLst>
+        </a:custGeom>
+        <a:noFill/>
+        <a:ln w="15875" cap="flat" cmpd="sng" algn="ctr">
+          <a:solidFill>
+            <a:schemeClr val="accent1">
+              <a:shade val="60000"/>
+              <a:hueOff val="0"/>
+              <a:satOff val="0"/>
+              <a:lumOff val="0"/>
+              <a:alphaOff val="0"/>
+            </a:schemeClr>
+          </a:solidFill>
+          <a:prstDash val="solid"/>
+        </a:ln>
+        <a:effectLst/>
+      </dsp:spPr>
+      <dsp:style>
+        <a:lnRef idx="2">
+          <a:scrgbClr r="0" g="0" b="0"/>
+        </a:lnRef>
+        <a:fillRef idx="0">
+          <a:scrgbClr r="0" g="0" b="0"/>
+        </a:fillRef>
+        <a:effectRef idx="0">
+          <a:scrgbClr r="0" g="0" b="0"/>
+        </a:effectRef>
+        <a:fontRef idx="minor"/>
+      </dsp:style>
+      <dsp:txBody>
+        <a:bodyPr spcFirstLastPara="0" vert="horz" wrap="square" lIns="12700" tIns="0" rIns="12700" bIns="0" numCol="1" spcCol="1270" anchor="ctr" anchorCtr="0">
+          <a:noAutofit/>
+        </a:bodyPr>
+        <a:lstStyle/>
+        <a:p>
+          <a:pPr marL="0" lvl="0" indent="0" algn="ctr" defTabSz="355600">
+            <a:lnSpc>
+              <a:spcPct val="90000"/>
+            </a:lnSpc>
+            <a:spcBef>
+              <a:spcPct val="0"/>
+            </a:spcBef>
+            <a:spcAft>
+              <a:spcPct val="35000"/>
+            </a:spcAft>
+            <a:buNone/>
+          </a:pPr>
+          <a:endParaRPr lang="zh-CN" altLang="en-US" sz="800" kern="1200"/>
+        </a:p>
+      </dsp:txBody>
+      <dsp:txXfrm>
+        <a:off x="2724886" y="1692231"/>
+        <a:ext cx="100302" cy="100302"/>
+      </dsp:txXfrm>
+    </dsp:sp>
+    <dsp:sp modelId="{30A23F2C-786D-4C42-A48D-246DC6C4383E}">
+      <dsp:nvSpPr>
+        <dsp:cNvPr id="0" name=""/>
+        <dsp:cNvSpPr/>
+      </dsp:nvSpPr>
+      <dsp:spPr>
+        <a:xfrm>
+          <a:off x="3777835" y="1520893"/>
+          <a:ext cx="972094" cy="486047"/>
+        </a:xfrm>
+        <a:prstGeom prst="roundRect">
+          <a:avLst>
+            <a:gd name="adj" fmla="val 10000"/>
+          </a:avLst>
+        </a:prstGeom>
+        <a:solidFill>
+          <a:schemeClr val="accent1">
+            <a:hueOff val="0"/>
+            <a:satOff val="0"/>
+            <a:lumOff val="0"/>
+            <a:alphaOff val="0"/>
+          </a:schemeClr>
+        </a:solidFill>
+        <a:ln w="15875" cap="flat" cmpd="sng" algn="ctr">
+          <a:solidFill>
+            <a:schemeClr val="lt1">
+              <a:hueOff val="0"/>
+              <a:satOff val="0"/>
+              <a:lumOff val="0"/>
+              <a:alphaOff val="0"/>
+            </a:schemeClr>
+          </a:solidFill>
+          <a:prstDash val="solid"/>
+        </a:ln>
+        <a:effectLst/>
+      </dsp:spPr>
+      <dsp:style>
+        <a:lnRef idx="2">
+          <a:scrgbClr r="0" g="0" b="0"/>
+        </a:lnRef>
+        <a:fillRef idx="1">
+          <a:scrgbClr r="0" g="0" b="0"/>
+        </a:fillRef>
+        <a:effectRef idx="0">
+          <a:scrgbClr r="0" g="0" b="0"/>
+        </a:effectRef>
+        <a:fontRef idx="minor">
+          <a:schemeClr val="lt1"/>
+        </a:fontRef>
+      </dsp:style>
+      <dsp:txBody>
+        <a:bodyPr spcFirstLastPara="0" vert="horz" wrap="square" lIns="8890" tIns="8890" rIns="8890" bIns="8890" numCol="1" spcCol="1270" anchor="ctr" anchorCtr="0">
+          <a:noAutofit/>
+        </a:bodyPr>
+        <a:lstStyle/>
+        <a:p>
+          <a:pPr marL="0" lvl="0" indent="0" algn="ctr" defTabSz="622300">
+            <a:lnSpc>
+              <a:spcPct val="90000"/>
+            </a:lnSpc>
+            <a:spcBef>
+              <a:spcPct val="0"/>
+            </a:spcBef>
+            <a:spcAft>
+              <a:spcPct val="35000"/>
+            </a:spcAft>
+            <a:buNone/>
+          </a:pPr>
+          <a:r>
+            <a:rPr lang="zh-CN" altLang="en-US" sz="1400" kern="1200" dirty="0"/>
+            <a:t>影院数据</a:t>
+          </a:r>
+        </a:p>
+      </dsp:txBody>
+      <dsp:txXfrm>
+        <a:off x="3792071" y="1535129"/>
+        <a:ext cx="943622" cy="457575"/>
+      </dsp:txXfrm>
+    </dsp:sp>
+    <dsp:sp modelId="{054CFD1C-6297-48D5-8902-647BF49D4A42}">
+      <dsp:nvSpPr>
+        <dsp:cNvPr id="0" name=""/>
+        <dsp:cNvSpPr/>
+      </dsp:nvSpPr>
+      <dsp:spPr>
+        <a:xfrm rot="19098473">
+          <a:off x="4567123" y="1272456"/>
+          <a:ext cx="1443567" cy="22763"/>
+        </a:xfrm>
+        <a:custGeom>
+          <a:avLst/>
+          <a:gdLst/>
+          <a:ahLst/>
+          <a:cxnLst/>
+          <a:rect l="0" t="0" r="0" b="0"/>
+          <a:pathLst>
+            <a:path>
+              <a:moveTo>
+                <a:pt x="0" y="11381"/>
+              </a:moveTo>
+              <a:lnTo>
+                <a:pt x="1443567" y="11381"/>
+              </a:lnTo>
+            </a:path>
+          </a:pathLst>
+        </a:custGeom>
+        <a:noFill/>
+        <a:ln w="15875" cap="flat" cmpd="sng" algn="ctr">
+          <a:solidFill>
+            <a:schemeClr val="accent1">
+              <a:shade val="80000"/>
+              <a:hueOff val="0"/>
+              <a:satOff val="0"/>
+              <a:lumOff val="0"/>
+              <a:alphaOff val="0"/>
+            </a:schemeClr>
+          </a:solidFill>
+          <a:prstDash val="solid"/>
+        </a:ln>
+        <a:effectLst/>
+      </dsp:spPr>
+      <dsp:style>
+        <a:lnRef idx="2">
+          <a:scrgbClr r="0" g="0" b="0"/>
+        </a:lnRef>
+        <a:fillRef idx="0">
+          <a:scrgbClr r="0" g="0" b="0"/>
+        </a:fillRef>
+        <a:effectRef idx="0">
+          <a:scrgbClr r="0" g="0" b="0"/>
+        </a:effectRef>
+        <a:fontRef idx="minor"/>
+      </dsp:style>
+      <dsp:txBody>
+        <a:bodyPr spcFirstLastPara="0" vert="horz" wrap="square" lIns="12700" tIns="0" rIns="12700" bIns="0" numCol="1" spcCol="1270" anchor="ctr" anchorCtr="0">
+          <a:noAutofit/>
+        </a:bodyPr>
+        <a:lstStyle/>
+        <a:p>
+          <a:pPr marL="0" lvl="0" indent="0" algn="ctr" defTabSz="222250">
+            <a:lnSpc>
+              <a:spcPct val="90000"/>
+            </a:lnSpc>
+            <a:spcBef>
+              <a:spcPct val="0"/>
+            </a:spcBef>
+            <a:spcAft>
+              <a:spcPct val="35000"/>
+            </a:spcAft>
+            <a:buNone/>
+          </a:pPr>
+          <a:endParaRPr lang="zh-CN" altLang="en-US" sz="500" kern="1200"/>
+        </a:p>
+      </dsp:txBody>
+      <dsp:txXfrm>
+        <a:off x="5252817" y="1247749"/>
+        <a:ext cx="72178" cy="72178"/>
+      </dsp:txXfrm>
+    </dsp:sp>
+    <dsp:sp modelId="{19BC7AE9-5DDE-4E77-AC19-87A47C724A53}">
+      <dsp:nvSpPr>
+        <dsp:cNvPr id="0" name=""/>
+        <dsp:cNvSpPr/>
+      </dsp:nvSpPr>
+      <dsp:spPr>
+        <a:xfrm>
+          <a:off x="5827884" y="560736"/>
+          <a:ext cx="972094" cy="486047"/>
+        </a:xfrm>
+        <a:prstGeom prst="roundRect">
+          <a:avLst>
+            <a:gd name="adj" fmla="val 10000"/>
+          </a:avLst>
+        </a:prstGeom>
+        <a:solidFill>
+          <a:schemeClr val="accent1">
+            <a:hueOff val="0"/>
+            <a:satOff val="0"/>
+            <a:lumOff val="0"/>
+            <a:alphaOff val="0"/>
+          </a:schemeClr>
+        </a:solidFill>
+        <a:ln w="15875" cap="flat" cmpd="sng" algn="ctr">
+          <a:solidFill>
+            <a:schemeClr val="lt1">
+              <a:hueOff val="0"/>
+              <a:satOff val="0"/>
+              <a:lumOff val="0"/>
+              <a:alphaOff val="0"/>
+            </a:schemeClr>
+          </a:solidFill>
+          <a:prstDash val="solid"/>
+        </a:ln>
+        <a:effectLst/>
+      </dsp:spPr>
+      <dsp:style>
+        <a:lnRef idx="2">
+          <a:scrgbClr r="0" g="0" b="0"/>
+        </a:lnRef>
+        <a:fillRef idx="1">
+          <a:scrgbClr r="0" g="0" b="0"/>
+        </a:fillRef>
+        <a:effectRef idx="0">
+          <a:scrgbClr r="0" g="0" b="0"/>
+        </a:effectRef>
+        <a:fontRef idx="minor">
+          <a:schemeClr val="lt1"/>
+        </a:fontRef>
+      </dsp:style>
+      <dsp:txBody>
+        <a:bodyPr spcFirstLastPara="0" vert="horz" wrap="square" lIns="8890" tIns="8890" rIns="8890" bIns="8890" numCol="1" spcCol="1270" anchor="ctr" anchorCtr="0">
+          <a:noAutofit/>
+        </a:bodyPr>
+        <a:lstStyle/>
+        <a:p>
+          <a:pPr marL="0" lvl="0" indent="0" algn="ctr" defTabSz="622300">
+            <a:lnSpc>
+              <a:spcPct val="90000"/>
+            </a:lnSpc>
+            <a:spcBef>
+              <a:spcPct val="0"/>
+            </a:spcBef>
+            <a:spcAft>
+              <a:spcPct val="35000"/>
+            </a:spcAft>
+            <a:buNone/>
+          </a:pPr>
+          <a:r>
+            <a:rPr lang="zh-CN" altLang="en-US" sz="1400" kern="1200" dirty="0"/>
+            <a:t>淘票票影院</a:t>
+          </a:r>
+        </a:p>
+      </dsp:txBody>
+      <dsp:txXfrm>
+        <a:off x="5842120" y="574972"/>
+        <a:ext cx="943622" cy="457575"/>
+      </dsp:txXfrm>
+    </dsp:sp>
+    <dsp:sp modelId="{BEC6BDCC-F305-4244-AD12-9A0CC7543081}">
+      <dsp:nvSpPr>
+        <dsp:cNvPr id="0" name=""/>
+        <dsp:cNvSpPr/>
+      </dsp:nvSpPr>
+      <dsp:spPr>
+        <a:xfrm rot="20375118">
+          <a:off x="4713809" y="1551933"/>
+          <a:ext cx="1150195" cy="22763"/>
+        </a:xfrm>
+        <a:custGeom>
+          <a:avLst/>
+          <a:gdLst/>
+          <a:ahLst/>
+          <a:cxnLst/>
+          <a:rect l="0" t="0" r="0" b="0"/>
+          <a:pathLst>
+            <a:path>
+              <a:moveTo>
+                <a:pt x="0" y="11381"/>
+              </a:moveTo>
+              <a:lnTo>
+                <a:pt x="1150195" y="11381"/>
+              </a:lnTo>
+            </a:path>
+          </a:pathLst>
+        </a:custGeom>
+        <a:noFill/>
+        <a:ln w="15875" cap="flat" cmpd="sng" algn="ctr">
+          <a:solidFill>
+            <a:schemeClr val="accent1">
+              <a:shade val="80000"/>
+              <a:hueOff val="0"/>
+              <a:satOff val="0"/>
+              <a:lumOff val="0"/>
+              <a:alphaOff val="0"/>
+            </a:schemeClr>
+          </a:solidFill>
+          <a:prstDash val="solid"/>
+        </a:ln>
+        <a:effectLst/>
+      </dsp:spPr>
+      <dsp:style>
+        <a:lnRef idx="2">
+          <a:scrgbClr r="0" g="0" b="0"/>
+        </a:lnRef>
+        <a:fillRef idx="0">
+          <a:scrgbClr r="0" g="0" b="0"/>
+        </a:fillRef>
+        <a:effectRef idx="0">
+          <a:scrgbClr r="0" g="0" b="0"/>
+        </a:effectRef>
+        <a:fontRef idx="minor"/>
+      </dsp:style>
+      <dsp:txBody>
+        <a:bodyPr spcFirstLastPara="0" vert="horz" wrap="square" lIns="12700" tIns="0" rIns="12700" bIns="0" numCol="1" spcCol="1270" anchor="ctr" anchorCtr="0">
+          <a:noAutofit/>
+        </a:bodyPr>
+        <a:lstStyle/>
+        <a:p>
+          <a:pPr marL="0" lvl="0" indent="0" algn="ctr" defTabSz="222250">
+            <a:lnSpc>
+              <a:spcPct val="90000"/>
+            </a:lnSpc>
+            <a:spcBef>
+              <a:spcPct val="0"/>
+            </a:spcBef>
+            <a:spcAft>
+              <a:spcPct val="35000"/>
+            </a:spcAft>
+            <a:buNone/>
+          </a:pPr>
+          <a:endParaRPr lang="zh-CN" altLang="en-US" sz="500" kern="1200"/>
+        </a:p>
+      </dsp:txBody>
+      <dsp:txXfrm>
+        <a:off x="5260152" y="1534560"/>
+        <a:ext cx="57509" cy="57509"/>
+      </dsp:txXfrm>
+    </dsp:sp>
+    <dsp:sp modelId="{644DD5F2-24DF-4ABA-98EE-0BBFA5FD33F1}">
+      <dsp:nvSpPr>
+        <dsp:cNvPr id="0" name=""/>
+        <dsp:cNvSpPr/>
+      </dsp:nvSpPr>
+      <dsp:spPr>
+        <a:xfrm>
+          <a:off x="5827884" y="1119690"/>
+          <a:ext cx="972094" cy="486047"/>
+        </a:xfrm>
+        <a:prstGeom prst="roundRect">
+          <a:avLst>
+            <a:gd name="adj" fmla="val 10000"/>
+          </a:avLst>
+        </a:prstGeom>
+        <a:solidFill>
+          <a:schemeClr val="accent1">
+            <a:hueOff val="0"/>
+            <a:satOff val="0"/>
+            <a:lumOff val="0"/>
+            <a:alphaOff val="0"/>
+          </a:schemeClr>
+        </a:solidFill>
+        <a:ln w="15875" cap="flat" cmpd="sng" algn="ctr">
+          <a:solidFill>
+            <a:schemeClr val="lt1">
+              <a:hueOff val="0"/>
+              <a:satOff val="0"/>
+              <a:lumOff val="0"/>
+              <a:alphaOff val="0"/>
+            </a:schemeClr>
+          </a:solidFill>
+          <a:prstDash val="solid"/>
+        </a:ln>
+        <a:effectLst/>
+      </dsp:spPr>
+      <dsp:style>
+        <a:lnRef idx="2">
+          <a:scrgbClr r="0" g="0" b="0"/>
+        </a:lnRef>
+        <a:fillRef idx="1">
+          <a:scrgbClr r="0" g="0" b="0"/>
+        </a:fillRef>
+        <a:effectRef idx="0">
+          <a:scrgbClr r="0" g="0" b="0"/>
+        </a:effectRef>
+        <a:fontRef idx="minor">
+          <a:schemeClr val="lt1"/>
+        </a:fontRef>
+      </dsp:style>
+      <dsp:txBody>
+        <a:bodyPr spcFirstLastPara="0" vert="horz" wrap="square" lIns="8890" tIns="8890" rIns="8890" bIns="8890" numCol="1" spcCol="1270" anchor="ctr" anchorCtr="0">
+          <a:noAutofit/>
+        </a:bodyPr>
+        <a:lstStyle/>
+        <a:p>
+          <a:pPr marL="0" lvl="0" indent="0" algn="ctr" defTabSz="622300">
+            <a:lnSpc>
+              <a:spcPct val="90000"/>
+            </a:lnSpc>
+            <a:spcBef>
+              <a:spcPct val="0"/>
+            </a:spcBef>
+            <a:spcAft>
+              <a:spcPct val="35000"/>
+            </a:spcAft>
+            <a:buNone/>
+          </a:pPr>
+          <a:r>
+            <a:rPr lang="zh-CN" altLang="en-US" sz="1400" kern="1200" dirty="0"/>
+            <a:t>糯米影院</a:t>
+          </a:r>
+        </a:p>
+      </dsp:txBody>
+      <dsp:txXfrm>
+        <a:off x="5842120" y="1133926"/>
+        <a:ext cx="943622" cy="457575"/>
+      </dsp:txXfrm>
+    </dsp:sp>
+    <dsp:sp modelId="{F690041D-8CE7-4DD8-8BFA-A911E3841A95}">
+      <dsp:nvSpPr>
+        <dsp:cNvPr id="0" name=""/>
+        <dsp:cNvSpPr/>
+      </dsp:nvSpPr>
+      <dsp:spPr>
+        <a:xfrm rot="499545">
+          <a:off x="4744188" y="1831410"/>
+          <a:ext cx="1089436" cy="22763"/>
+        </a:xfrm>
+        <a:custGeom>
+          <a:avLst/>
+          <a:gdLst/>
+          <a:ahLst/>
+          <a:cxnLst/>
+          <a:rect l="0" t="0" r="0" b="0"/>
+          <a:pathLst>
+            <a:path>
+              <a:moveTo>
+                <a:pt x="0" y="11381"/>
+              </a:moveTo>
+              <a:lnTo>
+                <a:pt x="1089436" y="11381"/>
+              </a:lnTo>
+            </a:path>
+          </a:pathLst>
+        </a:custGeom>
+        <a:noFill/>
+        <a:ln w="15875" cap="flat" cmpd="sng" algn="ctr">
+          <a:solidFill>
+            <a:schemeClr val="accent1">
+              <a:shade val="80000"/>
+              <a:hueOff val="0"/>
+              <a:satOff val="0"/>
+              <a:lumOff val="0"/>
+              <a:alphaOff val="0"/>
+            </a:schemeClr>
+          </a:solidFill>
+          <a:prstDash val="solid"/>
+        </a:ln>
+        <a:effectLst/>
+      </dsp:spPr>
+      <dsp:style>
+        <a:lnRef idx="2">
+          <a:scrgbClr r="0" g="0" b="0"/>
+        </a:lnRef>
+        <a:fillRef idx="0">
+          <a:scrgbClr r="0" g="0" b="0"/>
+        </a:fillRef>
+        <a:effectRef idx="0">
+          <a:scrgbClr r="0" g="0" b="0"/>
+        </a:effectRef>
+        <a:fontRef idx="minor"/>
+      </dsp:style>
+      <dsp:txBody>
+        <a:bodyPr spcFirstLastPara="0" vert="horz" wrap="square" lIns="12700" tIns="0" rIns="12700" bIns="0" numCol="1" spcCol="1270" anchor="ctr" anchorCtr="0">
+          <a:noAutofit/>
+        </a:bodyPr>
+        <a:lstStyle/>
+        <a:p>
+          <a:pPr marL="0" lvl="0" indent="0" algn="ctr" defTabSz="222250">
+            <a:lnSpc>
+              <a:spcPct val="90000"/>
+            </a:lnSpc>
+            <a:spcBef>
+              <a:spcPct val="0"/>
+            </a:spcBef>
+            <a:spcAft>
+              <a:spcPct val="35000"/>
+            </a:spcAft>
+            <a:buNone/>
+          </a:pPr>
+          <a:endParaRPr lang="zh-CN" altLang="en-US" sz="500" kern="1200"/>
+        </a:p>
+      </dsp:txBody>
+      <dsp:txXfrm>
+        <a:off x="5261671" y="1815556"/>
+        <a:ext cx="54471" cy="54471"/>
+      </dsp:txXfrm>
+    </dsp:sp>
+    <dsp:sp modelId="{8551EB75-C30E-4DBC-8285-2BD84E1D126A}">
+      <dsp:nvSpPr>
+        <dsp:cNvPr id="0" name=""/>
+        <dsp:cNvSpPr/>
+      </dsp:nvSpPr>
+      <dsp:spPr>
+        <a:xfrm>
+          <a:off x="5827884" y="1678644"/>
+          <a:ext cx="972094" cy="486047"/>
+        </a:xfrm>
+        <a:prstGeom prst="roundRect">
+          <a:avLst>
+            <a:gd name="adj" fmla="val 10000"/>
+          </a:avLst>
+        </a:prstGeom>
+        <a:solidFill>
+          <a:schemeClr val="accent1">
+            <a:hueOff val="0"/>
+            <a:satOff val="0"/>
+            <a:lumOff val="0"/>
+            <a:alphaOff val="0"/>
+          </a:schemeClr>
+        </a:solidFill>
+        <a:ln w="15875" cap="flat" cmpd="sng" algn="ctr">
+          <a:solidFill>
+            <a:schemeClr val="lt1">
+              <a:hueOff val="0"/>
+              <a:satOff val="0"/>
+              <a:lumOff val="0"/>
+              <a:alphaOff val="0"/>
+            </a:schemeClr>
+          </a:solidFill>
+          <a:prstDash val="solid"/>
+        </a:ln>
+        <a:effectLst/>
+      </dsp:spPr>
+      <dsp:style>
+        <a:lnRef idx="2">
+          <a:scrgbClr r="0" g="0" b="0"/>
+        </a:lnRef>
+        <a:fillRef idx="1">
+          <a:scrgbClr r="0" g="0" b="0"/>
+        </a:fillRef>
+        <a:effectRef idx="0">
+          <a:scrgbClr r="0" g="0" b="0"/>
+        </a:effectRef>
+        <a:fontRef idx="minor">
+          <a:schemeClr val="lt1"/>
+        </a:fontRef>
+      </dsp:style>
+      <dsp:txBody>
+        <a:bodyPr spcFirstLastPara="0" vert="horz" wrap="square" lIns="8890" tIns="8890" rIns="8890" bIns="8890" numCol="1" spcCol="1270" anchor="ctr" anchorCtr="0">
+          <a:noAutofit/>
+        </a:bodyPr>
+        <a:lstStyle/>
+        <a:p>
+          <a:pPr marL="0" lvl="0" indent="0" algn="ctr" defTabSz="622300">
+            <a:lnSpc>
+              <a:spcPct val="90000"/>
+            </a:lnSpc>
+            <a:spcBef>
+              <a:spcPct val="0"/>
+            </a:spcBef>
+            <a:spcAft>
+              <a:spcPct val="35000"/>
+            </a:spcAft>
+            <a:buNone/>
+          </a:pPr>
+          <a:r>
+            <a:rPr lang="zh-CN" altLang="en-US" sz="1400" kern="1200" dirty="0"/>
+            <a:t>猫眼影院</a:t>
+          </a:r>
+        </a:p>
+      </dsp:txBody>
+      <dsp:txXfrm>
+        <a:off x="5842120" y="1692880"/>
+        <a:ext cx="943622" cy="457575"/>
+      </dsp:txXfrm>
+    </dsp:sp>
+    <dsp:sp modelId="{C558A3E1-A112-4C56-B0E7-538DDA8F3659}">
+      <dsp:nvSpPr>
+        <dsp:cNvPr id="0" name=""/>
+        <dsp:cNvSpPr/>
+      </dsp:nvSpPr>
+      <dsp:spPr>
+        <a:xfrm rot="1988519">
+          <a:off x="1579982" y="2355578"/>
+          <a:ext cx="2363612" cy="22763"/>
+        </a:xfrm>
+        <a:custGeom>
+          <a:avLst/>
+          <a:gdLst/>
+          <a:ahLst/>
+          <a:cxnLst/>
+          <a:rect l="0" t="0" r="0" b="0"/>
+          <a:pathLst>
+            <a:path>
+              <a:moveTo>
+                <a:pt x="0" y="11381"/>
+              </a:moveTo>
+              <a:lnTo>
+                <a:pt x="2363612" y="11381"/>
+              </a:lnTo>
+            </a:path>
+          </a:pathLst>
+        </a:custGeom>
+        <a:noFill/>
+        <a:ln w="15875" cap="flat" cmpd="sng" algn="ctr">
+          <a:solidFill>
+            <a:schemeClr val="accent1">
+              <a:shade val="60000"/>
+              <a:hueOff val="0"/>
+              <a:satOff val="0"/>
+              <a:lumOff val="0"/>
+              <a:alphaOff val="0"/>
+            </a:schemeClr>
+          </a:solidFill>
+          <a:prstDash val="solid"/>
+        </a:ln>
+        <a:effectLst/>
+      </dsp:spPr>
+      <dsp:style>
+        <a:lnRef idx="2">
+          <a:scrgbClr r="0" g="0" b="0"/>
+        </a:lnRef>
+        <a:fillRef idx="0">
+          <a:scrgbClr r="0" g="0" b="0"/>
+        </a:fillRef>
+        <a:effectRef idx="0">
+          <a:scrgbClr r="0" g="0" b="0"/>
+        </a:effectRef>
+        <a:fontRef idx="minor"/>
+      </dsp:style>
+      <dsp:txBody>
+        <a:bodyPr spcFirstLastPara="0" vert="horz" wrap="square" lIns="12700" tIns="0" rIns="12700" bIns="0" numCol="1" spcCol="1270" anchor="ctr" anchorCtr="0">
+          <a:noAutofit/>
+        </a:bodyPr>
+        <a:lstStyle/>
+        <a:p>
+          <a:pPr marL="0" lvl="0" indent="0" algn="ctr" defTabSz="400050">
+            <a:lnSpc>
+              <a:spcPct val="90000"/>
+            </a:lnSpc>
+            <a:spcBef>
+              <a:spcPct val="0"/>
+            </a:spcBef>
+            <a:spcAft>
+              <a:spcPct val="35000"/>
+            </a:spcAft>
+            <a:buNone/>
+          </a:pPr>
+          <a:endParaRPr lang="zh-CN" altLang="en-US" sz="900" kern="1200"/>
+        </a:p>
+      </dsp:txBody>
+      <dsp:txXfrm>
+        <a:off x="2702697" y="2307870"/>
+        <a:ext cx="118180" cy="118180"/>
+      </dsp:txXfrm>
+    </dsp:sp>
+    <dsp:sp modelId="{A67E2AC4-8059-492C-9F95-AFBFB0D9272C}">
+      <dsp:nvSpPr>
+        <dsp:cNvPr id="0" name=""/>
+        <dsp:cNvSpPr/>
+      </dsp:nvSpPr>
+      <dsp:spPr>
+        <a:xfrm>
+          <a:off x="3751336" y="2770048"/>
+          <a:ext cx="972094" cy="486047"/>
+        </a:xfrm>
+        <a:prstGeom prst="roundRect">
+          <a:avLst>
+            <a:gd name="adj" fmla="val 10000"/>
+          </a:avLst>
+        </a:prstGeom>
+        <a:solidFill>
+          <a:schemeClr val="accent1">
+            <a:hueOff val="0"/>
+            <a:satOff val="0"/>
+            <a:lumOff val="0"/>
+            <a:alphaOff val="0"/>
+          </a:schemeClr>
+        </a:solidFill>
+        <a:ln w="15875" cap="flat" cmpd="sng" algn="ctr">
+          <a:solidFill>
+            <a:schemeClr val="lt1">
+              <a:hueOff val="0"/>
+              <a:satOff val="0"/>
+              <a:lumOff val="0"/>
+              <a:alphaOff val="0"/>
+            </a:schemeClr>
+          </a:solidFill>
+          <a:prstDash val="solid"/>
+        </a:ln>
+        <a:effectLst/>
+      </dsp:spPr>
+      <dsp:style>
+        <a:lnRef idx="2">
+          <a:scrgbClr r="0" g="0" b="0"/>
+        </a:lnRef>
+        <a:fillRef idx="1">
+          <a:scrgbClr r="0" g="0" b="0"/>
+        </a:fillRef>
+        <a:effectRef idx="0">
+          <a:scrgbClr r="0" g="0" b="0"/>
+        </a:effectRef>
+        <a:fontRef idx="minor">
+          <a:schemeClr val="lt1"/>
+        </a:fontRef>
+      </dsp:style>
+      <dsp:txBody>
+        <a:bodyPr spcFirstLastPara="0" vert="horz" wrap="square" lIns="8890" tIns="8890" rIns="8890" bIns="8890" numCol="1" spcCol="1270" anchor="ctr" anchorCtr="0">
+          <a:noAutofit/>
+        </a:bodyPr>
+        <a:lstStyle/>
+        <a:p>
+          <a:pPr marL="0" lvl="0" indent="0" algn="ctr" defTabSz="622300">
+            <a:lnSpc>
+              <a:spcPct val="90000"/>
+            </a:lnSpc>
+            <a:spcBef>
+              <a:spcPct val="0"/>
+            </a:spcBef>
+            <a:spcAft>
+              <a:spcPct val="35000"/>
+            </a:spcAft>
+            <a:buNone/>
+          </a:pPr>
+          <a:r>
+            <a:rPr lang="zh-CN" altLang="en-US" sz="1400" kern="1200" dirty="0"/>
+            <a:t>电影数据</a:t>
+          </a:r>
+        </a:p>
+      </dsp:txBody>
+      <dsp:txXfrm>
+        <a:off x="3765572" y="2784284"/>
+        <a:ext cx="943622" cy="457575"/>
+      </dsp:txXfrm>
+    </dsp:sp>
+    <dsp:sp modelId="{869C95AB-B4CC-421F-B611-63507D08381C}">
+      <dsp:nvSpPr>
+        <dsp:cNvPr id="0" name=""/>
+        <dsp:cNvSpPr/>
+      </dsp:nvSpPr>
+      <dsp:spPr>
+        <a:xfrm rot="20055696">
+          <a:off x="4662607" y="2735465"/>
+          <a:ext cx="1226100" cy="22763"/>
+        </a:xfrm>
+        <a:custGeom>
+          <a:avLst/>
+          <a:gdLst/>
+          <a:ahLst/>
+          <a:cxnLst/>
+          <a:rect l="0" t="0" r="0" b="0"/>
+          <a:pathLst>
+            <a:path>
+              <a:moveTo>
+                <a:pt x="0" y="11381"/>
+              </a:moveTo>
+              <a:lnTo>
+                <a:pt x="1226100" y="11381"/>
+              </a:lnTo>
+            </a:path>
+          </a:pathLst>
+        </a:custGeom>
+        <a:noFill/>
+        <a:ln w="15875" cap="flat" cmpd="sng" algn="ctr">
+          <a:solidFill>
+            <a:schemeClr val="accent1">
+              <a:shade val="80000"/>
+              <a:hueOff val="0"/>
+              <a:satOff val="0"/>
+              <a:lumOff val="0"/>
+              <a:alphaOff val="0"/>
+            </a:schemeClr>
+          </a:solidFill>
+          <a:prstDash val="solid"/>
+        </a:ln>
+        <a:effectLst/>
+      </dsp:spPr>
+      <dsp:style>
+        <a:lnRef idx="2">
+          <a:scrgbClr r="0" g="0" b="0"/>
+        </a:lnRef>
+        <a:fillRef idx="0">
+          <a:scrgbClr r="0" g="0" b="0"/>
+        </a:fillRef>
+        <a:effectRef idx="0">
+          <a:scrgbClr r="0" g="0" b="0"/>
+        </a:effectRef>
+        <a:fontRef idx="minor"/>
+      </dsp:style>
+      <dsp:txBody>
+        <a:bodyPr spcFirstLastPara="0" vert="horz" wrap="square" lIns="12700" tIns="0" rIns="12700" bIns="0" numCol="1" spcCol="1270" anchor="ctr" anchorCtr="0">
+          <a:noAutofit/>
+        </a:bodyPr>
+        <a:lstStyle/>
+        <a:p>
+          <a:pPr marL="0" lvl="0" indent="0" algn="ctr" defTabSz="222250">
+            <a:lnSpc>
+              <a:spcPct val="90000"/>
+            </a:lnSpc>
+            <a:spcBef>
+              <a:spcPct val="0"/>
+            </a:spcBef>
+            <a:spcAft>
+              <a:spcPct val="35000"/>
+            </a:spcAft>
+            <a:buNone/>
+          </a:pPr>
+          <a:endParaRPr lang="zh-CN" altLang="en-US" sz="500" kern="1200"/>
+        </a:p>
+      </dsp:txBody>
+      <dsp:txXfrm>
+        <a:off x="5245004" y="2716195"/>
+        <a:ext cx="61305" cy="61305"/>
+      </dsp:txXfrm>
+    </dsp:sp>
+    <dsp:sp modelId="{EEC84820-7C67-42BA-94A0-D70DF0BF8D3B}">
+      <dsp:nvSpPr>
+        <dsp:cNvPr id="0" name=""/>
+        <dsp:cNvSpPr/>
+      </dsp:nvSpPr>
+      <dsp:spPr>
+        <a:xfrm>
+          <a:off x="5827884" y="2237599"/>
+          <a:ext cx="972094" cy="486047"/>
+        </a:xfrm>
+        <a:prstGeom prst="roundRect">
+          <a:avLst>
+            <a:gd name="adj" fmla="val 10000"/>
+          </a:avLst>
+        </a:prstGeom>
+        <a:solidFill>
+          <a:schemeClr val="accent1">
+            <a:hueOff val="0"/>
+            <a:satOff val="0"/>
+            <a:lumOff val="0"/>
+            <a:alphaOff val="0"/>
+          </a:schemeClr>
+        </a:solidFill>
+        <a:ln w="15875" cap="flat" cmpd="sng" algn="ctr">
+          <a:solidFill>
+            <a:schemeClr val="lt1">
+              <a:hueOff val="0"/>
+              <a:satOff val="0"/>
+              <a:lumOff val="0"/>
+              <a:alphaOff val="0"/>
+            </a:schemeClr>
+          </a:solidFill>
+          <a:prstDash val="solid"/>
+        </a:ln>
+        <a:effectLst/>
+      </dsp:spPr>
+      <dsp:style>
+        <a:lnRef idx="2">
+          <a:scrgbClr r="0" g="0" b="0"/>
+        </a:lnRef>
+        <a:fillRef idx="1">
+          <a:scrgbClr r="0" g="0" b="0"/>
+        </a:fillRef>
+        <a:effectRef idx="0">
+          <a:scrgbClr r="0" g="0" b="0"/>
+        </a:effectRef>
+        <a:fontRef idx="minor">
+          <a:schemeClr val="lt1"/>
+        </a:fontRef>
+      </dsp:style>
+      <dsp:txBody>
+        <a:bodyPr spcFirstLastPara="0" vert="horz" wrap="square" lIns="8890" tIns="8890" rIns="8890" bIns="8890" numCol="1" spcCol="1270" anchor="ctr" anchorCtr="0">
+          <a:noAutofit/>
+        </a:bodyPr>
+        <a:lstStyle/>
+        <a:p>
+          <a:pPr marL="0" lvl="0" indent="0" algn="ctr" defTabSz="622300">
+            <a:lnSpc>
+              <a:spcPct val="90000"/>
+            </a:lnSpc>
+            <a:spcBef>
+              <a:spcPct val="0"/>
+            </a:spcBef>
+            <a:spcAft>
+              <a:spcPct val="35000"/>
+            </a:spcAft>
+            <a:buNone/>
+          </a:pPr>
+          <a:r>
+            <a:rPr lang="zh-CN" altLang="en-US" sz="1400" kern="1200" dirty="0"/>
+            <a:t>时段</a:t>
+          </a:r>
+        </a:p>
+      </dsp:txBody>
+      <dsp:txXfrm>
+        <a:off x="5842120" y="2251835"/>
+        <a:ext cx="943622" cy="457575"/>
+      </dsp:txXfrm>
+    </dsp:sp>
+    <dsp:sp modelId="{0D3ECCD4-D952-4AEA-9ADD-216C746FD3B5}">
+      <dsp:nvSpPr>
+        <dsp:cNvPr id="0" name=""/>
+        <dsp:cNvSpPr/>
+      </dsp:nvSpPr>
+      <dsp:spPr>
+        <a:xfrm rot="82481">
+          <a:off x="4723271" y="3014942"/>
+          <a:ext cx="1104772" cy="22763"/>
+        </a:xfrm>
+        <a:custGeom>
+          <a:avLst/>
+          <a:gdLst/>
+          <a:ahLst/>
+          <a:cxnLst/>
+          <a:rect l="0" t="0" r="0" b="0"/>
+          <a:pathLst>
+            <a:path>
+              <a:moveTo>
+                <a:pt x="0" y="11381"/>
+              </a:moveTo>
+              <a:lnTo>
+                <a:pt x="1104772" y="11381"/>
+              </a:lnTo>
+            </a:path>
+          </a:pathLst>
+        </a:custGeom>
+        <a:noFill/>
+        <a:ln w="15875" cap="flat" cmpd="sng" algn="ctr">
+          <a:solidFill>
+            <a:schemeClr val="accent1">
+              <a:shade val="80000"/>
+              <a:hueOff val="0"/>
+              <a:satOff val="0"/>
+              <a:lumOff val="0"/>
+              <a:alphaOff val="0"/>
+            </a:schemeClr>
+          </a:solidFill>
+          <a:prstDash val="solid"/>
+        </a:ln>
+        <a:effectLst/>
+      </dsp:spPr>
+      <dsp:style>
+        <a:lnRef idx="2">
+          <a:scrgbClr r="0" g="0" b="0"/>
+        </a:lnRef>
+        <a:fillRef idx="0">
+          <a:scrgbClr r="0" g="0" b="0"/>
+        </a:fillRef>
+        <a:effectRef idx="0">
+          <a:scrgbClr r="0" g="0" b="0"/>
+        </a:effectRef>
+        <a:fontRef idx="minor"/>
+      </dsp:style>
+      <dsp:txBody>
+        <a:bodyPr spcFirstLastPara="0" vert="horz" wrap="square" lIns="12700" tIns="0" rIns="12700" bIns="0" numCol="1" spcCol="1270" anchor="ctr" anchorCtr="0">
+          <a:noAutofit/>
+        </a:bodyPr>
+        <a:lstStyle/>
+        <a:p>
+          <a:pPr marL="0" lvl="0" indent="0" algn="ctr" defTabSz="222250">
+            <a:lnSpc>
+              <a:spcPct val="90000"/>
+            </a:lnSpc>
+            <a:spcBef>
+              <a:spcPct val="0"/>
+            </a:spcBef>
+            <a:spcAft>
+              <a:spcPct val="35000"/>
+            </a:spcAft>
+            <a:buNone/>
+          </a:pPr>
+          <a:endParaRPr lang="zh-CN" altLang="en-US" sz="500" kern="1200"/>
+        </a:p>
+      </dsp:txBody>
+      <dsp:txXfrm>
+        <a:off x="5248038" y="2998705"/>
+        <a:ext cx="55238" cy="55238"/>
+      </dsp:txXfrm>
+    </dsp:sp>
+    <dsp:sp modelId="{688EAD0F-0A75-45D0-93D0-7DC1B1C5BD8C}">
+      <dsp:nvSpPr>
+        <dsp:cNvPr id="0" name=""/>
+        <dsp:cNvSpPr/>
+      </dsp:nvSpPr>
+      <dsp:spPr>
+        <a:xfrm>
+          <a:off x="5827884" y="2796553"/>
+          <a:ext cx="972094" cy="486047"/>
+        </a:xfrm>
+        <a:prstGeom prst="roundRect">
+          <a:avLst>
+            <a:gd name="adj" fmla="val 10000"/>
+          </a:avLst>
+        </a:prstGeom>
+        <a:solidFill>
+          <a:schemeClr val="accent1">
+            <a:hueOff val="0"/>
+            <a:satOff val="0"/>
+            <a:lumOff val="0"/>
+            <a:alphaOff val="0"/>
+          </a:schemeClr>
+        </a:solidFill>
+        <a:ln w="15875" cap="flat" cmpd="sng" algn="ctr">
+          <a:solidFill>
+            <a:schemeClr val="lt1">
+              <a:hueOff val="0"/>
+              <a:satOff val="0"/>
+              <a:lumOff val="0"/>
+              <a:alphaOff val="0"/>
+            </a:schemeClr>
+          </a:solidFill>
+          <a:prstDash val="solid"/>
+        </a:ln>
+        <a:effectLst/>
+      </dsp:spPr>
+      <dsp:style>
+        <a:lnRef idx="2">
+          <a:scrgbClr r="0" g="0" b="0"/>
+        </a:lnRef>
+        <a:fillRef idx="1">
+          <a:scrgbClr r="0" g="0" b="0"/>
+        </a:fillRef>
+        <a:effectRef idx="0">
+          <a:scrgbClr r="0" g="0" b="0"/>
+        </a:effectRef>
+        <a:fontRef idx="minor">
+          <a:schemeClr val="lt1"/>
+        </a:fontRef>
+      </dsp:style>
+      <dsp:txBody>
+        <a:bodyPr spcFirstLastPara="0" vert="horz" wrap="square" lIns="8890" tIns="8890" rIns="8890" bIns="8890" numCol="1" spcCol="1270" anchor="ctr" anchorCtr="0">
+          <a:noAutofit/>
+        </a:bodyPr>
+        <a:lstStyle/>
+        <a:p>
+          <a:pPr marL="0" lvl="0" indent="0" algn="ctr" defTabSz="622300">
+            <a:lnSpc>
+              <a:spcPct val="90000"/>
+            </a:lnSpc>
+            <a:spcBef>
+              <a:spcPct val="0"/>
+            </a:spcBef>
+            <a:spcAft>
+              <a:spcPct val="35000"/>
+            </a:spcAft>
+            <a:buNone/>
+          </a:pPr>
+          <a:r>
+            <a:rPr lang="zh-CN" altLang="en-US" sz="1400" kern="1200" dirty="0"/>
+            <a:t>票价</a:t>
+          </a:r>
+        </a:p>
+      </dsp:txBody>
+      <dsp:txXfrm>
+        <a:off x="5842120" y="2810789"/>
+        <a:ext cx="943622" cy="457575"/>
+      </dsp:txXfrm>
+    </dsp:sp>
+    <dsp:sp modelId="{4DD7C0EF-EEE2-43CB-A41A-131B0C3EF2AE}">
+      <dsp:nvSpPr>
+        <dsp:cNvPr id="0" name=""/>
+        <dsp:cNvSpPr/>
+      </dsp:nvSpPr>
+      <dsp:spPr>
+        <a:xfrm rot="1675652">
+          <a:off x="4650641" y="3294419"/>
+          <a:ext cx="1250032" cy="22763"/>
+        </a:xfrm>
+        <a:custGeom>
+          <a:avLst/>
+          <a:gdLst/>
+          <a:ahLst/>
+          <a:cxnLst/>
+          <a:rect l="0" t="0" r="0" b="0"/>
+          <a:pathLst>
+            <a:path>
+              <a:moveTo>
+                <a:pt x="0" y="11381"/>
+              </a:moveTo>
+              <a:lnTo>
+                <a:pt x="1250032" y="11381"/>
+              </a:lnTo>
+            </a:path>
+          </a:pathLst>
+        </a:custGeom>
+        <a:noFill/>
+        <a:ln w="15875" cap="flat" cmpd="sng" algn="ctr">
+          <a:solidFill>
+            <a:schemeClr val="accent1">
+              <a:shade val="80000"/>
+              <a:hueOff val="0"/>
+              <a:satOff val="0"/>
+              <a:lumOff val="0"/>
+              <a:alphaOff val="0"/>
+            </a:schemeClr>
+          </a:solidFill>
+          <a:prstDash val="solid"/>
+        </a:ln>
+        <a:effectLst/>
+      </dsp:spPr>
+      <dsp:style>
+        <a:lnRef idx="2">
+          <a:scrgbClr r="0" g="0" b="0"/>
+        </a:lnRef>
+        <a:fillRef idx="0">
+          <a:scrgbClr r="0" g="0" b="0"/>
+        </a:fillRef>
+        <a:effectRef idx="0">
+          <a:scrgbClr r="0" g="0" b="0"/>
+        </a:effectRef>
+        <a:fontRef idx="minor"/>
+      </dsp:style>
+      <dsp:txBody>
+        <a:bodyPr spcFirstLastPara="0" vert="horz" wrap="square" lIns="12700" tIns="0" rIns="12700" bIns="0" numCol="1" spcCol="1270" anchor="ctr" anchorCtr="0">
+          <a:noAutofit/>
+        </a:bodyPr>
+        <a:lstStyle/>
+        <a:p>
+          <a:pPr marL="0" lvl="0" indent="0" algn="ctr" defTabSz="222250">
+            <a:lnSpc>
+              <a:spcPct val="90000"/>
+            </a:lnSpc>
+            <a:spcBef>
+              <a:spcPct val="0"/>
+            </a:spcBef>
+            <a:spcAft>
+              <a:spcPct val="35000"/>
+            </a:spcAft>
+            <a:buNone/>
+          </a:pPr>
+          <a:endParaRPr lang="zh-CN" altLang="en-US" sz="500" kern="1200"/>
+        </a:p>
+      </dsp:txBody>
+      <dsp:txXfrm>
+        <a:off x="5244406" y="3274550"/>
+        <a:ext cx="62501" cy="62501"/>
+      </dsp:txXfrm>
+    </dsp:sp>
+    <dsp:sp modelId="{DD49C6D0-78FF-4D0A-975E-28506099885C}">
+      <dsp:nvSpPr>
+        <dsp:cNvPr id="0" name=""/>
+        <dsp:cNvSpPr/>
+      </dsp:nvSpPr>
+      <dsp:spPr>
+        <a:xfrm>
+          <a:off x="5827884" y="3355507"/>
+          <a:ext cx="972094" cy="486047"/>
+        </a:xfrm>
+        <a:prstGeom prst="roundRect">
+          <a:avLst>
+            <a:gd name="adj" fmla="val 10000"/>
+          </a:avLst>
+        </a:prstGeom>
+        <a:solidFill>
+          <a:schemeClr val="accent1">
+            <a:hueOff val="0"/>
+            <a:satOff val="0"/>
+            <a:lumOff val="0"/>
+            <a:alphaOff val="0"/>
+          </a:schemeClr>
+        </a:solidFill>
+        <a:ln w="15875" cap="flat" cmpd="sng" algn="ctr">
+          <a:solidFill>
+            <a:schemeClr val="lt1">
+              <a:hueOff val="0"/>
+              <a:satOff val="0"/>
+              <a:lumOff val="0"/>
+              <a:alphaOff val="0"/>
+            </a:schemeClr>
+          </a:solidFill>
+          <a:prstDash val="solid"/>
+        </a:ln>
+        <a:effectLst/>
+      </dsp:spPr>
+      <dsp:style>
+        <a:lnRef idx="2">
+          <a:scrgbClr r="0" g="0" b="0"/>
+        </a:lnRef>
+        <a:fillRef idx="1">
+          <a:scrgbClr r="0" g="0" b="0"/>
+        </a:fillRef>
+        <a:effectRef idx="0">
+          <a:scrgbClr r="0" g="0" b="0"/>
+        </a:effectRef>
+        <a:fontRef idx="minor">
+          <a:schemeClr val="lt1"/>
+        </a:fontRef>
+      </dsp:style>
+      <dsp:txBody>
+        <a:bodyPr spcFirstLastPara="0" vert="horz" wrap="square" lIns="8890" tIns="8890" rIns="8890" bIns="8890" numCol="1" spcCol="1270" anchor="ctr" anchorCtr="0">
+          <a:noAutofit/>
+        </a:bodyPr>
+        <a:lstStyle/>
+        <a:p>
+          <a:pPr marL="0" lvl="0" indent="0" algn="ctr" defTabSz="622300">
+            <a:lnSpc>
+              <a:spcPct val="90000"/>
+            </a:lnSpc>
+            <a:spcBef>
+              <a:spcPct val="0"/>
+            </a:spcBef>
+            <a:spcAft>
+              <a:spcPct val="35000"/>
+            </a:spcAft>
+            <a:buNone/>
+          </a:pPr>
+          <a:r>
+            <a:rPr lang="zh-CN" altLang="en-US" sz="1400" kern="1200" dirty="0"/>
+            <a:t>优惠</a:t>
+          </a:r>
+        </a:p>
+      </dsp:txBody>
+      <dsp:txXfrm>
+        <a:off x="5842120" y="3369743"/>
+        <a:ext cx="943622" cy="457575"/>
+      </dsp:txXfrm>
+    </dsp:sp>
+  </dsp:spTree>
+</dsp:drawing>
+</file>
+
 <file path=ppt/diagrams/layout1.xml><?xml version="1.0" encoding="utf-8"?>
 <dgm:layoutDef xmlns:dgm="http://schemas.openxmlformats.org/drawingml/2006/diagram" xmlns:a="http://schemas.openxmlformats.org/drawingml/2006/main" uniqueId="urn:microsoft.com/office/officeart/2005/8/layout/hProcess4">
   <dgm:title val=""/>
@@ -8882,6 +12101,326 @@
 </dgm:layoutDef>
 </file>
 
+<file path=ppt/diagrams/layout4.xml><?xml version="1.0" encoding="utf-8"?>
+<dgm:layoutDef xmlns:dgm="http://schemas.openxmlformats.org/drawingml/2006/diagram" xmlns:a="http://schemas.openxmlformats.org/drawingml/2006/main" uniqueId="urn:microsoft.com/office/officeart/2005/8/layout/hierarchy2">
+  <dgm:title val=""/>
+  <dgm:desc val=""/>
+  <dgm:catLst>
+    <dgm:cat type="hierarchy" pri="5000"/>
+  </dgm:catLst>
+  <dgm:sampData>
+    <dgm:dataModel>
+      <dgm:ptLst>
+        <dgm:pt modelId="0" type="doc"/>
+        <dgm:pt modelId="1">
+          <dgm:prSet phldr="1"/>
+        </dgm:pt>
+        <dgm:pt modelId="2">
+          <dgm:prSet phldr="1"/>
+        </dgm:pt>
+        <dgm:pt modelId="21">
+          <dgm:prSet phldr="1"/>
+        </dgm:pt>
+        <dgm:pt modelId="22">
+          <dgm:prSet phldr="1"/>
+        </dgm:pt>
+        <dgm:pt modelId="3">
+          <dgm:prSet phldr="1"/>
+        </dgm:pt>
+        <dgm:pt modelId="31">
+          <dgm:prSet phldr="1"/>
+        </dgm:pt>
+      </dgm:ptLst>
+      <dgm:cxnLst>
+        <dgm:cxn modelId="4" srcId="0" destId="1" srcOrd="0" destOrd="0"/>
+        <dgm:cxn modelId="5" srcId="1" destId="2" srcOrd="0" destOrd="0"/>
+        <dgm:cxn modelId="6" srcId="1" destId="3" srcOrd="1" destOrd="0"/>
+        <dgm:cxn modelId="23" srcId="2" destId="21" srcOrd="0" destOrd="0"/>
+        <dgm:cxn modelId="24" srcId="2" destId="22" srcOrd="1" destOrd="0"/>
+        <dgm:cxn modelId="33" srcId="3" destId="31" srcOrd="0" destOrd="0"/>
+      </dgm:cxnLst>
+      <dgm:bg/>
+      <dgm:whole/>
+    </dgm:dataModel>
+  </dgm:sampData>
+  <dgm:styleData>
+    <dgm:dataModel>
+      <dgm:ptLst>
+        <dgm:pt modelId="0" type="doc"/>
+        <dgm:pt modelId="1"/>
+        <dgm:pt modelId="11"/>
+        <dgm:pt modelId="12"/>
+      </dgm:ptLst>
+      <dgm:cxnLst>
+        <dgm:cxn modelId="2" srcId="0" destId="1" srcOrd="0" destOrd="0"/>
+        <dgm:cxn modelId="13" srcId="1" destId="11" srcOrd="0" destOrd="0"/>
+        <dgm:cxn modelId="14" srcId="1" destId="12" srcOrd="1" destOrd="0"/>
+      </dgm:cxnLst>
+      <dgm:bg/>
+      <dgm:whole/>
+    </dgm:dataModel>
+  </dgm:styleData>
+  <dgm:clrData>
+    <dgm:dataModel>
+      <dgm:ptLst>
+        <dgm:pt modelId="0" type="doc"/>
+        <dgm:pt modelId="1"/>
+        <dgm:pt modelId="2"/>
+        <dgm:pt modelId="21"/>
+        <dgm:pt modelId="211"/>
+        <dgm:pt modelId="3"/>
+        <dgm:pt modelId="31"/>
+        <dgm:pt modelId="311"/>
+      </dgm:ptLst>
+      <dgm:cxnLst>
+        <dgm:cxn modelId="4" srcId="0" destId="1" srcOrd="0" destOrd="0"/>
+        <dgm:cxn modelId="5" srcId="1" destId="2" srcOrd="0" destOrd="0"/>
+        <dgm:cxn modelId="6" srcId="1" destId="3" srcOrd="1" destOrd="0"/>
+        <dgm:cxn modelId="23" srcId="2" destId="21" srcOrd="0" destOrd="0"/>
+        <dgm:cxn modelId="24" srcId="21" destId="211" srcOrd="0" destOrd="0"/>
+        <dgm:cxn modelId="33" srcId="3" destId="31" srcOrd="0" destOrd="0"/>
+        <dgm:cxn modelId="34" srcId="31" destId="311" srcOrd="0" destOrd="0"/>
+      </dgm:cxnLst>
+      <dgm:bg/>
+      <dgm:whole/>
+    </dgm:dataModel>
+  </dgm:clrData>
+  <dgm:layoutNode name="diagram">
+    <dgm:varLst>
+      <dgm:chPref val="1"/>
+      <dgm:dir/>
+      <dgm:animOne val="branch"/>
+      <dgm:animLvl val="lvl"/>
+      <dgm:resizeHandles val="exact"/>
+    </dgm:varLst>
+    <dgm:choose name="Name0">
+      <dgm:if name="Name1" func="var" arg="dir" op="equ" val="norm">
+        <dgm:alg type="hierChild">
+          <dgm:param type="linDir" val="fromT"/>
+          <dgm:param type="chAlign" val="l"/>
+        </dgm:alg>
+      </dgm:if>
+      <dgm:else name="Name2">
+        <dgm:alg type="hierChild">
+          <dgm:param type="linDir" val="fromT"/>
+          <dgm:param type="chAlign" val="r"/>
+        </dgm:alg>
+      </dgm:else>
+    </dgm:choose>
+    <dgm:shape xmlns:r="http://schemas.openxmlformats.org/officeDocument/2006/relationships" r:blip="">
+      <dgm:adjLst/>
+    </dgm:shape>
+    <dgm:presOf/>
+    <dgm:constrLst>
+      <dgm:constr type="h" for="des" ptType="node" refType="h"/>
+      <dgm:constr type="w" for="des" ptType="node" refType="h" refFor="des" refPtType="node" fact="2"/>
+      <dgm:constr type="sibSp" refType="h" refFor="des" refPtType="node" op="equ" fact="0.15"/>
+      <dgm:constr type="sibSp" for="des" forName="level2hierChild" refType="h" refFor="des" refPtType="node" op="equ" fact="0.15"/>
+      <dgm:constr type="sibSp" for="des" forName="level3hierChild" refType="h" refFor="des" refPtType="node" op="equ" fact="0.15"/>
+      <dgm:constr type="sp" for="des" forName="root1" refType="w" refFor="des" refPtType="node" fact="0.4"/>
+      <dgm:constr type="sp" for="des" forName="root2" refType="sp" refFor="des" refForName="root1" op="equ"/>
+      <dgm:constr type="primFontSz" for="des" ptType="node" op="equ" val="65"/>
+      <dgm:constr type="primFontSz" for="des" forName="connTx" op="equ" val="55"/>
+      <dgm:constr type="primFontSz" for="des" forName="connTx" refType="primFontSz" refFor="des" refPtType="node" op="lte" fact="0.8"/>
+    </dgm:constrLst>
+    <dgm:ruleLst/>
+    <dgm:forEach name="Name3" axis="ch">
+      <dgm:forEach name="Name4" axis="self" ptType="node">
+        <dgm:layoutNode name="root1">
+          <dgm:choose name="Name5">
+            <dgm:if name="Name6" func="var" arg="dir" op="equ" val="norm">
+              <dgm:alg type="hierRoot">
+                <dgm:param type="hierAlign" val="lCtrCh"/>
+              </dgm:alg>
+            </dgm:if>
+            <dgm:else name="Name7">
+              <dgm:alg type="hierRoot">
+                <dgm:param type="hierAlign" val="rCtrCh"/>
+              </dgm:alg>
+            </dgm:else>
+          </dgm:choose>
+          <dgm:shape xmlns:r="http://schemas.openxmlformats.org/officeDocument/2006/relationships" r:blip="">
+            <dgm:adjLst/>
+          </dgm:shape>
+          <dgm:presOf/>
+          <dgm:constrLst/>
+          <dgm:ruleLst/>
+          <dgm:layoutNode name="LevelOneTextNode" styleLbl="node0">
+            <dgm:varLst>
+              <dgm:chPref val="3"/>
+            </dgm:varLst>
+            <dgm:alg type="tx"/>
+            <dgm:shape xmlns:r="http://schemas.openxmlformats.org/officeDocument/2006/relationships" type="roundRect" r:blip="">
+              <dgm:adjLst>
+                <dgm:adj idx="1" val="0.1"/>
+              </dgm:adjLst>
+            </dgm:shape>
+            <dgm:presOf axis="self"/>
+            <dgm:constrLst>
+              <dgm:constr type="tMarg" refType="primFontSz" fact="0.05"/>
+              <dgm:constr type="bMarg" refType="primFontSz" fact="0.05"/>
+              <dgm:constr type="lMarg" refType="primFontSz" fact="0.05"/>
+              <dgm:constr type="rMarg" refType="primFontSz" fact="0.05"/>
+            </dgm:constrLst>
+            <dgm:ruleLst>
+              <dgm:rule type="primFontSz" val="5" fact="NaN" max="NaN"/>
+            </dgm:ruleLst>
+          </dgm:layoutNode>
+          <dgm:layoutNode name="level2hierChild">
+            <dgm:choose name="Name8">
+              <dgm:if name="Name9" func="var" arg="dir" op="equ" val="norm">
+                <dgm:alg type="hierChild">
+                  <dgm:param type="linDir" val="fromT"/>
+                  <dgm:param type="chAlign" val="l"/>
+                </dgm:alg>
+              </dgm:if>
+              <dgm:else name="Name10">
+                <dgm:alg type="hierChild">
+                  <dgm:param type="linDir" val="fromT"/>
+                  <dgm:param type="chAlign" val="r"/>
+                </dgm:alg>
+              </dgm:else>
+            </dgm:choose>
+            <dgm:shape xmlns:r="http://schemas.openxmlformats.org/officeDocument/2006/relationships" r:blip="">
+              <dgm:adjLst/>
+            </dgm:shape>
+            <dgm:presOf/>
+            <dgm:constrLst/>
+            <dgm:ruleLst/>
+            <dgm:forEach name="repeat" axis="ch">
+              <dgm:forEach name="Name11" axis="self" ptType="parTrans" cnt="1">
+                <dgm:layoutNode name="conn2-1">
+                  <dgm:choose name="Name12">
+                    <dgm:if name="Name13" func="var" arg="dir" op="equ" val="norm">
+                      <dgm:alg type="conn">
+                        <dgm:param type="dim" val="1D"/>
+                        <dgm:param type="begPts" val="midR"/>
+                        <dgm:param type="endPts" val="midL"/>
+                        <dgm:param type="endSty" val="noArr"/>
+                      </dgm:alg>
+                    </dgm:if>
+                    <dgm:else name="Name14">
+                      <dgm:alg type="conn">
+                        <dgm:param type="dim" val="1D"/>
+                        <dgm:param type="begPts" val="midL"/>
+                        <dgm:param type="endPts" val="midR"/>
+                        <dgm:param type="endSty" val="noArr"/>
+                      </dgm:alg>
+                    </dgm:else>
+                  </dgm:choose>
+                  <dgm:shape xmlns:r="http://schemas.openxmlformats.org/officeDocument/2006/relationships" type="conn" r:blip="">
+                    <dgm:adjLst/>
+                  </dgm:shape>
+                  <dgm:presOf axis="self"/>
+                  <dgm:constrLst>
+                    <dgm:constr type="w" val="1"/>
+                    <dgm:constr type="h" val="5"/>
+                    <dgm:constr type="connDist"/>
+                    <dgm:constr type="begPad"/>
+                    <dgm:constr type="endPad"/>
+                    <dgm:constr type="userA" for="ch" refType="connDist"/>
+                  </dgm:constrLst>
+                  <dgm:ruleLst/>
+                  <dgm:layoutNode name="connTx">
+                    <dgm:alg type="tx">
+                      <dgm:param type="autoTxRot" val="grav"/>
+                    </dgm:alg>
+                    <dgm:shape xmlns:r="http://schemas.openxmlformats.org/officeDocument/2006/relationships" type="rect" r:blip="" hideGeom="1">
+                      <dgm:adjLst/>
+                    </dgm:shape>
+                    <dgm:presOf axis="self"/>
+                    <dgm:constrLst>
+                      <dgm:constr type="userA"/>
+                      <dgm:constr type="w" refType="userA" fact="0.05"/>
+                      <dgm:constr type="h" refType="userA" fact="0.05"/>
+                      <dgm:constr type="lMarg" val="1"/>
+                      <dgm:constr type="rMarg" val="1"/>
+                      <dgm:constr type="tMarg"/>
+                      <dgm:constr type="bMarg"/>
+                    </dgm:constrLst>
+                    <dgm:ruleLst>
+                      <dgm:rule type="h" val="NaN" fact="0.25" max="NaN"/>
+                      <dgm:rule type="w" val="NaN" fact="0.8" max="NaN"/>
+                      <dgm:rule type="primFontSz" val="5" fact="NaN" max="NaN"/>
+                    </dgm:ruleLst>
+                  </dgm:layoutNode>
+                </dgm:layoutNode>
+              </dgm:forEach>
+              <dgm:forEach name="Name15" axis="self" ptType="node">
+                <dgm:layoutNode name="root2">
+                  <dgm:choose name="Name16">
+                    <dgm:if name="Name17" func="var" arg="dir" op="equ" val="norm">
+                      <dgm:alg type="hierRoot">
+                        <dgm:param type="hierAlign" val="lCtrCh"/>
+                      </dgm:alg>
+                    </dgm:if>
+                    <dgm:else name="Name18">
+                      <dgm:alg type="hierRoot">
+                        <dgm:param type="hierAlign" val="rCtrCh"/>
+                      </dgm:alg>
+                    </dgm:else>
+                  </dgm:choose>
+                  <dgm:shape xmlns:r="http://schemas.openxmlformats.org/officeDocument/2006/relationships" r:blip="">
+                    <dgm:adjLst/>
+                  </dgm:shape>
+                  <dgm:presOf/>
+                  <dgm:constrLst/>
+                  <dgm:ruleLst/>
+                  <dgm:layoutNode name="LevelTwoTextNode">
+                    <dgm:varLst>
+                      <dgm:chPref val="3"/>
+                    </dgm:varLst>
+                    <dgm:alg type="tx"/>
+                    <dgm:shape xmlns:r="http://schemas.openxmlformats.org/officeDocument/2006/relationships" type="roundRect" r:blip="">
+                      <dgm:adjLst>
+                        <dgm:adj idx="1" val="0.1"/>
+                      </dgm:adjLst>
+                    </dgm:shape>
+                    <dgm:presOf axis="self"/>
+                    <dgm:constrLst>
+                      <dgm:constr type="tMarg" refType="primFontSz" fact="0.05"/>
+                      <dgm:constr type="bMarg" refType="primFontSz" fact="0.05"/>
+                      <dgm:constr type="lMarg" refType="primFontSz" fact="0.05"/>
+                      <dgm:constr type="rMarg" refType="primFontSz" fact="0.05"/>
+                    </dgm:constrLst>
+                    <dgm:ruleLst>
+                      <dgm:rule type="primFontSz" val="5" fact="NaN" max="NaN"/>
+                    </dgm:ruleLst>
+                  </dgm:layoutNode>
+                  <dgm:layoutNode name="level3hierChild">
+                    <dgm:choose name="Name19">
+                      <dgm:if name="Name20" func="var" arg="dir" op="equ" val="norm">
+                        <dgm:alg type="hierChild">
+                          <dgm:param type="linDir" val="fromT"/>
+                          <dgm:param type="chAlign" val="l"/>
+                        </dgm:alg>
+                      </dgm:if>
+                      <dgm:else name="Name21">
+                        <dgm:alg type="hierChild">
+                          <dgm:param type="linDir" val="fromT"/>
+                          <dgm:param type="chAlign" val="r"/>
+                        </dgm:alg>
+                      </dgm:else>
+                    </dgm:choose>
+                    <dgm:shape xmlns:r="http://schemas.openxmlformats.org/officeDocument/2006/relationships" r:blip="">
+                      <dgm:adjLst/>
+                    </dgm:shape>
+                    <dgm:presOf/>
+                    <dgm:constrLst/>
+                    <dgm:ruleLst/>
+                    <dgm:forEach name="Name22" ref="repeat"/>
+                  </dgm:layoutNode>
+                </dgm:layoutNode>
+              </dgm:forEach>
+            </dgm:forEach>
+          </dgm:layoutNode>
+        </dgm:layoutNode>
+      </dgm:forEach>
+    </dgm:forEach>
+  </dgm:layoutNode>
+</dgm:layoutDef>
+</file>
+
 <file path=ppt/diagrams/quickStyle1.xml><?xml version="1.0" encoding="utf-8"?>
 <dgm:styleDef xmlns:dgm="http://schemas.openxmlformats.org/drawingml/2006/diagram" xmlns:a="http://schemas.openxmlformats.org/drawingml/2006/main" uniqueId="urn:microsoft.com/office/officeart/2005/8/quickstyle/simple1">
   <dgm:title val=""/>
@@ -10951,6 +14490,1040 @@
 </file>
 
 <file path=ppt/diagrams/quickStyle3.xml><?xml version="1.0" encoding="utf-8"?>
+<dgm:styleDef xmlns:dgm="http://schemas.openxmlformats.org/drawingml/2006/diagram" xmlns:a="http://schemas.openxmlformats.org/drawingml/2006/main" uniqueId="urn:microsoft.com/office/officeart/2005/8/quickstyle/simple1">
+  <dgm:title val=""/>
+  <dgm:desc val=""/>
+  <dgm:catLst>
+    <dgm:cat type="simple" pri="10100"/>
+  </dgm:catLst>
+  <dgm:scene3d>
+    <a:camera prst="orthographicFront"/>
+    <a:lightRig rig="threePt" dir="t"/>
+  </dgm:scene3d>
+  <dgm:styleLbl name="node0">
+    <dgm:scene3d>
+      <a:camera prst="orthographicFront"/>
+      <a:lightRig rig="threePt" dir="t"/>
+    </dgm:scene3d>
+    <dgm:sp3d/>
+    <dgm:txPr/>
+    <dgm:style>
+      <a:lnRef idx="2">
+        <a:scrgbClr r="0" g="0" b="0"/>
+      </a:lnRef>
+      <a:fillRef idx="1">
+        <a:scrgbClr r="0" g="0" b="0"/>
+      </a:fillRef>
+      <a:effectRef idx="0">
+        <a:scrgbClr r="0" g="0" b="0"/>
+      </a:effectRef>
+      <a:fontRef idx="minor">
+        <a:schemeClr val="lt1"/>
+      </a:fontRef>
+    </dgm:style>
+  </dgm:styleLbl>
+  <dgm:styleLbl name="lnNode1">
+    <dgm:scene3d>
+      <a:camera prst="orthographicFront"/>
+      <a:lightRig rig="threePt" dir="t"/>
+    </dgm:scene3d>
+    <dgm:sp3d/>
+    <dgm:txPr/>
+    <dgm:style>
+      <a:lnRef idx="2">
+        <a:scrgbClr r="0" g="0" b="0"/>
+      </a:lnRef>
+      <a:fillRef idx="1">
+        <a:scrgbClr r="0" g="0" b="0"/>
+      </a:fillRef>
+      <a:effectRef idx="0">
+        <a:scrgbClr r="0" g="0" b="0"/>
+      </a:effectRef>
+      <a:fontRef idx="minor">
+        <a:schemeClr val="lt1"/>
+      </a:fontRef>
+    </dgm:style>
+  </dgm:styleLbl>
+  <dgm:styleLbl name="vennNode1">
+    <dgm:scene3d>
+      <a:camera prst="orthographicFront"/>
+      <a:lightRig rig="threePt" dir="t"/>
+    </dgm:scene3d>
+    <dgm:sp3d/>
+    <dgm:txPr/>
+    <dgm:style>
+      <a:lnRef idx="2">
+        <a:scrgbClr r="0" g="0" b="0"/>
+      </a:lnRef>
+      <a:fillRef idx="1">
+        <a:scrgbClr r="0" g="0" b="0"/>
+      </a:fillRef>
+      <a:effectRef idx="0">
+        <a:scrgbClr r="0" g="0" b="0"/>
+      </a:effectRef>
+      <a:fontRef idx="minor">
+        <a:schemeClr val="tx1"/>
+      </a:fontRef>
+    </dgm:style>
+  </dgm:styleLbl>
+  <dgm:styleLbl name="alignNode1">
+    <dgm:scene3d>
+      <a:camera prst="orthographicFront"/>
+      <a:lightRig rig="threePt" dir="t"/>
+    </dgm:scene3d>
+    <dgm:sp3d/>
+    <dgm:txPr/>
+    <dgm:style>
+      <a:lnRef idx="2">
+        <a:scrgbClr r="0" g="0" b="0"/>
+      </a:lnRef>
+      <a:fillRef idx="1">
+        <a:scrgbClr r="0" g="0" b="0"/>
+      </a:fillRef>
+      <a:effectRef idx="0">
+        <a:scrgbClr r="0" g="0" b="0"/>
+      </a:effectRef>
+      <a:fontRef idx="minor">
+        <a:schemeClr val="lt1"/>
+      </a:fontRef>
+    </dgm:style>
+  </dgm:styleLbl>
+  <dgm:styleLbl name="node1">
+    <dgm:scene3d>
+      <a:camera prst="orthographicFront"/>
+      <a:lightRig rig="threePt" dir="t"/>
+    </dgm:scene3d>
+    <dgm:sp3d/>
+    <dgm:txPr/>
+    <dgm:style>
+      <a:lnRef idx="2">
+        <a:scrgbClr r="0" g="0" b="0"/>
+      </a:lnRef>
+      <a:fillRef idx="1">
+        <a:scrgbClr r="0" g="0" b="0"/>
+      </a:fillRef>
+      <a:effectRef idx="0">
+        <a:scrgbClr r="0" g="0" b="0"/>
+      </a:effectRef>
+      <a:fontRef idx="minor">
+        <a:schemeClr val="lt1"/>
+      </a:fontRef>
+    </dgm:style>
+  </dgm:styleLbl>
+  <dgm:styleLbl name="node2">
+    <dgm:scene3d>
+      <a:camera prst="orthographicFront"/>
+      <a:lightRig rig="threePt" dir="t"/>
+    </dgm:scene3d>
+    <dgm:sp3d/>
+    <dgm:txPr/>
+    <dgm:style>
+      <a:lnRef idx="2">
+        <a:scrgbClr r="0" g="0" b="0"/>
+      </a:lnRef>
+      <a:fillRef idx="1">
+        <a:scrgbClr r="0" g="0" b="0"/>
+      </a:fillRef>
+      <a:effectRef idx="0">
+        <a:scrgbClr r="0" g="0" b="0"/>
+      </a:effectRef>
+      <a:fontRef idx="minor">
+        <a:schemeClr val="lt1"/>
+      </a:fontRef>
+    </dgm:style>
+  </dgm:styleLbl>
+  <dgm:styleLbl name="node3">
+    <dgm:scene3d>
+      <a:camera prst="orthographicFront"/>
+      <a:lightRig rig="threePt" dir="t"/>
+    </dgm:scene3d>
+    <dgm:sp3d/>
+    <dgm:txPr/>
+    <dgm:style>
+      <a:lnRef idx="2">
+        <a:scrgbClr r="0" g="0" b="0"/>
+      </a:lnRef>
+      <a:fillRef idx="1">
+        <a:scrgbClr r="0" g="0" b="0"/>
+      </a:fillRef>
+      <a:effectRef idx="0">
+        <a:scrgbClr r="0" g="0" b="0"/>
+      </a:effectRef>
+      <a:fontRef idx="minor">
+        <a:schemeClr val="lt1"/>
+      </a:fontRef>
+    </dgm:style>
+  </dgm:styleLbl>
+  <dgm:styleLbl name="node4">
+    <dgm:scene3d>
+      <a:camera prst="orthographicFront"/>
+      <a:lightRig rig="threePt" dir="t"/>
+    </dgm:scene3d>
+    <dgm:sp3d/>
+    <dgm:txPr/>
+    <dgm:style>
+      <a:lnRef idx="2">
+        <a:scrgbClr r="0" g="0" b="0"/>
+      </a:lnRef>
+      <a:fillRef idx="1">
+        <a:scrgbClr r="0" g="0" b="0"/>
+      </a:fillRef>
+      <a:effectRef idx="0">
+        <a:scrgbClr r="0" g="0" b="0"/>
+      </a:effectRef>
+      <a:fontRef idx="minor">
+        <a:schemeClr val="lt1"/>
+      </a:fontRef>
+    </dgm:style>
+  </dgm:styleLbl>
+  <dgm:styleLbl name="fgImgPlace1">
+    <dgm:scene3d>
+      <a:camera prst="orthographicFront"/>
+      <a:lightRig rig="threePt" dir="t"/>
+    </dgm:scene3d>
+    <dgm:sp3d/>
+    <dgm:txPr/>
+    <dgm:style>
+      <a:lnRef idx="2">
+        <a:scrgbClr r="0" g="0" b="0"/>
+      </a:lnRef>
+      <a:fillRef idx="1">
+        <a:scrgbClr r="0" g="0" b="0"/>
+      </a:fillRef>
+      <a:effectRef idx="0">
+        <a:scrgbClr r="0" g="0" b="0"/>
+      </a:effectRef>
+      <a:fontRef idx="minor"/>
+    </dgm:style>
+  </dgm:styleLbl>
+  <dgm:styleLbl name="alignImgPlace1">
+    <dgm:scene3d>
+      <a:camera prst="orthographicFront"/>
+      <a:lightRig rig="threePt" dir="t"/>
+    </dgm:scene3d>
+    <dgm:sp3d/>
+    <dgm:txPr/>
+    <dgm:style>
+      <a:lnRef idx="2">
+        <a:scrgbClr r="0" g="0" b="0"/>
+      </a:lnRef>
+      <a:fillRef idx="1">
+        <a:scrgbClr r="0" g="0" b="0"/>
+      </a:fillRef>
+      <a:effectRef idx="0">
+        <a:scrgbClr r="0" g="0" b="0"/>
+      </a:effectRef>
+      <a:fontRef idx="minor"/>
+    </dgm:style>
+  </dgm:styleLbl>
+  <dgm:styleLbl name="bgImgPlace1">
+    <dgm:scene3d>
+      <a:camera prst="orthographicFront"/>
+      <a:lightRig rig="threePt" dir="t"/>
+    </dgm:scene3d>
+    <dgm:sp3d/>
+    <dgm:txPr/>
+    <dgm:style>
+      <a:lnRef idx="2">
+        <a:scrgbClr r="0" g="0" b="0"/>
+      </a:lnRef>
+      <a:fillRef idx="1">
+        <a:scrgbClr r="0" g="0" b="0"/>
+      </a:fillRef>
+      <a:effectRef idx="0">
+        <a:scrgbClr r="0" g="0" b="0"/>
+      </a:effectRef>
+      <a:fontRef idx="minor"/>
+    </dgm:style>
+  </dgm:styleLbl>
+  <dgm:styleLbl name="sibTrans2D1">
+    <dgm:scene3d>
+      <a:camera prst="orthographicFront"/>
+      <a:lightRig rig="threePt" dir="t"/>
+    </dgm:scene3d>
+    <dgm:sp3d/>
+    <dgm:txPr/>
+    <dgm:style>
+      <a:lnRef idx="0">
+        <a:scrgbClr r="0" g="0" b="0"/>
+      </a:lnRef>
+      <a:fillRef idx="1">
+        <a:scrgbClr r="0" g="0" b="0"/>
+      </a:fillRef>
+      <a:effectRef idx="0">
+        <a:scrgbClr r="0" g="0" b="0"/>
+      </a:effectRef>
+      <a:fontRef idx="minor">
+        <a:schemeClr val="lt1"/>
+      </a:fontRef>
+    </dgm:style>
+  </dgm:styleLbl>
+  <dgm:styleLbl name="fgSibTrans2D1">
+    <dgm:scene3d>
+      <a:camera prst="orthographicFront"/>
+      <a:lightRig rig="threePt" dir="t"/>
+    </dgm:scene3d>
+    <dgm:sp3d/>
+    <dgm:txPr/>
+    <dgm:style>
+      <a:lnRef idx="0">
+        <a:scrgbClr r="0" g="0" b="0"/>
+      </a:lnRef>
+      <a:fillRef idx="1">
+        <a:scrgbClr r="0" g="0" b="0"/>
+      </a:fillRef>
+      <a:effectRef idx="0">
+        <a:scrgbClr r="0" g="0" b="0"/>
+      </a:effectRef>
+      <a:fontRef idx="minor">
+        <a:schemeClr val="lt1"/>
+      </a:fontRef>
+    </dgm:style>
+  </dgm:styleLbl>
+  <dgm:styleLbl name="bgSibTrans2D1">
+    <dgm:scene3d>
+      <a:camera prst="orthographicFront"/>
+      <a:lightRig rig="threePt" dir="t"/>
+    </dgm:scene3d>
+    <dgm:sp3d/>
+    <dgm:txPr/>
+    <dgm:style>
+      <a:lnRef idx="0">
+        <a:scrgbClr r="0" g="0" b="0"/>
+      </a:lnRef>
+      <a:fillRef idx="1">
+        <a:scrgbClr r="0" g="0" b="0"/>
+      </a:fillRef>
+      <a:effectRef idx="0">
+        <a:scrgbClr r="0" g="0" b="0"/>
+      </a:effectRef>
+      <a:fontRef idx="minor">
+        <a:schemeClr val="lt1"/>
+      </a:fontRef>
+    </dgm:style>
+  </dgm:styleLbl>
+  <dgm:styleLbl name="sibTrans1D1">
+    <dgm:scene3d>
+      <a:camera prst="orthographicFront"/>
+      <a:lightRig rig="threePt" dir="t"/>
+    </dgm:scene3d>
+    <dgm:sp3d/>
+    <dgm:txPr/>
+    <dgm:style>
+      <a:lnRef idx="1">
+        <a:scrgbClr r="0" g="0" b="0"/>
+      </a:lnRef>
+      <a:fillRef idx="0">
+        <a:scrgbClr r="0" g="0" b="0"/>
+      </a:fillRef>
+      <a:effectRef idx="0">
+        <a:scrgbClr r="0" g="0" b="0"/>
+      </a:effectRef>
+      <a:fontRef idx="minor"/>
+    </dgm:style>
+  </dgm:styleLbl>
+  <dgm:styleLbl name="callout">
+    <dgm:scene3d>
+      <a:camera prst="orthographicFront"/>
+      <a:lightRig rig="threePt" dir="t"/>
+    </dgm:scene3d>
+    <dgm:sp3d/>
+    <dgm:txPr/>
+    <dgm:style>
+      <a:lnRef idx="2">
+        <a:scrgbClr r="0" g="0" b="0"/>
+      </a:lnRef>
+      <a:fillRef idx="1">
+        <a:scrgbClr r="0" g="0" b="0"/>
+      </a:fillRef>
+      <a:effectRef idx="0">
+        <a:scrgbClr r="0" g="0" b="0"/>
+      </a:effectRef>
+      <a:fontRef idx="minor"/>
+    </dgm:style>
+  </dgm:styleLbl>
+  <dgm:styleLbl name="asst0">
+    <dgm:scene3d>
+      <a:camera prst="orthographicFront"/>
+      <a:lightRig rig="threePt" dir="t"/>
+    </dgm:scene3d>
+    <dgm:sp3d/>
+    <dgm:txPr/>
+    <dgm:style>
+      <a:lnRef idx="2">
+        <a:scrgbClr r="0" g="0" b="0"/>
+      </a:lnRef>
+      <a:fillRef idx="1">
+        <a:scrgbClr r="0" g="0" b="0"/>
+      </a:fillRef>
+      <a:effectRef idx="0">
+        <a:scrgbClr r="0" g="0" b="0"/>
+      </a:effectRef>
+      <a:fontRef idx="minor">
+        <a:schemeClr val="lt1"/>
+      </a:fontRef>
+    </dgm:style>
+  </dgm:styleLbl>
+  <dgm:styleLbl name="asst1">
+    <dgm:scene3d>
+      <a:camera prst="orthographicFront"/>
+      <a:lightRig rig="threePt" dir="t"/>
+    </dgm:scene3d>
+    <dgm:sp3d/>
+    <dgm:txPr/>
+    <dgm:style>
+      <a:lnRef idx="2">
+        <a:scrgbClr r="0" g="0" b="0"/>
+      </a:lnRef>
+      <a:fillRef idx="1">
+        <a:scrgbClr r="0" g="0" b="0"/>
+      </a:fillRef>
+      <a:effectRef idx="0">
+        <a:scrgbClr r="0" g="0" b="0"/>
+      </a:effectRef>
+      <a:fontRef idx="minor">
+        <a:schemeClr val="lt1"/>
+      </a:fontRef>
+    </dgm:style>
+  </dgm:styleLbl>
+  <dgm:styleLbl name="asst2">
+    <dgm:scene3d>
+      <a:camera prst="orthographicFront"/>
+      <a:lightRig rig="threePt" dir="t"/>
+    </dgm:scene3d>
+    <dgm:sp3d/>
+    <dgm:txPr/>
+    <dgm:style>
+      <a:lnRef idx="2">
+        <a:scrgbClr r="0" g="0" b="0"/>
+      </a:lnRef>
+      <a:fillRef idx="1">
+        <a:scrgbClr r="0" g="0" b="0"/>
+      </a:fillRef>
+      <a:effectRef idx="0">
+        <a:scrgbClr r="0" g="0" b="0"/>
+      </a:effectRef>
+      <a:fontRef idx="minor">
+        <a:schemeClr val="lt1"/>
+      </a:fontRef>
+    </dgm:style>
+  </dgm:styleLbl>
+  <dgm:styleLbl name="asst3">
+    <dgm:scene3d>
+      <a:camera prst="orthographicFront"/>
+      <a:lightRig rig="threePt" dir="t"/>
+    </dgm:scene3d>
+    <dgm:sp3d/>
+    <dgm:txPr/>
+    <dgm:style>
+      <a:lnRef idx="2">
+        <a:scrgbClr r="0" g="0" b="0"/>
+      </a:lnRef>
+      <a:fillRef idx="1">
+        <a:scrgbClr r="0" g="0" b="0"/>
+      </a:fillRef>
+      <a:effectRef idx="0">
+        <a:scrgbClr r="0" g="0" b="0"/>
+      </a:effectRef>
+      <a:fontRef idx="minor">
+        <a:schemeClr val="lt1"/>
+      </a:fontRef>
+    </dgm:style>
+  </dgm:styleLbl>
+  <dgm:styleLbl name="asst4">
+    <dgm:scene3d>
+      <a:camera prst="orthographicFront"/>
+      <a:lightRig rig="threePt" dir="t"/>
+    </dgm:scene3d>
+    <dgm:sp3d/>
+    <dgm:txPr/>
+    <dgm:style>
+      <a:lnRef idx="2">
+        <a:scrgbClr r="0" g="0" b="0"/>
+      </a:lnRef>
+      <a:fillRef idx="1">
+        <a:scrgbClr r="0" g="0" b="0"/>
+      </a:fillRef>
+      <a:effectRef idx="0">
+        <a:scrgbClr r="0" g="0" b="0"/>
+      </a:effectRef>
+      <a:fontRef idx="minor">
+        <a:schemeClr val="lt1"/>
+      </a:fontRef>
+    </dgm:style>
+  </dgm:styleLbl>
+  <dgm:styleLbl name="parChTrans2D1">
+    <dgm:scene3d>
+      <a:camera prst="orthographicFront"/>
+      <a:lightRig rig="threePt" dir="t"/>
+    </dgm:scene3d>
+    <dgm:sp3d/>
+    <dgm:txPr/>
+    <dgm:style>
+      <a:lnRef idx="2">
+        <a:scrgbClr r="0" g="0" b="0"/>
+      </a:lnRef>
+      <a:fillRef idx="1">
+        <a:scrgbClr r="0" g="0" b="0"/>
+      </a:fillRef>
+      <a:effectRef idx="0">
+        <a:scrgbClr r="0" g="0" b="0"/>
+      </a:effectRef>
+      <a:fontRef idx="minor">
+        <a:schemeClr val="lt1"/>
+      </a:fontRef>
+    </dgm:style>
+  </dgm:styleLbl>
+  <dgm:styleLbl name="parChTrans2D2">
+    <dgm:scene3d>
+      <a:camera prst="orthographicFront"/>
+      <a:lightRig rig="threePt" dir="t"/>
+    </dgm:scene3d>
+    <dgm:sp3d/>
+    <dgm:txPr/>
+    <dgm:style>
+      <a:lnRef idx="2">
+        <a:scrgbClr r="0" g="0" b="0"/>
+      </a:lnRef>
+      <a:fillRef idx="1">
+        <a:scrgbClr r="0" g="0" b="0"/>
+      </a:fillRef>
+      <a:effectRef idx="0">
+        <a:scrgbClr r="0" g="0" b="0"/>
+      </a:effectRef>
+      <a:fontRef idx="minor">
+        <a:schemeClr val="lt1"/>
+      </a:fontRef>
+    </dgm:style>
+  </dgm:styleLbl>
+  <dgm:styleLbl name="parChTrans2D3">
+    <dgm:scene3d>
+      <a:camera prst="orthographicFront"/>
+      <a:lightRig rig="threePt" dir="t"/>
+    </dgm:scene3d>
+    <dgm:sp3d/>
+    <dgm:txPr/>
+    <dgm:style>
+      <a:lnRef idx="2">
+        <a:scrgbClr r="0" g="0" b="0"/>
+      </a:lnRef>
+      <a:fillRef idx="1">
+        <a:scrgbClr r="0" g="0" b="0"/>
+      </a:fillRef>
+      <a:effectRef idx="0">
+        <a:scrgbClr r="0" g="0" b="0"/>
+      </a:effectRef>
+      <a:fontRef idx="minor">
+        <a:schemeClr val="lt1"/>
+      </a:fontRef>
+    </dgm:style>
+  </dgm:styleLbl>
+  <dgm:styleLbl name="parChTrans2D4">
+    <dgm:scene3d>
+      <a:camera prst="orthographicFront"/>
+      <a:lightRig rig="threePt" dir="t"/>
+    </dgm:scene3d>
+    <dgm:sp3d/>
+    <dgm:txPr/>
+    <dgm:style>
+      <a:lnRef idx="2">
+        <a:scrgbClr r="0" g="0" b="0"/>
+      </a:lnRef>
+      <a:fillRef idx="1">
+        <a:scrgbClr r="0" g="0" b="0"/>
+      </a:fillRef>
+      <a:effectRef idx="0">
+        <a:scrgbClr r="0" g="0" b="0"/>
+      </a:effectRef>
+      <a:fontRef idx="minor">
+        <a:schemeClr val="lt1"/>
+      </a:fontRef>
+    </dgm:style>
+  </dgm:styleLbl>
+  <dgm:styleLbl name="parChTrans1D1">
+    <dgm:scene3d>
+      <a:camera prst="orthographicFront"/>
+      <a:lightRig rig="threePt" dir="t"/>
+    </dgm:scene3d>
+    <dgm:sp3d/>
+    <dgm:txPr/>
+    <dgm:style>
+      <a:lnRef idx="2">
+        <a:scrgbClr r="0" g="0" b="0"/>
+      </a:lnRef>
+      <a:fillRef idx="0">
+        <a:scrgbClr r="0" g="0" b="0"/>
+      </a:fillRef>
+      <a:effectRef idx="0">
+        <a:scrgbClr r="0" g="0" b="0"/>
+      </a:effectRef>
+      <a:fontRef idx="minor"/>
+    </dgm:style>
+  </dgm:styleLbl>
+  <dgm:styleLbl name="parChTrans1D2">
+    <dgm:scene3d>
+      <a:camera prst="orthographicFront"/>
+      <a:lightRig rig="threePt" dir="t"/>
+    </dgm:scene3d>
+    <dgm:sp3d/>
+    <dgm:txPr/>
+    <dgm:style>
+      <a:lnRef idx="2">
+        <a:scrgbClr r="0" g="0" b="0"/>
+      </a:lnRef>
+      <a:fillRef idx="0">
+        <a:scrgbClr r="0" g="0" b="0"/>
+      </a:fillRef>
+      <a:effectRef idx="0">
+        <a:scrgbClr r="0" g="0" b="0"/>
+      </a:effectRef>
+      <a:fontRef idx="minor"/>
+    </dgm:style>
+  </dgm:styleLbl>
+  <dgm:styleLbl name="parChTrans1D3">
+    <dgm:scene3d>
+      <a:camera prst="orthographicFront"/>
+      <a:lightRig rig="threePt" dir="t"/>
+    </dgm:scene3d>
+    <dgm:sp3d/>
+    <dgm:txPr/>
+    <dgm:style>
+      <a:lnRef idx="2">
+        <a:scrgbClr r="0" g="0" b="0"/>
+      </a:lnRef>
+      <a:fillRef idx="0">
+        <a:scrgbClr r="0" g="0" b="0"/>
+      </a:fillRef>
+      <a:effectRef idx="0">
+        <a:scrgbClr r="0" g="0" b="0"/>
+      </a:effectRef>
+      <a:fontRef idx="minor"/>
+    </dgm:style>
+  </dgm:styleLbl>
+  <dgm:styleLbl name="parChTrans1D4">
+    <dgm:scene3d>
+      <a:camera prst="orthographicFront"/>
+      <a:lightRig rig="threePt" dir="t"/>
+    </dgm:scene3d>
+    <dgm:sp3d/>
+    <dgm:txPr/>
+    <dgm:style>
+      <a:lnRef idx="2">
+        <a:scrgbClr r="0" g="0" b="0"/>
+      </a:lnRef>
+      <a:fillRef idx="0">
+        <a:scrgbClr r="0" g="0" b="0"/>
+      </a:fillRef>
+      <a:effectRef idx="0">
+        <a:scrgbClr r="0" g="0" b="0"/>
+      </a:effectRef>
+      <a:fontRef idx="minor"/>
+    </dgm:style>
+  </dgm:styleLbl>
+  <dgm:styleLbl name="fgAcc1">
+    <dgm:scene3d>
+      <a:camera prst="orthographicFront"/>
+      <a:lightRig rig="threePt" dir="t"/>
+    </dgm:scene3d>
+    <dgm:sp3d/>
+    <dgm:txPr/>
+    <dgm:style>
+      <a:lnRef idx="2">
+        <a:scrgbClr r="0" g="0" b="0"/>
+      </a:lnRef>
+      <a:fillRef idx="1">
+        <a:scrgbClr r="0" g="0" b="0"/>
+      </a:fillRef>
+      <a:effectRef idx="0">
+        <a:scrgbClr r="0" g="0" b="0"/>
+      </a:effectRef>
+      <a:fontRef idx="minor"/>
+    </dgm:style>
+  </dgm:styleLbl>
+  <dgm:styleLbl name="conFgAcc1">
+    <dgm:scene3d>
+      <a:camera prst="orthographicFront"/>
+      <a:lightRig rig="threePt" dir="t"/>
+    </dgm:scene3d>
+    <dgm:sp3d/>
+    <dgm:txPr/>
+    <dgm:style>
+      <a:lnRef idx="2">
+        <a:scrgbClr r="0" g="0" b="0"/>
+      </a:lnRef>
+      <a:fillRef idx="1">
+        <a:scrgbClr r="0" g="0" b="0"/>
+      </a:fillRef>
+      <a:effectRef idx="0">
+        <a:scrgbClr r="0" g="0" b="0"/>
+      </a:effectRef>
+      <a:fontRef idx="minor"/>
+    </dgm:style>
+  </dgm:styleLbl>
+  <dgm:styleLbl name="alignAcc1">
+    <dgm:scene3d>
+      <a:camera prst="orthographicFront"/>
+      <a:lightRig rig="threePt" dir="t"/>
+    </dgm:scene3d>
+    <dgm:sp3d/>
+    <dgm:txPr/>
+    <dgm:style>
+      <a:lnRef idx="2">
+        <a:scrgbClr r="0" g="0" b="0"/>
+      </a:lnRef>
+      <a:fillRef idx="1">
+        <a:scrgbClr r="0" g="0" b="0"/>
+      </a:fillRef>
+      <a:effectRef idx="0">
+        <a:scrgbClr r="0" g="0" b="0"/>
+      </a:effectRef>
+      <a:fontRef idx="minor"/>
+    </dgm:style>
+  </dgm:styleLbl>
+  <dgm:styleLbl name="trAlignAcc1">
+    <dgm:scene3d>
+      <a:camera prst="orthographicFront"/>
+      <a:lightRig rig="threePt" dir="t"/>
+    </dgm:scene3d>
+    <dgm:sp3d/>
+    <dgm:txPr/>
+    <dgm:style>
+      <a:lnRef idx="1">
+        <a:scrgbClr r="0" g="0" b="0"/>
+      </a:lnRef>
+      <a:fillRef idx="1">
+        <a:scrgbClr r="0" g="0" b="0"/>
+      </a:fillRef>
+      <a:effectRef idx="0">
+        <a:scrgbClr r="0" g="0" b="0"/>
+      </a:effectRef>
+      <a:fontRef idx="minor"/>
+    </dgm:style>
+  </dgm:styleLbl>
+  <dgm:styleLbl name="bgAcc1">
+    <dgm:scene3d>
+      <a:camera prst="orthographicFront"/>
+      <a:lightRig rig="threePt" dir="t"/>
+    </dgm:scene3d>
+    <dgm:sp3d/>
+    <dgm:txPr/>
+    <dgm:style>
+      <a:lnRef idx="2">
+        <a:scrgbClr r="0" g="0" b="0"/>
+      </a:lnRef>
+      <a:fillRef idx="1">
+        <a:scrgbClr r="0" g="0" b="0"/>
+      </a:fillRef>
+      <a:effectRef idx="0">
+        <a:scrgbClr r="0" g="0" b="0"/>
+      </a:effectRef>
+      <a:fontRef idx="minor"/>
+    </dgm:style>
+  </dgm:styleLbl>
+  <dgm:styleLbl name="solidFgAcc1">
+    <dgm:scene3d>
+      <a:camera prst="orthographicFront"/>
+      <a:lightRig rig="threePt" dir="t"/>
+    </dgm:scene3d>
+    <dgm:sp3d/>
+    <dgm:txPr/>
+    <dgm:style>
+      <a:lnRef idx="2">
+        <a:scrgbClr r="0" g="0" b="0"/>
+      </a:lnRef>
+      <a:fillRef idx="1">
+        <a:scrgbClr r="0" g="0" b="0"/>
+      </a:fillRef>
+      <a:effectRef idx="0">
+        <a:scrgbClr r="0" g="0" b="0"/>
+      </a:effectRef>
+      <a:fontRef idx="minor"/>
+    </dgm:style>
+  </dgm:styleLbl>
+  <dgm:styleLbl name="solidAlignAcc1">
+    <dgm:scene3d>
+      <a:camera prst="orthographicFront"/>
+      <a:lightRig rig="threePt" dir="t"/>
+    </dgm:scene3d>
+    <dgm:sp3d/>
+    <dgm:txPr/>
+    <dgm:style>
+      <a:lnRef idx="2">
+        <a:scrgbClr r="0" g="0" b="0"/>
+      </a:lnRef>
+      <a:fillRef idx="1">
+        <a:scrgbClr r="0" g="0" b="0"/>
+      </a:fillRef>
+      <a:effectRef idx="0">
+        <a:scrgbClr r="0" g="0" b="0"/>
+      </a:effectRef>
+      <a:fontRef idx="minor"/>
+    </dgm:style>
+  </dgm:styleLbl>
+  <dgm:styleLbl name="solidBgAcc1">
+    <dgm:scene3d>
+      <a:camera prst="orthographicFront"/>
+      <a:lightRig rig="threePt" dir="t"/>
+    </dgm:scene3d>
+    <dgm:sp3d/>
+    <dgm:txPr/>
+    <dgm:style>
+      <a:lnRef idx="2">
+        <a:scrgbClr r="0" g="0" b="0"/>
+      </a:lnRef>
+      <a:fillRef idx="1">
+        <a:scrgbClr r="0" g="0" b="0"/>
+      </a:fillRef>
+      <a:effectRef idx="0">
+        <a:scrgbClr r="0" g="0" b="0"/>
+      </a:effectRef>
+      <a:fontRef idx="minor"/>
+    </dgm:style>
+  </dgm:styleLbl>
+  <dgm:styleLbl name="fgAccFollowNode1">
+    <dgm:scene3d>
+      <a:camera prst="orthographicFront"/>
+      <a:lightRig rig="threePt" dir="t"/>
+    </dgm:scene3d>
+    <dgm:sp3d/>
+    <dgm:txPr/>
+    <dgm:style>
+      <a:lnRef idx="2">
+        <a:scrgbClr r="0" g="0" b="0"/>
+      </a:lnRef>
+      <a:fillRef idx="1">
+        <a:scrgbClr r="0" g="0" b="0"/>
+      </a:fillRef>
+      <a:effectRef idx="0">
+        <a:scrgbClr r="0" g="0" b="0"/>
+      </a:effectRef>
+      <a:fontRef idx="minor"/>
+    </dgm:style>
+  </dgm:styleLbl>
+  <dgm:styleLbl name="alignAccFollowNode1">
+    <dgm:scene3d>
+      <a:camera prst="orthographicFront"/>
+      <a:lightRig rig="threePt" dir="t"/>
+    </dgm:scene3d>
+    <dgm:sp3d/>
+    <dgm:txPr/>
+    <dgm:style>
+      <a:lnRef idx="2">
+        <a:scrgbClr r="0" g="0" b="0"/>
+      </a:lnRef>
+      <a:fillRef idx="1">
+        <a:scrgbClr r="0" g="0" b="0"/>
+      </a:fillRef>
+      <a:effectRef idx="0">
+        <a:scrgbClr r="0" g="0" b="0"/>
+      </a:effectRef>
+      <a:fontRef idx="minor"/>
+    </dgm:style>
+  </dgm:styleLbl>
+  <dgm:styleLbl name="bgAccFollowNode1">
+    <dgm:scene3d>
+      <a:camera prst="orthographicFront"/>
+      <a:lightRig rig="threePt" dir="t"/>
+    </dgm:scene3d>
+    <dgm:sp3d/>
+    <dgm:txPr/>
+    <dgm:style>
+      <a:lnRef idx="2">
+        <a:scrgbClr r="0" g="0" b="0"/>
+      </a:lnRef>
+      <a:fillRef idx="1">
+        <a:scrgbClr r="0" g="0" b="0"/>
+      </a:fillRef>
+      <a:effectRef idx="0">
+        <a:scrgbClr r="0" g="0" b="0"/>
+      </a:effectRef>
+      <a:fontRef idx="minor"/>
+    </dgm:style>
+  </dgm:styleLbl>
+  <dgm:styleLbl name="fgAcc0">
+    <dgm:scene3d>
+      <a:camera prst="orthographicFront"/>
+      <a:lightRig rig="threePt" dir="t"/>
+    </dgm:scene3d>
+    <dgm:sp3d/>
+    <dgm:txPr/>
+    <dgm:style>
+      <a:lnRef idx="2">
+        <a:scrgbClr r="0" g="0" b="0"/>
+      </a:lnRef>
+      <a:fillRef idx="1">
+        <a:scrgbClr r="0" g="0" b="0"/>
+      </a:fillRef>
+      <a:effectRef idx="0">
+        <a:scrgbClr r="0" g="0" b="0"/>
+      </a:effectRef>
+      <a:fontRef idx="minor"/>
+    </dgm:style>
+  </dgm:styleLbl>
+  <dgm:styleLbl name="fgAcc2">
+    <dgm:scene3d>
+      <a:camera prst="orthographicFront"/>
+      <a:lightRig rig="threePt" dir="t"/>
+    </dgm:scene3d>
+    <dgm:sp3d/>
+    <dgm:txPr/>
+    <dgm:style>
+      <a:lnRef idx="2">
+        <a:scrgbClr r="0" g="0" b="0"/>
+      </a:lnRef>
+      <a:fillRef idx="1">
+        <a:scrgbClr r="0" g="0" b="0"/>
+      </a:fillRef>
+      <a:effectRef idx="0">
+        <a:scrgbClr r="0" g="0" b="0"/>
+      </a:effectRef>
+      <a:fontRef idx="minor"/>
+    </dgm:style>
+  </dgm:styleLbl>
+  <dgm:styleLbl name="fgAcc3">
+    <dgm:scene3d>
+      <a:camera prst="orthographicFront"/>
+      <a:lightRig rig="threePt" dir="t"/>
+    </dgm:scene3d>
+    <dgm:sp3d/>
+    <dgm:txPr/>
+    <dgm:style>
+      <a:lnRef idx="2">
+        <a:scrgbClr r="0" g="0" b="0"/>
+      </a:lnRef>
+      <a:fillRef idx="1">
+        <a:scrgbClr r="0" g="0" b="0"/>
+      </a:fillRef>
+      <a:effectRef idx="0">
+        <a:scrgbClr r="0" g="0" b="0"/>
+      </a:effectRef>
+      <a:fontRef idx="minor"/>
+    </dgm:style>
+  </dgm:styleLbl>
+  <dgm:styleLbl name="fgAcc4">
+    <dgm:scene3d>
+      <a:camera prst="orthographicFront"/>
+      <a:lightRig rig="threePt" dir="t"/>
+    </dgm:scene3d>
+    <dgm:sp3d/>
+    <dgm:txPr/>
+    <dgm:style>
+      <a:lnRef idx="2">
+        <a:scrgbClr r="0" g="0" b="0"/>
+      </a:lnRef>
+      <a:fillRef idx="1">
+        <a:scrgbClr r="0" g="0" b="0"/>
+      </a:fillRef>
+      <a:effectRef idx="0">
+        <a:scrgbClr r="0" g="0" b="0"/>
+      </a:effectRef>
+      <a:fontRef idx="minor"/>
+    </dgm:style>
+  </dgm:styleLbl>
+  <dgm:styleLbl name="bgShp">
+    <dgm:scene3d>
+      <a:camera prst="orthographicFront"/>
+      <a:lightRig rig="threePt" dir="t"/>
+    </dgm:scene3d>
+    <dgm:sp3d/>
+    <dgm:txPr/>
+    <dgm:style>
+      <a:lnRef idx="0">
+        <a:scrgbClr r="0" g="0" b="0"/>
+      </a:lnRef>
+      <a:fillRef idx="1">
+        <a:scrgbClr r="0" g="0" b="0"/>
+      </a:fillRef>
+      <a:effectRef idx="0">
+        <a:scrgbClr r="0" g="0" b="0"/>
+      </a:effectRef>
+      <a:fontRef idx="minor"/>
+    </dgm:style>
+  </dgm:styleLbl>
+  <dgm:styleLbl name="dkBgShp">
+    <dgm:scene3d>
+      <a:camera prst="orthographicFront"/>
+      <a:lightRig rig="threePt" dir="t"/>
+    </dgm:scene3d>
+    <dgm:sp3d/>
+    <dgm:txPr/>
+    <dgm:style>
+      <a:lnRef idx="0">
+        <a:scrgbClr r="0" g="0" b="0"/>
+      </a:lnRef>
+      <a:fillRef idx="1">
+        <a:scrgbClr r="0" g="0" b="0"/>
+      </a:fillRef>
+      <a:effectRef idx="0">
+        <a:scrgbClr r="0" g="0" b="0"/>
+      </a:effectRef>
+      <a:fontRef idx="minor"/>
+    </dgm:style>
+  </dgm:styleLbl>
+  <dgm:styleLbl name="trBgShp">
+    <dgm:scene3d>
+      <a:camera prst="orthographicFront"/>
+      <a:lightRig rig="threePt" dir="t"/>
+    </dgm:scene3d>
+    <dgm:sp3d/>
+    <dgm:txPr/>
+    <dgm:style>
+      <a:lnRef idx="0">
+        <a:scrgbClr r="0" g="0" b="0"/>
+      </a:lnRef>
+      <a:fillRef idx="1">
+        <a:scrgbClr r="0" g="0" b="0"/>
+      </a:fillRef>
+      <a:effectRef idx="0">
+        <a:scrgbClr r="0" g="0" b="0"/>
+      </a:effectRef>
+      <a:fontRef idx="minor"/>
+    </dgm:style>
+  </dgm:styleLbl>
+  <dgm:styleLbl name="fgShp">
+    <dgm:scene3d>
+      <a:camera prst="orthographicFront"/>
+      <a:lightRig rig="threePt" dir="t"/>
+    </dgm:scene3d>
+    <dgm:sp3d/>
+    <dgm:txPr/>
+    <dgm:style>
+      <a:lnRef idx="2">
+        <a:scrgbClr r="0" g="0" b="0"/>
+      </a:lnRef>
+      <a:fillRef idx="1">
+        <a:scrgbClr r="0" g="0" b="0"/>
+      </a:fillRef>
+      <a:effectRef idx="0">
+        <a:scrgbClr r="0" g="0" b="0"/>
+      </a:effectRef>
+      <a:fontRef idx="minor"/>
+    </dgm:style>
+  </dgm:styleLbl>
+  <dgm:styleLbl name="revTx">
+    <dgm:scene3d>
+      <a:camera prst="orthographicFront"/>
+      <a:lightRig rig="threePt" dir="t"/>
+    </dgm:scene3d>
+    <dgm:sp3d/>
+    <dgm:txPr/>
+    <dgm:style>
+      <a:lnRef idx="0">
+        <a:scrgbClr r="0" g="0" b="0"/>
+      </a:lnRef>
+      <a:fillRef idx="0">
+        <a:scrgbClr r="0" g="0" b="0"/>
+      </a:fillRef>
+      <a:effectRef idx="0">
+        <a:scrgbClr r="0" g="0" b="0"/>
+      </a:effectRef>
+      <a:fontRef idx="minor"/>
+    </dgm:style>
+  </dgm:styleLbl>
+</dgm:styleDef>
+</file>
+
+<file path=ppt/diagrams/quickStyle4.xml><?xml version="1.0" encoding="utf-8"?>
 <dgm:styleDef xmlns:dgm="http://schemas.openxmlformats.org/drawingml/2006/diagram" xmlns:a="http://schemas.openxmlformats.org/drawingml/2006/main" uniqueId="urn:microsoft.com/office/officeart/2005/8/quickstyle/simple1">
   <dgm:title val=""/>
   <dgm:desc val=""/>
@@ -24320,6 +28893,192 @@
 </p:sld>
 </file>
 
+<file path=ppt/slides/slide10.xml><?xml version="1.0" encoding="utf-8"?>
+<p:sld xmlns:a="http://schemas.openxmlformats.org/drawingml/2006/main" xmlns:r="http://schemas.openxmlformats.org/officeDocument/2006/relationships" xmlns:p="http://schemas.openxmlformats.org/presentationml/2006/main">
+  <p:cSld>
+    <p:spTree>
+      <p:nvGrpSpPr>
+        <p:cNvPr id="1" name=""/>
+        <p:cNvGrpSpPr/>
+        <p:nvPr/>
+      </p:nvGrpSpPr>
+      <p:grpSpPr>
+        <a:xfrm>
+          <a:off x="0" y="0"/>
+          <a:ext cx="0" cy="0"/>
+          <a:chOff x="0" y="0"/>
+          <a:chExt cx="0" cy="0"/>
+        </a:xfrm>
+      </p:grpSpPr>
+      <p:sp>
+        <p:nvSpPr>
+          <p:cNvPr id="2" name="标题 1">
+            <a:extLst>
+              <a:ext uri="{FF2B5EF4-FFF2-40B4-BE49-F238E27FC236}">
+                <a16:creationId xmlns:a16="http://schemas.microsoft.com/office/drawing/2014/main" id="{7C2BC407-0D93-428F-90C7-CFF751A751D9}"/>
+              </a:ext>
+            </a:extLst>
+          </p:cNvPr>
+          <p:cNvSpPr>
+            <a:spLocks noGrp="1"/>
+          </p:cNvSpPr>
+          <p:nvPr>
+            <p:ph type="title"/>
+          </p:nvPr>
+        </p:nvSpPr>
+        <p:spPr>
+          <a:xfrm>
+            <a:off x="1141413" y="618518"/>
+            <a:ext cx="9905998" cy="945239"/>
+          </a:xfrm>
+        </p:spPr>
+        <p:txBody>
+          <a:bodyPr/>
+          <a:lstStyle/>
+          <a:p>
+            <a:r>
+              <a:rPr lang="zh-CN" altLang="en-US" dirty="0"/>
+              <a:t>影院信息</a:t>
+            </a:r>
+          </a:p>
+        </p:txBody>
+      </p:sp>
+      <p:pic>
+        <p:nvPicPr>
+          <p:cNvPr id="5" name="内容占位符 4">
+            <a:extLst>
+              <a:ext uri="{FF2B5EF4-FFF2-40B4-BE49-F238E27FC236}">
+                <a16:creationId xmlns:a16="http://schemas.microsoft.com/office/drawing/2014/main" id="{4BEFE739-0B77-4F00-8554-BBBD7FDDFA42}"/>
+              </a:ext>
+            </a:extLst>
+          </p:cNvPr>
+          <p:cNvPicPr>
+            <a:picLocks noGrp="1" noChangeAspect="1"/>
+          </p:cNvPicPr>
+          <p:nvPr>
+            <p:ph idx="1"/>
+          </p:nvPr>
+        </p:nvPicPr>
+        <p:blipFill rotWithShape="1">
+          <a:blip r:embed="rId2"/>
+          <a:srcRect t="9291" r="11771" b="35735"/>
+          <a:stretch/>
+        </p:blipFill>
+        <p:spPr>
+          <a:xfrm>
+            <a:off x="1007165" y="1563758"/>
+            <a:ext cx="10051944" cy="4675724"/>
+          </a:xfrm>
+        </p:spPr>
+      </p:pic>
+    </p:spTree>
+    <p:extLst>
+      <p:ext uri="{BB962C8B-B14F-4D97-AF65-F5344CB8AC3E}">
+        <p14:creationId xmlns:p14="http://schemas.microsoft.com/office/powerpoint/2010/main" val="3335615293"/>
+      </p:ext>
+    </p:extLst>
+  </p:cSld>
+  <p:clrMapOvr>
+    <a:masterClrMapping/>
+  </p:clrMapOvr>
+</p:sld>
+</file>
+
+<file path=ppt/slides/slide11.xml><?xml version="1.0" encoding="utf-8"?>
+<p:sld xmlns:a="http://schemas.openxmlformats.org/drawingml/2006/main" xmlns:r="http://schemas.openxmlformats.org/officeDocument/2006/relationships" xmlns:p="http://schemas.openxmlformats.org/presentationml/2006/main">
+  <p:cSld>
+    <p:spTree>
+      <p:nvGrpSpPr>
+        <p:cNvPr id="1" name=""/>
+        <p:cNvGrpSpPr/>
+        <p:nvPr/>
+      </p:nvGrpSpPr>
+      <p:grpSpPr>
+        <a:xfrm>
+          <a:off x="0" y="0"/>
+          <a:ext cx="0" cy="0"/>
+          <a:chOff x="0" y="0"/>
+          <a:chExt cx="0" cy="0"/>
+        </a:xfrm>
+      </p:grpSpPr>
+      <p:sp>
+        <p:nvSpPr>
+          <p:cNvPr id="2" name="标题 1">
+            <a:extLst>
+              <a:ext uri="{FF2B5EF4-FFF2-40B4-BE49-F238E27FC236}">
+                <a16:creationId xmlns:a16="http://schemas.microsoft.com/office/drawing/2014/main" id="{F944D11A-D7E6-4B83-BF51-EBE1C5083279}"/>
+              </a:ext>
+            </a:extLst>
+          </p:cNvPr>
+          <p:cNvSpPr>
+            <a:spLocks noGrp="1"/>
+          </p:cNvSpPr>
+          <p:nvPr>
+            <p:ph type="title"/>
+          </p:nvPr>
+        </p:nvSpPr>
+        <p:spPr>
+          <a:xfrm>
+            <a:off x="1141413" y="618518"/>
+            <a:ext cx="9905998" cy="772960"/>
+          </a:xfrm>
+        </p:spPr>
+        <p:txBody>
+          <a:bodyPr/>
+          <a:lstStyle/>
+          <a:p>
+            <a:r>
+              <a:rPr lang="zh-CN" altLang="en-US" dirty="0"/>
+              <a:t>电影票价</a:t>
+            </a:r>
+          </a:p>
+        </p:txBody>
+      </p:sp>
+      <p:pic>
+        <p:nvPicPr>
+          <p:cNvPr id="4" name="内容占位符 3">
+            <a:extLst>
+              <a:ext uri="{FF2B5EF4-FFF2-40B4-BE49-F238E27FC236}">
+                <a16:creationId xmlns:a16="http://schemas.microsoft.com/office/drawing/2014/main" id="{8A7CDFCA-1191-4EDA-8A61-7194ABD28EC6}"/>
+              </a:ext>
+            </a:extLst>
+          </p:cNvPr>
+          <p:cNvPicPr>
+            <a:picLocks noGrp="1" noChangeAspect="1"/>
+          </p:cNvPicPr>
+          <p:nvPr>
+            <p:ph idx="1"/>
+          </p:nvPr>
+        </p:nvPicPr>
+        <p:blipFill>
+          <a:blip r:embed="rId2"/>
+          <a:stretch>
+            <a:fillRect/>
+          </a:stretch>
+        </p:blipFill>
+        <p:spPr>
+          <a:xfrm>
+            <a:off x="1369598" y="1643271"/>
+            <a:ext cx="7906923" cy="3999844"/>
+          </a:xfrm>
+          <a:prstGeom prst="rect">
+            <a:avLst/>
+          </a:prstGeom>
+        </p:spPr>
+      </p:pic>
+    </p:spTree>
+    <p:extLst>
+      <p:ext uri="{BB962C8B-B14F-4D97-AF65-F5344CB8AC3E}">
+        <p14:creationId xmlns:p14="http://schemas.microsoft.com/office/powerpoint/2010/main" val="41806582"/>
+      </p:ext>
+    </p:extLst>
+  </p:cSld>
+  <p:clrMapOvr>
+    <a:masterClrMapping/>
+  </p:clrMapOvr>
+</p:sld>
+</file>
+
 <file path=ppt/slides/slide2.xml><?xml version="1.0" encoding="utf-8"?>
 <p:sld xmlns:a="http://schemas.openxmlformats.org/drawingml/2006/main" xmlns:r="http://schemas.openxmlformats.org/officeDocument/2006/relationships" xmlns:p="http://schemas.openxmlformats.org/presentationml/2006/main">
   <p:cSld>
@@ -24408,6 +29167,302 @@
 </file>
 
 <file path=ppt/slides/slide3.xml><?xml version="1.0" encoding="utf-8"?>
+<p:sld xmlns:a="http://schemas.openxmlformats.org/drawingml/2006/main" xmlns:r="http://schemas.openxmlformats.org/officeDocument/2006/relationships" xmlns:p="http://schemas.openxmlformats.org/presentationml/2006/main">
+  <p:cSld>
+    <p:spTree>
+      <p:nvGrpSpPr>
+        <p:cNvPr id="1" name=""/>
+        <p:cNvGrpSpPr/>
+        <p:nvPr/>
+      </p:nvGrpSpPr>
+      <p:grpSpPr>
+        <a:xfrm>
+          <a:off x="0" y="0"/>
+          <a:ext cx="0" cy="0"/>
+          <a:chOff x="0" y="0"/>
+          <a:chExt cx="0" cy="0"/>
+        </a:xfrm>
+      </p:grpSpPr>
+      <p:sp>
+        <p:nvSpPr>
+          <p:cNvPr id="2" name="标题 1">
+            <a:extLst>
+              <a:ext uri="{FF2B5EF4-FFF2-40B4-BE49-F238E27FC236}">
+                <a16:creationId xmlns:a16="http://schemas.microsoft.com/office/drawing/2014/main" id="{4808C21C-EF87-4430-B805-91B56E945A81}"/>
+              </a:ext>
+            </a:extLst>
+          </p:cNvPr>
+          <p:cNvSpPr>
+            <a:spLocks noGrp="1"/>
+          </p:cNvSpPr>
+          <p:nvPr>
+            <p:ph type="title"/>
+          </p:nvPr>
+        </p:nvSpPr>
+        <p:spPr>
+          <a:xfrm>
+            <a:off x="1141413" y="618518"/>
+            <a:ext cx="9905998" cy="945239"/>
+          </a:xfrm>
+        </p:spPr>
+        <p:txBody>
+          <a:bodyPr/>
+          <a:lstStyle/>
+          <a:p>
+            <a:r>
+              <a:rPr lang="zh-CN" altLang="en-US" dirty="0"/>
+              <a:t>项目介绍</a:t>
+            </a:r>
+          </a:p>
+        </p:txBody>
+      </p:sp>
+      <p:sp>
+        <p:nvSpPr>
+          <p:cNvPr id="3" name="内容占位符 2">
+            <a:extLst>
+              <a:ext uri="{FF2B5EF4-FFF2-40B4-BE49-F238E27FC236}">
+                <a16:creationId xmlns:a16="http://schemas.microsoft.com/office/drawing/2014/main" id="{23252257-538D-4D65-BDA7-95DA87E0A328}"/>
+              </a:ext>
+            </a:extLst>
+          </p:cNvPr>
+          <p:cNvSpPr>
+            <a:spLocks noGrp="1"/>
+          </p:cNvSpPr>
+          <p:nvPr>
+            <p:ph idx="1"/>
+          </p:nvPr>
+        </p:nvSpPr>
+        <p:spPr>
+          <a:xfrm>
+            <a:off x="1141412" y="1709530"/>
+            <a:ext cx="9905999" cy="4081671"/>
+          </a:xfrm>
+        </p:spPr>
+        <p:txBody>
+          <a:bodyPr>
+            <a:normAutofit/>
+          </a:bodyPr>
+          <a:lstStyle/>
+          <a:p>
+            <a:pPr marL="0" indent="0">
+              <a:buNone/>
+            </a:pPr>
+            <a:r>
+              <a:rPr lang="en-US" altLang="zh-CN" dirty="0"/>
+              <a:t>	</a:t>
+            </a:r>
+            <a:r>
+              <a:rPr lang="zh-CN" altLang="en-US" dirty="0"/>
+              <a:t>在日常生活中</a:t>
+            </a:r>
+            <a:r>
+              <a:rPr lang="en-US" altLang="zh-CN" dirty="0"/>
+              <a:t>,</a:t>
+            </a:r>
+            <a:r>
+              <a:rPr lang="zh-CN" altLang="en-US" dirty="0"/>
+              <a:t>我们经常会发现</a:t>
+            </a:r>
+            <a:r>
+              <a:rPr lang="en-US" altLang="zh-CN" dirty="0"/>
+              <a:t>,</a:t>
+            </a:r>
+            <a:r>
+              <a:rPr lang="zh-CN" altLang="en-US" dirty="0"/>
+              <a:t>同样的一步电影</a:t>
+            </a:r>
+            <a:r>
+              <a:rPr lang="en-US" altLang="zh-CN" dirty="0"/>
+              <a:t>,</a:t>
+            </a:r>
+            <a:r>
+              <a:rPr lang="zh-CN" altLang="en-US" dirty="0"/>
+              <a:t>不远的两家影院</a:t>
+            </a:r>
+            <a:r>
+              <a:rPr lang="en-US" altLang="zh-CN" dirty="0"/>
+              <a:t>,</a:t>
+            </a:r>
+            <a:r>
+              <a:rPr lang="zh-CN" altLang="en-US" dirty="0"/>
+              <a:t>价格就会差很多</a:t>
+            </a:r>
+            <a:r>
+              <a:rPr lang="en-US" altLang="zh-CN" dirty="0"/>
+              <a:t>,</a:t>
+            </a:r>
+            <a:r>
+              <a:rPr lang="zh-CN" altLang="en-US" dirty="0"/>
+              <a:t>不同的网站也会因为一些活动之类的原因</a:t>
+            </a:r>
+            <a:r>
+              <a:rPr lang="en-US" altLang="zh-CN" dirty="0"/>
+              <a:t>,</a:t>
+            </a:r>
+            <a:r>
+              <a:rPr lang="zh-CN" altLang="en-US" dirty="0"/>
+              <a:t>票价也会有不同程度的优惠</a:t>
+            </a:r>
+            <a:r>
+              <a:rPr lang="en-US" altLang="zh-CN" dirty="0"/>
+              <a:t>,</a:t>
+            </a:r>
+            <a:r>
+              <a:rPr lang="zh-CN" altLang="en-US" dirty="0"/>
+              <a:t>票价可能会相差十几元甚至几十元</a:t>
+            </a:r>
+            <a:r>
+              <a:rPr lang="en-US" altLang="zh-CN" dirty="0"/>
+              <a:t>,</a:t>
+            </a:r>
+            <a:r>
+              <a:rPr lang="zh-CN" altLang="en-US" dirty="0"/>
+              <a:t>但如果每次看电影都要把几个网站的排片和票价都看一遍</a:t>
+            </a:r>
+            <a:r>
+              <a:rPr lang="en-US" altLang="zh-CN" dirty="0"/>
+              <a:t>,</a:t>
+            </a:r>
+            <a:r>
+              <a:rPr lang="zh-CN" altLang="en-US" dirty="0"/>
+              <a:t>也太麻烦了</a:t>
+            </a:r>
+            <a:r>
+              <a:rPr lang="en-US" altLang="zh-CN" dirty="0"/>
+              <a:t>.</a:t>
+            </a:r>
+          </a:p>
+          <a:p>
+            <a:pPr marL="0" indent="0">
+              <a:buNone/>
+            </a:pPr>
+            <a:r>
+              <a:rPr lang="en-US" altLang="zh-CN" dirty="0"/>
+              <a:t>	</a:t>
+            </a:r>
+            <a:r>
+              <a:rPr lang="zh-CN" altLang="en-US" dirty="0"/>
+              <a:t>本项目就是为了解决这个问题</a:t>
+            </a:r>
+            <a:r>
+              <a:rPr lang="en-US" altLang="zh-CN" dirty="0"/>
+              <a:t>,</a:t>
+            </a:r>
+            <a:r>
+              <a:rPr lang="zh-CN" altLang="en-US" dirty="0"/>
+              <a:t>在网页上</a:t>
+            </a:r>
+            <a:r>
+              <a:rPr lang="en-US" altLang="zh-CN" dirty="0"/>
+              <a:t>,</a:t>
+            </a:r>
+            <a:r>
+              <a:rPr lang="zh-CN" altLang="en-US" dirty="0"/>
+              <a:t>会展示当前热映的电影</a:t>
+            </a:r>
+            <a:r>
+              <a:rPr lang="en-US" altLang="zh-CN" dirty="0"/>
+              <a:t>,</a:t>
+            </a:r>
+            <a:r>
+              <a:rPr lang="zh-CN" altLang="en-US" dirty="0"/>
+              <a:t>点击电影</a:t>
+            </a:r>
+            <a:r>
+              <a:rPr lang="en-US" altLang="zh-CN" dirty="0"/>
+              <a:t>,</a:t>
+            </a:r>
+            <a:r>
+              <a:rPr lang="zh-CN" altLang="en-US" dirty="0"/>
+              <a:t>可以选择城市</a:t>
+            </a:r>
+            <a:r>
+              <a:rPr lang="en-US" altLang="zh-CN" dirty="0"/>
+              <a:t>,</a:t>
+            </a:r>
+            <a:r>
+              <a:rPr lang="zh-CN" altLang="en-US" dirty="0"/>
+              <a:t>区域</a:t>
+            </a:r>
+            <a:r>
+              <a:rPr lang="en-US" altLang="zh-CN" dirty="0"/>
+              <a:t>,</a:t>
+            </a:r>
+            <a:r>
+              <a:rPr lang="zh-CN" altLang="en-US" dirty="0"/>
+              <a:t>影院以及信息</a:t>
+            </a:r>
+            <a:r>
+              <a:rPr lang="en-US" altLang="zh-CN" dirty="0"/>
+              <a:t>,</a:t>
+            </a:r>
+            <a:r>
+              <a:rPr lang="zh-CN" altLang="en-US" dirty="0"/>
+              <a:t>就可以看到排片时间和不同渠道的价格</a:t>
+            </a:r>
+            <a:r>
+              <a:rPr lang="en-US" altLang="zh-CN" dirty="0"/>
+              <a:t>.</a:t>
+            </a:r>
+          </a:p>
+          <a:p>
+            <a:pPr marL="0" indent="0">
+              <a:buNone/>
+            </a:pPr>
+            <a:r>
+              <a:rPr lang="en-US" altLang="zh-CN" dirty="0"/>
+              <a:t>	</a:t>
+            </a:r>
+            <a:r>
+              <a:rPr lang="zh-CN" altLang="en-US" dirty="0"/>
+              <a:t>目前</a:t>
+            </a:r>
+            <a:r>
+              <a:rPr lang="en-US" altLang="zh-CN" dirty="0"/>
+              <a:t>,</a:t>
+            </a:r>
+            <a:r>
+              <a:rPr lang="zh-CN" altLang="en-US" dirty="0"/>
+              <a:t>数据的主要来源是淘票票</a:t>
+            </a:r>
+            <a:r>
+              <a:rPr lang="en-US" altLang="zh-CN" dirty="0"/>
+              <a:t>,</a:t>
+            </a:r>
+            <a:r>
+              <a:rPr lang="zh-CN" altLang="en-US" dirty="0"/>
+              <a:t>百度糯米</a:t>
+            </a:r>
+            <a:r>
+              <a:rPr lang="en-US" altLang="zh-CN" dirty="0"/>
+              <a:t>,</a:t>
+            </a:r>
+            <a:r>
+              <a:rPr lang="zh-CN" altLang="en-US" dirty="0"/>
+              <a:t>和猫眼电影三个渠道</a:t>
+            </a:r>
+            <a:r>
+              <a:rPr lang="en-US" altLang="zh-CN" dirty="0"/>
+              <a:t>.</a:t>
+            </a:r>
+            <a:endParaRPr lang="zh-CN" altLang="en-US" dirty="0"/>
+          </a:p>
+        </p:txBody>
+      </p:sp>
+    </p:spTree>
+    <p:extLst>
+      <p:ext uri="{BB962C8B-B14F-4D97-AF65-F5344CB8AC3E}">
+        <p14:creationId xmlns:p14="http://schemas.microsoft.com/office/powerpoint/2010/main" val="1338886880"/>
+      </p:ext>
+    </p:extLst>
+  </p:cSld>
+  <p:clrMapOvr>
+    <a:masterClrMapping/>
+  </p:clrMapOvr>
+</p:sld>
+</file>
+
+<file path=ppt/slides/slide4.xml><?xml version="1.0" encoding="utf-8"?>
 <p:sld xmlns:a="http://schemas.openxmlformats.org/drawingml/2006/main" xmlns:r="http://schemas.openxmlformats.org/officeDocument/2006/relationships" xmlns:p="http://schemas.openxmlformats.org/presentationml/2006/main">
   <p:cSld>
     <p:spTree>
@@ -24533,7 +29588,7 @@
 </p:sld>
 </file>
 
-<file path=ppt/slides/slide4.xml><?xml version="1.0" encoding="utf-8"?>
+<file path=ppt/slides/slide5.xml><?xml version="1.0" encoding="utf-8"?>
 <p:sld xmlns:a="http://schemas.openxmlformats.org/drawingml/2006/main" xmlns:r="http://schemas.openxmlformats.org/officeDocument/2006/relationships" xmlns:p="http://schemas.openxmlformats.org/presentationml/2006/main">
   <p:cSld>
     <p:spTree>
@@ -24628,7 +29683,7 @@
 </p:sld>
 </file>
 
-<file path=ppt/slides/slide5.xml><?xml version="1.0" encoding="utf-8"?>
+<file path=ppt/slides/slide6.xml><?xml version="1.0" encoding="utf-8"?>
 <p:sld xmlns:a="http://schemas.openxmlformats.org/drawingml/2006/main" xmlns:r="http://schemas.openxmlformats.org/officeDocument/2006/relationships" xmlns:p="http://schemas.openxmlformats.org/presentationml/2006/main">
   <p:cSld>
     <p:spTree>
@@ -24716,7 +29771,7 @@
 </p:sld>
 </file>
 
-<file path=ppt/slides/slide6.xml><?xml version="1.0" encoding="utf-8"?>
+<file path=ppt/slides/slide7.xml><?xml version="1.0" encoding="utf-8"?>
 <p:sld xmlns:a="http://schemas.openxmlformats.org/drawingml/2006/main" xmlns:r="http://schemas.openxmlformats.org/officeDocument/2006/relationships" xmlns:p="http://schemas.openxmlformats.org/presentationml/2006/main">
   <p:cSld>
     <p:spTree>
@@ -24810,7 +29865,7 @@
 </p:sld>
 </file>
 
-<file path=ppt/slides/slide7.xml><?xml version="1.0" encoding="utf-8"?>
+<file path=ppt/slides/slide8.xml><?xml version="1.0" encoding="utf-8"?>
 <p:sld xmlns:a="http://schemas.openxmlformats.org/drawingml/2006/main" xmlns:r="http://schemas.openxmlformats.org/officeDocument/2006/relationships" xmlns:p="http://schemas.openxmlformats.org/presentationml/2006/main">
   <p:cSld>
     <p:spTree>
@@ -24881,6 +29936,100 @@
     <p:extLst>
       <p:ext uri="{BB962C8B-B14F-4D97-AF65-F5344CB8AC3E}">
         <p14:creationId xmlns:p14="http://schemas.microsoft.com/office/powerpoint/2010/main" val="88010979"/>
+      </p:ext>
+    </p:extLst>
+  </p:cSld>
+  <p:clrMapOvr>
+    <a:masterClrMapping/>
+  </p:clrMapOvr>
+</p:sld>
+</file>
+
+<file path=ppt/slides/slide9.xml><?xml version="1.0" encoding="utf-8"?>
+<p:sld xmlns:a="http://schemas.openxmlformats.org/drawingml/2006/main" xmlns:r="http://schemas.openxmlformats.org/officeDocument/2006/relationships" xmlns:p="http://schemas.openxmlformats.org/presentationml/2006/main">
+  <p:cSld>
+    <p:spTree>
+      <p:nvGrpSpPr>
+        <p:cNvPr id="1" name=""/>
+        <p:cNvGrpSpPr/>
+        <p:nvPr/>
+      </p:nvGrpSpPr>
+      <p:grpSpPr>
+        <a:xfrm>
+          <a:off x="0" y="0"/>
+          <a:ext cx="0" cy="0"/>
+          <a:chOff x="0" y="0"/>
+          <a:chExt cx="0" cy="0"/>
+        </a:xfrm>
+      </p:grpSpPr>
+      <p:sp>
+        <p:nvSpPr>
+          <p:cNvPr id="2" name="标题 1">
+            <a:extLst>
+              <a:ext uri="{FF2B5EF4-FFF2-40B4-BE49-F238E27FC236}">
+                <a16:creationId xmlns:a16="http://schemas.microsoft.com/office/drawing/2014/main" id="{1CA1AF60-6CBC-499F-ADEA-9F84B2E572E1}"/>
+              </a:ext>
+            </a:extLst>
+          </p:cNvPr>
+          <p:cNvSpPr>
+            <a:spLocks noGrp="1"/>
+          </p:cNvSpPr>
+          <p:nvPr>
+            <p:ph type="title"/>
+          </p:nvPr>
+        </p:nvSpPr>
+        <p:spPr>
+          <a:xfrm>
+            <a:off x="1141413" y="618518"/>
+            <a:ext cx="9905998" cy="998247"/>
+          </a:xfrm>
+        </p:spPr>
+        <p:txBody>
+          <a:bodyPr/>
+          <a:lstStyle/>
+          <a:p>
+            <a:r>
+              <a:rPr lang="zh-CN" altLang="en-US" dirty="0"/>
+              <a:t>数据部分</a:t>
+            </a:r>
+          </a:p>
+        </p:txBody>
+      </p:sp>
+      <p:graphicFrame>
+        <p:nvGraphicFramePr>
+          <p:cNvPr id="4" name="内容占位符 3">
+            <a:extLst>
+              <a:ext uri="{FF2B5EF4-FFF2-40B4-BE49-F238E27FC236}">
+                <a16:creationId xmlns:a16="http://schemas.microsoft.com/office/drawing/2014/main" id="{20E86A15-23E4-4CEA-8BD9-384667528853}"/>
+              </a:ext>
+            </a:extLst>
+          </p:cNvPr>
+          <p:cNvGraphicFramePr>
+            <a:graphicFrameLocks noGrp="1"/>
+          </p:cNvGraphicFramePr>
+          <p:nvPr>
+            <p:ph idx="1"/>
+            <p:extLst>
+              <p:ext uri="{D42A27DB-BD31-4B8C-83A1-F6EECF244321}">
+                <p14:modId xmlns:p14="http://schemas.microsoft.com/office/powerpoint/2010/main" val="652627817"/>
+              </p:ext>
+            </p:extLst>
+          </p:nvPr>
+        </p:nvGraphicFramePr>
+        <p:xfrm>
+          <a:off x="1008892" y="1908106"/>
+          <a:ext cx="9906000" cy="3843337"/>
+        </p:xfrm>
+        <a:graphic>
+          <a:graphicData uri="http://schemas.openxmlformats.org/drawingml/2006/diagram">
+            <dgm:relIds xmlns:dgm="http://schemas.openxmlformats.org/drawingml/2006/diagram" xmlns:r="http://schemas.openxmlformats.org/officeDocument/2006/relationships" r:dm="rId2" r:lo="rId3" r:qs="rId4" r:cs="rId5"/>
+          </a:graphicData>
+        </a:graphic>
+      </p:graphicFrame>
+    </p:spTree>
+    <p:extLst>
+      <p:ext uri="{BB962C8B-B14F-4D97-AF65-F5344CB8AC3E}">
+        <p14:creationId xmlns:p14="http://schemas.microsoft.com/office/powerpoint/2010/main" val="770868351"/>
       </p:ext>
     </p:extLst>
   </p:cSld>
